--- a/doc/OnceUponATimeStoryOfSeeking-ZERO-COPY-Java-dev-shm-as-IPC-Transport-wrt-RDR_DIMENSION_operands_on_AE_JDG.pptx
+++ b/doc/OnceUponATimeStoryOfSeeking-ZERO-COPY-Java-dev-shm-as-IPC-Transport-wrt-RDR_DIMENSION_operands_on_AE_JDG.pptx
@@ -5,7 +5,7 @@
     <p:sldMasterId id="2147483648" r:id="rId1"/>
   </p:sldMasterIdLst>
   <p:notesMasterIdLst>
-    <p:notesMasterId r:id="rId19"/>
+    <p:notesMasterId r:id="rId22"/>
   </p:notesMasterIdLst>
   <p:sldIdLst>
     <p:sldId id="256" r:id="rId2"/>
@@ -24,7 +24,10 @@
     <p:sldId id="271" r:id="rId15"/>
     <p:sldId id="274" r:id="rId16"/>
     <p:sldId id="275" r:id="rId17"/>
-    <p:sldId id="269" r:id="rId18"/>
+    <p:sldId id="276" r:id="rId18"/>
+    <p:sldId id="278" r:id="rId19"/>
+    <p:sldId id="279" r:id="rId20"/>
+    <p:sldId id="269" r:id="rId21"/>
   </p:sldIdLst>
   <p:sldSz cx="9144000" cy="6858000" type="screen4x3"/>
   <p:notesSz cx="7010400" cy="9296400"/>
@@ -209,7 +212,7 @@
             <a:fld id="{E43FB4C3-DFE9-40EE-A3FD-8CBE2D181A2F}" type="datetimeFigureOut">
               <a:rPr lang="en-US" smtClean="0"/>
               <a:pPr/>
-              <a:t>5/21/2014</a:t>
+              <a:t>5/29/2014</a:t>
             </a:fld>
             <a:endParaRPr lang="en-US"/>
           </a:p>
@@ -739,7 +742,7 @@
             <a:fld id="{156898CE-C1E3-4BDA-9E2E-6477039A72FF}" type="datetimeFigureOut">
               <a:rPr lang="en-US" smtClean="0"/>
               <a:pPr/>
-              <a:t>5/21/2014</a:t>
+              <a:t>5/29/2014</a:t>
             </a:fld>
             <a:endParaRPr lang="en-US"/>
           </a:p>
@@ -906,7 +909,7 @@
             <a:fld id="{156898CE-C1E3-4BDA-9E2E-6477039A72FF}" type="datetimeFigureOut">
               <a:rPr lang="en-US" smtClean="0"/>
               <a:pPr/>
-              <a:t>5/21/2014</a:t>
+              <a:t>5/29/2014</a:t>
             </a:fld>
             <a:endParaRPr lang="en-US"/>
           </a:p>
@@ -1083,7 +1086,7 @@
             <a:fld id="{156898CE-C1E3-4BDA-9E2E-6477039A72FF}" type="datetimeFigureOut">
               <a:rPr lang="en-US" smtClean="0"/>
               <a:pPr/>
-              <a:t>5/21/2014</a:t>
+              <a:t>5/29/2014</a:t>
             </a:fld>
             <a:endParaRPr lang="en-US"/>
           </a:p>
@@ -1250,7 +1253,7 @@
             <a:fld id="{156898CE-C1E3-4BDA-9E2E-6477039A72FF}" type="datetimeFigureOut">
               <a:rPr lang="en-US" smtClean="0"/>
               <a:pPr/>
-              <a:t>5/21/2014</a:t>
+              <a:t>5/29/2014</a:t>
             </a:fld>
             <a:endParaRPr lang="en-US"/>
           </a:p>
@@ -1493,7 +1496,7 @@
             <a:fld id="{156898CE-C1E3-4BDA-9E2E-6477039A72FF}" type="datetimeFigureOut">
               <a:rPr lang="en-US" smtClean="0"/>
               <a:pPr/>
-              <a:t>5/21/2014</a:t>
+              <a:t>5/29/2014</a:t>
             </a:fld>
             <a:endParaRPr lang="en-US"/>
           </a:p>
@@ -1778,7 +1781,7 @@
             <a:fld id="{156898CE-C1E3-4BDA-9E2E-6477039A72FF}" type="datetimeFigureOut">
               <a:rPr lang="en-US" smtClean="0"/>
               <a:pPr/>
-              <a:t>5/21/2014</a:t>
+              <a:t>5/29/2014</a:t>
             </a:fld>
             <a:endParaRPr lang="en-US"/>
           </a:p>
@@ -2197,7 +2200,7 @@
             <a:fld id="{156898CE-C1E3-4BDA-9E2E-6477039A72FF}" type="datetimeFigureOut">
               <a:rPr lang="en-US" smtClean="0"/>
               <a:pPr/>
-              <a:t>5/21/2014</a:t>
+              <a:t>5/29/2014</a:t>
             </a:fld>
             <a:endParaRPr lang="en-US"/>
           </a:p>
@@ -2312,7 +2315,7 @@
             <a:fld id="{156898CE-C1E3-4BDA-9E2E-6477039A72FF}" type="datetimeFigureOut">
               <a:rPr lang="en-US" smtClean="0"/>
               <a:pPr/>
-              <a:t>5/21/2014</a:t>
+              <a:t>5/29/2014</a:t>
             </a:fld>
             <a:endParaRPr lang="en-US"/>
           </a:p>
@@ -2404,7 +2407,7 @@
             <a:fld id="{156898CE-C1E3-4BDA-9E2E-6477039A72FF}" type="datetimeFigureOut">
               <a:rPr lang="en-US" smtClean="0"/>
               <a:pPr/>
-              <a:t>5/21/2014</a:t>
+              <a:t>5/29/2014</a:t>
             </a:fld>
             <a:endParaRPr lang="en-US"/>
           </a:p>
@@ -2678,7 +2681,7 @@
             <a:fld id="{156898CE-C1E3-4BDA-9E2E-6477039A72FF}" type="datetimeFigureOut">
               <a:rPr lang="en-US" smtClean="0"/>
               <a:pPr/>
-              <a:t>5/21/2014</a:t>
+              <a:t>5/29/2014</a:t>
             </a:fld>
             <a:endParaRPr lang="en-US"/>
           </a:p>
@@ -2928,7 +2931,7 @@
             <a:fld id="{156898CE-C1E3-4BDA-9E2E-6477039A72FF}" type="datetimeFigureOut">
               <a:rPr lang="en-US" smtClean="0"/>
               <a:pPr/>
-              <a:t>5/21/2014</a:t>
+              <a:t>5/29/2014</a:t>
             </a:fld>
             <a:endParaRPr lang="en-US"/>
           </a:p>
@@ -3138,7 +3141,7 @@
             <a:fld id="{156898CE-C1E3-4BDA-9E2E-6477039A72FF}" type="datetimeFigureOut">
               <a:rPr lang="en-US" smtClean="0"/>
               <a:pPr/>
-              <a:t>5/21/2014</a:t>
+              <a:t>5/29/2014</a:t>
             </a:fld>
             <a:endParaRPr lang="en-US"/>
           </a:p>
@@ -3532,7 +3535,7 @@
             <a:fld id="{17C044C6-057F-46AB-A255-70C44A75AB8A}" type="datetime1">
               <a:rPr lang="en-US" smtClean="0"/>
               <a:pPr/>
-              <a:t>5/21/2014</a:t>
+              <a:t>5/29/2014</a:t>
             </a:fld>
             <a:endParaRPr lang="en-US" dirty="0"/>
           </a:p>
@@ -3628,11 +3631,7 @@
             <a:pPr algn="ctr"/>
             <a:r>
               <a:rPr lang="en-US" b="1" dirty="0" smtClean="0"/>
-              <a:t>Liquidity Risk Technology  </a:t>
-            </a:r>
-            <a:r>
-              <a:rPr lang="en-US" b="1" dirty="0" smtClean="0"/>
-              <a:t>Core Services </a:t>
+              <a:t>Liquidity Risk Technology  Core Services </a:t>
             </a:r>
             <a:r>
               <a:rPr lang="en-US" b="1" dirty="0" err="1" smtClean="0"/>
@@ -3656,15 +3655,7 @@
             </a:r>
             <a:r>
               <a:rPr lang="en-US" b="1" dirty="0" smtClean="0"/>
-              <a:t>  </a:t>
-            </a:r>
-            <a:r>
-              <a:rPr lang="en-US" b="1" dirty="0" smtClean="0"/>
-              <a:t>JDG</a:t>
-            </a:r>
-            <a:r>
-              <a:rPr lang="en-US" b="1" dirty="0" smtClean="0"/>
-              <a:t>:</a:t>
+              <a:t>  JDG:</a:t>
             </a:r>
           </a:p>
           <a:p>
@@ -3705,44 +3696,6 @@
               <a:t>An Historical “Once Upon a Time” Presentation …</a:t>
             </a:r>
             <a:endParaRPr lang="en-US" i="1" dirty="0"/>
-          </a:p>
-        </p:txBody>
-      </p:sp>
-      <p:sp>
-        <p:nvSpPr>
-          <p:cNvPr id="10" name="TextBox 9"/>
-          <p:cNvSpPr txBox="1"/>
-          <p:nvPr/>
-        </p:nvSpPr>
-        <p:spPr>
-          <a:xfrm>
-            <a:off x="457200" y="304800"/>
-            <a:ext cx="7620000" cy="1200329"/>
-          </a:xfrm>
-          <a:prstGeom prst="rect">
-            <a:avLst/>
-          </a:prstGeom>
-          <a:noFill/>
-        </p:spPr>
-        <p:txBody>
-          <a:bodyPr wrap="square" rtlCol="0">
-            <a:spAutoFit/>
-          </a:bodyPr>
-          <a:lstStyle/>
-          <a:p>
-            <a:r>
-              <a:rPr lang="en-US" sz="7200" dirty="0" smtClean="0">
-                <a:solidFill>
-                  <a:srgbClr val="C00000"/>
-                </a:solidFill>
-              </a:rPr>
-              <a:t>FINAL DRAFT</a:t>
-            </a:r>
-            <a:endParaRPr lang="en-US" sz="7200" dirty="0">
-              <a:solidFill>
-                <a:srgbClr val="C00000"/>
-              </a:solidFill>
-            </a:endParaRPr>
           </a:p>
         </p:txBody>
       </p:sp>
@@ -4153,15 +4106,7 @@
                   <a:srgbClr val="00B050"/>
                 </a:solidFill>
               </a:rPr>
-              <a:t>ZERO </a:t>
-            </a:r>
-            <a:r>
-              <a:rPr lang="en-US" sz="1370" b="1" dirty="0" smtClean="0">
-                <a:solidFill>
-                  <a:srgbClr val="00B050"/>
-                </a:solidFill>
-              </a:rPr>
-              <a:t>COPY  capability </a:t>
+              <a:t>ZERO COPY  capability </a:t>
             </a:r>
           </a:p>
           <a:p>
@@ -4226,31 +4171,7 @@
                   <a:srgbClr val="00B050"/>
                 </a:solidFill>
               </a:rPr>
-              <a:t> </a:t>
-            </a:r>
-            <a:r>
-              <a:rPr lang="en-US" sz="1400" b="1" dirty="0" smtClean="0">
-                <a:solidFill>
-                  <a:srgbClr val="00B050"/>
-                </a:solidFill>
-              </a:rPr>
-              <a:t>– for CBV </a:t>
-            </a:r>
-            <a:r>
-              <a:rPr lang="en-US" sz="1400" b="1" dirty="0" smtClean="0">
-                <a:solidFill>
-                  <a:srgbClr val="00B050"/>
-                </a:solidFill>
-              </a:rPr>
-              <a:t>Copy </a:t>
-            </a:r>
-            <a:r>
-              <a:rPr lang="en-US" sz="1400" b="1" dirty="0" smtClean="0">
-                <a:solidFill>
-                  <a:srgbClr val="00B050"/>
-                </a:solidFill>
-              </a:rPr>
-              <a:t>tolerant parts of Liquidity Risk AE.</a:t>
+              <a:t> – for CBV Copy tolerant parts of Liquidity Risk AE.</a:t>
             </a:r>
             <a:endParaRPr lang="en-US" sz="1370" b="1" dirty="0" smtClean="0">
               <a:solidFill>
@@ -4289,15 +4210,7 @@
                   <a:srgbClr val="00B050"/>
                 </a:solidFill>
               </a:rPr>
-              <a:t>CAPACITY </a:t>
-            </a:r>
-            <a:r>
-              <a:rPr lang="en-US" sz="1370" b="1" dirty="0" smtClean="0">
-                <a:solidFill>
-                  <a:srgbClr val="00B050"/>
-                </a:solidFill>
-              </a:rPr>
-              <a:t>LIMITED ONLY BY PHYSICAL RAM</a:t>
+              <a:t>CAPACITY LIMITED ONLY BY PHYSICAL RAM</a:t>
             </a:r>
           </a:p>
           <a:p>
@@ -4376,7 +4289,15 @@
                   <a:srgbClr val="C00000"/>
                 </a:solidFill>
               </a:rPr>
-              <a:t>DOES NOT SUPPORT </a:t>
+              <a:t>DOES NOT SUPPORT FULLY-TRANSITIVE GENERIC V=Object Graph as Cache&lt;K,V&gt; Operand.  Currently  {String, primitive} for ZC.  </a:t>
+            </a:r>
+            <a:r>
+              <a:rPr lang="en-US" sz="1370" b="1" u="sng" dirty="0" smtClean="0">
+                <a:solidFill>
+                  <a:srgbClr val="C00000"/>
+                </a:solidFill>
+              </a:rPr>
+              <a:t>NO  immediate </a:t>
             </a:r>
             <a:r>
               <a:rPr lang="en-US" sz="1370" b="1" dirty="0" smtClean="0">
@@ -4384,69 +4305,8 @@
                   <a:srgbClr val="C00000"/>
                 </a:solidFill>
               </a:rPr>
-              <a:t>FULLY-TRANSITIVE GENERIC V=Object </a:t>
-            </a:r>
-            <a:r>
-              <a:rPr lang="en-US" sz="1370" b="1" dirty="0" smtClean="0">
-                <a:solidFill>
-                  <a:srgbClr val="C00000"/>
-                </a:solidFill>
-              </a:rPr>
-              <a:t>Graph as Cache&lt;K,V&gt; Operand. </a:t>
-            </a:r>
-            <a:r>
-              <a:rPr lang="en-US" sz="1370" b="1" dirty="0" smtClean="0">
-                <a:solidFill>
-                  <a:srgbClr val="C00000"/>
-                </a:solidFill>
-              </a:rPr>
-              <a:t> Currently  {String, primitive} for ZC.  </a:t>
-            </a:r>
-            <a:r>
-              <a:rPr lang="en-US" sz="1370" b="1" u="sng" dirty="0" smtClean="0">
-                <a:solidFill>
-                  <a:srgbClr val="C00000"/>
-                </a:solidFill>
-              </a:rPr>
-              <a:t>NO </a:t>
-            </a:r>
-            <a:r>
-              <a:rPr lang="en-US" sz="1370" b="1" u="sng" dirty="0" smtClean="0">
-                <a:solidFill>
-                  <a:srgbClr val="C00000"/>
-                </a:solidFill>
-              </a:rPr>
-              <a:t> immediate </a:t>
-            </a:r>
-            <a:r>
-              <a:rPr lang="en-US" sz="1370" b="1" dirty="0" smtClean="0">
-                <a:solidFill>
-                  <a:srgbClr val="C00000"/>
-                </a:solidFill>
-              </a:rPr>
-              <a:t>Plug-N-Play </a:t>
-            </a:r>
-            <a:r>
-              <a:rPr lang="en-US" sz="1370" b="1" dirty="0" smtClean="0">
-                <a:solidFill>
-                  <a:srgbClr val="C00000"/>
-                </a:solidFill>
-              </a:rPr>
-              <a:t>w/ </a:t>
-            </a:r>
-            <a:r>
-              <a:rPr lang="en-US" sz="1370" b="1" dirty="0" smtClean="0">
-                <a:solidFill>
-                  <a:srgbClr val="C00000"/>
-                </a:solidFill>
-              </a:rPr>
-              <a:t>RDR_DIM Operands used by  Liquidity Risk AE</a:t>
-            </a:r>
-            <a:endParaRPr lang="en-US" sz="1370" b="1" dirty="0" smtClean="0">
-              <a:solidFill>
-                <a:srgbClr val="C00000"/>
-              </a:solidFill>
-            </a:endParaRPr>
+              <a:t>Plug-N-Play w/ RDR_DIM Operands used by  Liquidity Risk AE</a:t>
+            </a:r>
           </a:p>
           <a:p>
             <a:endParaRPr lang="en-US" sz="1370" b="1" dirty="0">
@@ -4462,7 +4322,15 @@
                   <a:srgbClr val="C00000"/>
                 </a:solidFill>
               </a:rPr>
-              <a:t>NOT YET ADAPTED </a:t>
+              <a:t>NOT YET ADAPTED w/in </a:t>
+            </a:r>
+            <a:r>
+              <a:rPr lang="en-US" sz="1370" b="1" dirty="0" err="1" smtClean="0">
+                <a:solidFill>
+                  <a:srgbClr val="C00000"/>
+                </a:solidFill>
+              </a:rPr>
+              <a:t>RedHat</a:t>
             </a:r>
             <a:r>
               <a:rPr lang="en-US" sz="1370" b="1" dirty="0" smtClean="0">
@@ -4470,47 +4338,7 @@
                   <a:srgbClr val="C00000"/>
                 </a:solidFill>
               </a:rPr>
-              <a:t>w/in</a:t>
-            </a:r>
-            <a:r>
-              <a:rPr lang="en-US" sz="1370" b="1" dirty="0" smtClean="0">
-                <a:solidFill>
-                  <a:srgbClr val="C00000"/>
-                </a:solidFill>
-              </a:rPr>
-              <a:t> </a:t>
-            </a:r>
-            <a:r>
-              <a:rPr lang="en-US" sz="1370" b="1" dirty="0" err="1" smtClean="0">
-                <a:solidFill>
-                  <a:srgbClr val="C00000"/>
-                </a:solidFill>
-              </a:rPr>
-              <a:t>RedHat</a:t>
-            </a:r>
-            <a:r>
-              <a:rPr lang="en-US" sz="1370" b="1" dirty="0" smtClean="0">
-                <a:solidFill>
-                  <a:srgbClr val="C00000"/>
-                </a:solidFill>
-              </a:rPr>
-              <a:t> JDG </a:t>
-            </a:r>
-            <a:r>
-              <a:rPr lang="en-US" sz="1370" b="1" dirty="0" smtClean="0">
-                <a:solidFill>
-                  <a:srgbClr val="C00000"/>
-                </a:solidFill>
-              </a:rPr>
-              <a:t>as JSR-107 </a:t>
-            </a:r>
-            <a:r>
-              <a:rPr lang="en-US" sz="1370" b="1" dirty="0" smtClean="0">
-                <a:solidFill>
-                  <a:srgbClr val="C00000"/>
-                </a:solidFill>
-              </a:rPr>
-              <a:t>compliant Cache&lt;K,V&gt; Operand.  </a:t>
+              <a:t> JDG as JSR-107 compliant Cache&lt;K,V&gt; Operand.  </a:t>
             </a:r>
           </a:p>
           <a:p>
@@ -4576,13 +4404,8 @@
           <a:p>
             <a:r>
               <a:rPr lang="en-US" sz="2400" b="1" dirty="0" smtClean="0"/>
-              <a:t>Off-Hea</a:t>
-            </a:r>
-            <a:r>
-              <a:rPr lang="en-US" sz="2400" b="1" dirty="0" smtClean="0"/>
-              <a:t>p</a:t>
-            </a:r>
-            <a:endParaRPr lang="en-US" sz="2400" b="1" dirty="0" smtClean="0"/>
+              <a:t>Off-Heap</a:t>
+            </a:r>
           </a:p>
           <a:p>
             <a:r>
@@ -4818,23 +4641,7 @@
                   <a:srgbClr val="C00000"/>
                 </a:solidFill>
               </a:rPr>
-              <a:t> </a:t>
-            </a:r>
-            <a:r>
-              <a:rPr lang="en-US" sz="1600" b="1" dirty="0" smtClean="0">
-                <a:solidFill>
-                  <a:srgbClr val="C00000"/>
-                </a:solidFill>
-              </a:rPr>
-              <a:t> planned support for  </a:t>
-            </a:r>
-            <a:r>
-              <a:rPr lang="en-US" sz="1600" b="1" dirty="0" smtClean="0">
-                <a:solidFill>
-                  <a:srgbClr val="C00000"/>
-                </a:solidFill>
-              </a:rPr>
-              <a:t>Ben, Dmitry, Charles  @JPM)</a:t>
+              <a:t>  planned support for  Ben, Dmitry, Charles  @JPM)</a:t>
             </a:r>
           </a:p>
         </p:txBody>
@@ -5229,8 +5036,8 @@
         </p:blipFill>
         <p:spPr bwMode="auto">
           <a:xfrm>
-            <a:off x="457200" y="685800"/>
-            <a:ext cx="6572250" cy="6012633"/>
+            <a:off x="457200" y="703228"/>
+            <a:ext cx="7239000" cy="5995205"/>
           </a:xfrm>
           <a:prstGeom prst="rect">
             <a:avLst/>
@@ -5302,14 +5109,3665 @@
       </p:pic>
       <p:sp>
         <p:nvSpPr>
-          <p:cNvPr id="3" name="TextBox 2"/>
+          <p:cNvPr id="1025" name="Rectangle 1"/>
+          <p:cNvSpPr>
+            <a:spLocks noChangeArrowheads="1"/>
+          </p:cNvSpPr>
+          <p:nvPr/>
+        </p:nvSpPr>
+        <p:spPr bwMode="auto">
+          <a:xfrm>
+            <a:off x="533400" y="228600"/>
+            <a:ext cx="7924800" cy="6155531"/>
+          </a:xfrm>
+          <a:prstGeom prst="rect">
+            <a:avLst/>
+          </a:prstGeom>
+          <a:noFill/>
+          <a:ln w="9525">
+            <a:noFill/>
+            <a:miter lim="800000"/>
+            <a:headEnd/>
+            <a:tailEnd/>
+          </a:ln>
+          <a:effectLst/>
+        </p:spPr>
+        <p:txBody>
+          <a:bodyPr vert="horz" wrap="square" lIns="91440" tIns="0" rIns="91440" bIns="0" numCol="1" anchor="ctr" anchorCtr="0" compatLnSpc="1">
+            <a:prstTxWarp prst="textNoShape">
+              <a:avLst/>
+            </a:prstTxWarp>
+            <a:spAutoFit/>
+          </a:bodyPr>
+          <a:lstStyle/>
+          <a:p>
+            <a:pPr marL="0" marR="0" lvl="0" indent="0" algn="l" defTabSz="914400" rtl="0" eaLnBrk="0" fontAlgn="base" latinLnBrk="0" hangingPunct="0">
+              <a:lnSpc>
+                <a:spcPct val="100000"/>
+              </a:lnSpc>
+              <a:spcBef>
+                <a:spcPct val="0"/>
+              </a:spcBef>
+              <a:spcAft>
+                <a:spcPct val="0"/>
+              </a:spcAft>
+              <a:buClrTx/>
+              <a:buSzTx/>
+              <a:buFontTx/>
+              <a:buNone/>
+              <a:tabLst/>
+            </a:pPr>
+            <a:r>
+              <a:rPr kumimoji="0" lang="en-US" sz="1400" b="1" i="0" u="none" strike="noStrike" cap="none" normalizeH="0" baseline="0" dirty="0" smtClean="0">
+                <a:ln>
+                  <a:noFill/>
+                </a:ln>
+                <a:solidFill>
+                  <a:srgbClr val="333333"/>
+                </a:solidFill>
+                <a:effectLst/>
+                <a:latin typeface="Consolas" pitchFamily="49" charset="0"/>
+                <a:cs typeface="Consolas" pitchFamily="49" charset="0"/>
+              </a:rPr>
+              <a:t>//Mock RDR_DIM</a:t>
+            </a:r>
+          </a:p>
+          <a:p>
+            <a:pPr marL="0" marR="0" lvl="0" indent="0" algn="l" defTabSz="914400" rtl="0" eaLnBrk="0" fontAlgn="base" latinLnBrk="0" hangingPunct="0">
+              <a:lnSpc>
+                <a:spcPct val="100000"/>
+              </a:lnSpc>
+              <a:spcBef>
+                <a:spcPct val="0"/>
+              </a:spcBef>
+              <a:spcAft>
+                <a:spcPct val="0"/>
+              </a:spcAft>
+              <a:buClrTx/>
+              <a:buSzTx/>
+              <a:buFontTx/>
+              <a:buNone/>
+              <a:tabLst/>
+            </a:pPr>
+            <a:endParaRPr kumimoji="0" lang="en-US" sz="1400" b="1" i="0" u="none" strike="noStrike" cap="none" normalizeH="0" baseline="0" dirty="0" smtClean="0">
+              <a:ln>
+                <a:noFill/>
+              </a:ln>
+              <a:solidFill>
+                <a:srgbClr val="333333"/>
+              </a:solidFill>
+              <a:effectLst/>
+              <a:latin typeface="Consolas" pitchFamily="49" charset="0"/>
+              <a:cs typeface="Consolas" pitchFamily="49" charset="0"/>
+            </a:endParaRPr>
+          </a:p>
+          <a:p>
+            <a:pPr marL="0" marR="0" lvl="0" indent="0" algn="l" defTabSz="914400" rtl="0" eaLnBrk="0" fontAlgn="base" latinLnBrk="0" hangingPunct="0">
+              <a:lnSpc>
+                <a:spcPct val="100000"/>
+              </a:lnSpc>
+              <a:spcBef>
+                <a:spcPct val="0"/>
+              </a:spcBef>
+              <a:spcAft>
+                <a:spcPct val="0"/>
+              </a:spcAft>
+              <a:buClrTx/>
+              <a:buSzTx/>
+              <a:buFontTx/>
+              <a:buNone/>
+              <a:tabLst/>
+            </a:pPr>
+            <a:r>
+              <a:rPr kumimoji="0" lang="en-US" sz="1000" b="1" i="0" u="none" strike="noStrike" cap="none" normalizeH="0" baseline="0" dirty="0" smtClean="0">
+                <a:ln>
+                  <a:noFill/>
+                </a:ln>
+                <a:solidFill>
+                  <a:srgbClr val="333333"/>
+                </a:solidFill>
+                <a:effectLst/>
+                <a:latin typeface="Consolas" pitchFamily="49" charset="0"/>
+                <a:cs typeface="Consolas" pitchFamily="49" charset="0"/>
+              </a:rPr>
+              <a:t>public</a:t>
+            </a:r>
+            <a:r>
+              <a:rPr kumimoji="0" lang="en-US" sz="1000" b="0" i="0" u="none" strike="noStrike" cap="none" normalizeH="0" baseline="0" dirty="0" smtClean="0">
+                <a:ln>
+                  <a:noFill/>
+                </a:ln>
+                <a:solidFill>
+                  <a:srgbClr val="333333"/>
+                </a:solidFill>
+                <a:effectLst/>
+                <a:latin typeface="Consolas" pitchFamily="49" charset="0"/>
+                <a:cs typeface="Consolas" pitchFamily="49" charset="0"/>
+              </a:rPr>
+              <a:t> </a:t>
+            </a:r>
+            <a:r>
+              <a:rPr kumimoji="0" lang="en-US" sz="1000" b="1" i="0" u="none" strike="noStrike" cap="none" normalizeH="0" baseline="0" dirty="0" smtClean="0">
+                <a:ln>
+                  <a:noFill/>
+                </a:ln>
+                <a:solidFill>
+                  <a:srgbClr val="333333"/>
+                </a:solidFill>
+                <a:effectLst/>
+                <a:latin typeface="Consolas" pitchFamily="49" charset="0"/>
+                <a:cs typeface="Consolas" pitchFamily="49" charset="0"/>
+              </a:rPr>
+              <a:t>interface</a:t>
+            </a:r>
+            <a:r>
+              <a:rPr kumimoji="0" lang="en-US" sz="1000" b="0" i="0" u="none" strike="noStrike" cap="none" normalizeH="0" baseline="0" dirty="0" smtClean="0">
+                <a:ln>
+                  <a:noFill/>
+                </a:ln>
+                <a:solidFill>
+                  <a:srgbClr val="333333"/>
+                </a:solidFill>
+                <a:effectLst/>
+                <a:latin typeface="Consolas" pitchFamily="49" charset="0"/>
+                <a:cs typeface="Consolas" pitchFamily="49" charset="0"/>
+              </a:rPr>
+              <a:t> </a:t>
+            </a:r>
+            <a:r>
+              <a:rPr kumimoji="0" lang="en-US" sz="2000" b="1" i="0" u="none" strike="noStrike" cap="none" normalizeH="0" baseline="0" dirty="0" err="1" smtClean="0">
+                <a:ln>
+                  <a:noFill/>
+                </a:ln>
+                <a:solidFill>
+                  <a:srgbClr val="00B050"/>
+                </a:solidFill>
+                <a:effectLst/>
+                <a:latin typeface="Consolas" pitchFamily="49" charset="0"/>
+                <a:cs typeface="Consolas" pitchFamily="49" charset="0"/>
+              </a:rPr>
+              <a:t>BondRDR_VOInterface</a:t>
+            </a:r>
+            <a:r>
+              <a:rPr kumimoji="0" lang="en-US" sz="1000" b="0" i="0" u="none" strike="noStrike" cap="none" normalizeH="0" baseline="0" dirty="0" smtClean="0">
+                <a:ln>
+                  <a:noFill/>
+                </a:ln>
+                <a:solidFill>
+                  <a:srgbClr val="333333"/>
+                </a:solidFill>
+                <a:effectLst/>
+                <a:latin typeface="Consolas" pitchFamily="49" charset="0"/>
+                <a:cs typeface="Consolas" pitchFamily="49" charset="0"/>
+              </a:rPr>
+              <a:t> </a:t>
+            </a:r>
+            <a:r>
+              <a:rPr kumimoji="0" lang="en-US" sz="2000" b="1" i="0" u="none" strike="noStrike" cap="none" normalizeH="0" baseline="0" dirty="0" smtClean="0">
+                <a:ln>
+                  <a:noFill/>
+                </a:ln>
+                <a:solidFill>
+                  <a:schemeClr val="tx1"/>
+                </a:solidFill>
+                <a:effectLst/>
+                <a:latin typeface="Arial" pitchFamily="34" charset="0"/>
+              </a:rPr>
+              <a:t>{</a:t>
+            </a:r>
+            <a:endParaRPr kumimoji="0" lang="en-US" sz="1000" b="0" i="0" u="none" strike="noStrike" cap="none" normalizeH="0" baseline="0" dirty="0" smtClean="0">
+              <a:ln>
+                <a:noFill/>
+              </a:ln>
+              <a:solidFill>
+                <a:srgbClr val="333333"/>
+              </a:solidFill>
+              <a:effectLst/>
+              <a:latin typeface="Consolas" pitchFamily="49" charset="0"/>
+              <a:cs typeface="Consolas" pitchFamily="49" charset="0"/>
+            </a:endParaRPr>
+          </a:p>
+          <a:p>
+            <a:pPr marL="0" marR="0" lvl="0" indent="0" algn="l" defTabSz="914400" rtl="0" eaLnBrk="0" fontAlgn="base" latinLnBrk="0" hangingPunct="0">
+              <a:lnSpc>
+                <a:spcPct val="100000"/>
+              </a:lnSpc>
+              <a:spcBef>
+                <a:spcPct val="0"/>
+              </a:spcBef>
+              <a:spcAft>
+                <a:spcPct val="0"/>
+              </a:spcAft>
+              <a:buClrTx/>
+              <a:buSzTx/>
+              <a:buFontTx/>
+              <a:buNone/>
+              <a:tabLst/>
+            </a:pPr>
+            <a:r>
+              <a:rPr kumimoji="0" lang="en-US" sz="1000" b="0" i="0" u="none" strike="noStrike" cap="none" normalizeH="0" baseline="0" dirty="0" smtClean="0">
+                <a:ln>
+                  <a:noFill/>
+                </a:ln>
+                <a:solidFill>
+                  <a:srgbClr val="333333"/>
+                </a:solidFill>
+                <a:effectLst/>
+                <a:latin typeface="Consolas" pitchFamily="49" charset="0"/>
+                <a:cs typeface="Consolas" pitchFamily="49" charset="0"/>
+              </a:rPr>
+              <a:t>    </a:t>
+            </a:r>
+            <a:r>
+              <a:rPr kumimoji="0" lang="en-US" sz="1000" b="1" i="0" u="none" strike="noStrike" cap="none" normalizeH="0" baseline="0" dirty="0" smtClean="0">
+                <a:ln>
+                  <a:noFill/>
+                </a:ln>
+                <a:solidFill>
+                  <a:srgbClr val="445588"/>
+                </a:solidFill>
+                <a:effectLst/>
+                <a:latin typeface="Consolas" pitchFamily="49" charset="0"/>
+                <a:cs typeface="Consolas" pitchFamily="49" charset="0"/>
+              </a:rPr>
+              <a:t>void</a:t>
+            </a:r>
+            <a:r>
+              <a:rPr kumimoji="0" lang="en-US" sz="1000" b="0" i="0" u="none" strike="noStrike" cap="none" normalizeH="0" baseline="0" dirty="0" smtClean="0">
+                <a:ln>
+                  <a:noFill/>
+                </a:ln>
+                <a:solidFill>
+                  <a:srgbClr val="333333"/>
+                </a:solidFill>
+                <a:effectLst/>
+                <a:latin typeface="Consolas" pitchFamily="49" charset="0"/>
+                <a:cs typeface="Consolas" pitchFamily="49" charset="0"/>
+              </a:rPr>
+              <a:t> </a:t>
+            </a:r>
+            <a:r>
+              <a:rPr kumimoji="0" lang="en-US" sz="1000" b="1" i="0" u="none" strike="noStrike" cap="none" normalizeH="0" baseline="0" dirty="0" err="1" smtClean="0">
+                <a:ln>
+                  <a:noFill/>
+                </a:ln>
+                <a:solidFill>
+                  <a:srgbClr val="990000"/>
+                </a:solidFill>
+                <a:effectLst/>
+                <a:latin typeface="Consolas" pitchFamily="49" charset="0"/>
+                <a:cs typeface="Consolas" pitchFamily="49" charset="0"/>
+              </a:rPr>
+              <a:t>busyLockEntry</a:t>
+            </a:r>
+            <a:r>
+              <a:rPr kumimoji="0" lang="en-US" sz="2000" b="1" i="0" u="none" strike="noStrike" cap="none" normalizeH="0" baseline="0" dirty="0" smtClean="0">
+                <a:ln>
+                  <a:noFill/>
+                </a:ln>
+                <a:solidFill>
+                  <a:schemeClr val="tx1"/>
+                </a:solidFill>
+                <a:effectLst/>
+                <a:latin typeface="Arial" pitchFamily="34" charset="0"/>
+              </a:rPr>
+              <a:t>()</a:t>
+            </a:r>
+            <a:r>
+              <a:rPr kumimoji="0" lang="en-US" sz="1000" b="0" i="0" u="none" strike="noStrike" cap="none" normalizeH="0" baseline="0" dirty="0" smtClean="0">
+                <a:ln>
+                  <a:noFill/>
+                </a:ln>
+                <a:solidFill>
+                  <a:srgbClr val="333333"/>
+                </a:solidFill>
+                <a:effectLst/>
+                <a:latin typeface="Consolas" pitchFamily="49" charset="0"/>
+                <a:cs typeface="Consolas" pitchFamily="49" charset="0"/>
+              </a:rPr>
+              <a:t> </a:t>
+            </a:r>
+            <a:r>
+              <a:rPr kumimoji="0" lang="en-US" sz="1000" b="1" i="0" u="none" strike="noStrike" cap="none" normalizeH="0" baseline="0" dirty="0" smtClean="0">
+                <a:ln>
+                  <a:noFill/>
+                </a:ln>
+                <a:solidFill>
+                  <a:srgbClr val="333333"/>
+                </a:solidFill>
+                <a:effectLst/>
+                <a:latin typeface="Consolas" pitchFamily="49" charset="0"/>
+                <a:cs typeface="Consolas" pitchFamily="49" charset="0"/>
+              </a:rPr>
+              <a:t>throws</a:t>
+            </a:r>
+            <a:r>
+              <a:rPr kumimoji="0" lang="en-US" sz="1000" b="0" i="0" u="none" strike="noStrike" cap="none" normalizeH="0" baseline="0" dirty="0" smtClean="0">
+                <a:ln>
+                  <a:noFill/>
+                </a:ln>
+                <a:solidFill>
+                  <a:srgbClr val="333333"/>
+                </a:solidFill>
+                <a:effectLst/>
+                <a:latin typeface="Consolas" pitchFamily="49" charset="0"/>
+                <a:cs typeface="Consolas" pitchFamily="49" charset="0"/>
+              </a:rPr>
+              <a:t> </a:t>
+            </a:r>
+            <a:r>
+              <a:rPr kumimoji="0" lang="en-US" sz="1400" b="0" i="0" u="none" strike="noStrike" cap="none" normalizeH="0" baseline="0" dirty="0" err="1" smtClean="0">
+                <a:ln>
+                  <a:noFill/>
+                </a:ln>
+                <a:solidFill>
+                  <a:srgbClr val="333333"/>
+                </a:solidFill>
+                <a:effectLst/>
+                <a:latin typeface="Arial" pitchFamily="34" charset="0"/>
+              </a:rPr>
+              <a:t>InterruptedException</a:t>
+            </a:r>
+            <a:r>
+              <a:rPr kumimoji="0" lang="en-US" sz="2000" b="1" i="0" u="none" strike="noStrike" cap="none" normalizeH="0" baseline="0" dirty="0" smtClean="0">
+                <a:ln>
+                  <a:noFill/>
+                </a:ln>
+                <a:solidFill>
+                  <a:schemeClr val="tx1"/>
+                </a:solidFill>
+                <a:effectLst/>
+                <a:latin typeface="Arial" pitchFamily="34" charset="0"/>
+              </a:rPr>
+              <a:t>;</a:t>
+            </a:r>
+            <a:r>
+              <a:rPr lang="en-US" sz="1000" dirty="0" smtClean="0">
+                <a:solidFill>
+                  <a:srgbClr val="333333"/>
+                </a:solidFill>
+                <a:latin typeface="Consolas" pitchFamily="49" charset="0"/>
+                <a:cs typeface="Consolas" pitchFamily="49" charset="0"/>
+              </a:rPr>
+              <a:t> </a:t>
+            </a:r>
+          </a:p>
+          <a:p>
+            <a:pPr marL="0" marR="0" lvl="0" indent="0" algn="l" defTabSz="914400" rtl="0" eaLnBrk="0" fontAlgn="base" latinLnBrk="0" hangingPunct="0">
+              <a:lnSpc>
+                <a:spcPct val="100000"/>
+              </a:lnSpc>
+              <a:spcBef>
+                <a:spcPct val="0"/>
+              </a:spcBef>
+              <a:spcAft>
+                <a:spcPct val="0"/>
+              </a:spcAft>
+              <a:buClrTx/>
+              <a:buSzTx/>
+              <a:buFontTx/>
+              <a:buNone/>
+              <a:tabLst/>
+            </a:pPr>
+            <a:r>
+              <a:rPr kumimoji="0" lang="en-US" sz="1000" b="1" i="0" u="none" strike="noStrike" cap="none" normalizeH="0" baseline="0" dirty="0" smtClean="0">
+                <a:ln>
+                  <a:noFill/>
+                </a:ln>
+                <a:solidFill>
+                  <a:srgbClr val="333333"/>
+                </a:solidFill>
+                <a:effectLst/>
+                <a:latin typeface="Consolas" pitchFamily="49" charset="0"/>
+                <a:cs typeface="Consolas" pitchFamily="49" charset="0"/>
+              </a:rPr>
+              <a:t>    </a:t>
+            </a:r>
+            <a:r>
+              <a:rPr kumimoji="0" lang="en-US" sz="1000" b="1" i="0" u="none" strike="noStrike" cap="none" normalizeH="0" baseline="0" dirty="0" smtClean="0">
+                <a:ln>
+                  <a:noFill/>
+                </a:ln>
+                <a:solidFill>
+                  <a:srgbClr val="445588"/>
+                </a:solidFill>
+                <a:effectLst/>
+                <a:latin typeface="Consolas" pitchFamily="49" charset="0"/>
+                <a:cs typeface="Consolas" pitchFamily="49" charset="0"/>
+              </a:rPr>
+              <a:t>void</a:t>
+            </a:r>
+            <a:r>
+              <a:rPr kumimoji="0" lang="en-US" sz="1000" b="0" i="0" u="none" strike="noStrike" cap="none" normalizeH="0" baseline="0" dirty="0" smtClean="0">
+                <a:ln>
+                  <a:noFill/>
+                </a:ln>
+                <a:solidFill>
+                  <a:srgbClr val="333333"/>
+                </a:solidFill>
+                <a:effectLst/>
+                <a:latin typeface="Consolas" pitchFamily="49" charset="0"/>
+                <a:cs typeface="Consolas" pitchFamily="49" charset="0"/>
+              </a:rPr>
+              <a:t> </a:t>
+            </a:r>
+            <a:r>
+              <a:rPr kumimoji="0" lang="en-US" sz="1000" b="1" i="0" u="none" strike="noStrike" cap="none" normalizeH="0" baseline="0" dirty="0" err="1" smtClean="0">
+                <a:ln>
+                  <a:noFill/>
+                </a:ln>
+                <a:solidFill>
+                  <a:srgbClr val="990000"/>
+                </a:solidFill>
+                <a:effectLst/>
+                <a:latin typeface="Consolas" pitchFamily="49" charset="0"/>
+                <a:cs typeface="Consolas" pitchFamily="49" charset="0"/>
+              </a:rPr>
+              <a:t>unlockEntry</a:t>
+            </a:r>
+            <a:r>
+              <a:rPr kumimoji="0" lang="en-US" sz="2000" b="1" i="0" u="none" strike="noStrike" cap="none" normalizeH="0" baseline="0" dirty="0" smtClean="0">
+                <a:ln>
+                  <a:noFill/>
+                </a:ln>
+                <a:solidFill>
+                  <a:schemeClr val="tx1"/>
+                </a:solidFill>
+                <a:effectLst/>
+                <a:latin typeface="Arial" pitchFamily="34" charset="0"/>
+              </a:rPr>
+              <a:t>();</a:t>
+            </a:r>
+          </a:p>
+          <a:p>
+            <a:pPr lvl="0" eaLnBrk="0" fontAlgn="base" hangingPunct="0">
+              <a:spcBef>
+                <a:spcPct val="0"/>
+              </a:spcBef>
+              <a:spcAft>
+                <a:spcPct val="0"/>
+              </a:spcAft>
+            </a:pPr>
+            <a:r>
+              <a:rPr kumimoji="0" lang="en-US" sz="1000" b="0" i="0" u="none" strike="noStrike" cap="none" normalizeH="0" baseline="0" dirty="0" smtClean="0">
+                <a:ln>
+                  <a:noFill/>
+                </a:ln>
+                <a:solidFill>
+                  <a:srgbClr val="333333"/>
+                </a:solidFill>
+                <a:effectLst/>
+                <a:latin typeface="Consolas" pitchFamily="49" charset="0"/>
+                <a:cs typeface="Consolas" pitchFamily="49" charset="0"/>
+              </a:rPr>
+              <a:t>   </a:t>
+            </a:r>
+          </a:p>
+          <a:p>
+            <a:pPr marL="0" marR="0" lvl="0" indent="0" algn="l" defTabSz="914400" rtl="0" eaLnBrk="0" fontAlgn="base" latinLnBrk="0" hangingPunct="0">
+              <a:lnSpc>
+                <a:spcPct val="100000"/>
+              </a:lnSpc>
+              <a:spcBef>
+                <a:spcPct val="0"/>
+              </a:spcBef>
+              <a:spcAft>
+                <a:spcPct val="0"/>
+              </a:spcAft>
+              <a:buClrTx/>
+              <a:buSzTx/>
+              <a:buFontTx/>
+              <a:buNone/>
+              <a:tabLst/>
+            </a:pPr>
+            <a:r>
+              <a:rPr lang="en-US" sz="1000" dirty="0" smtClean="0">
+                <a:solidFill>
+                  <a:srgbClr val="333333"/>
+                </a:solidFill>
+                <a:latin typeface="Consolas" pitchFamily="49" charset="0"/>
+                <a:cs typeface="Consolas" pitchFamily="49" charset="0"/>
+              </a:rPr>
+              <a:t>    </a:t>
+            </a:r>
+            <a:r>
+              <a:rPr kumimoji="0" lang="en-US" sz="1000" b="1" i="0" u="none" strike="noStrike" cap="none" normalizeH="0" baseline="0" dirty="0" smtClean="0">
+                <a:ln>
+                  <a:noFill/>
+                </a:ln>
+                <a:solidFill>
+                  <a:srgbClr val="445588"/>
+                </a:solidFill>
+                <a:effectLst/>
+                <a:latin typeface="Consolas" pitchFamily="49" charset="0"/>
+                <a:cs typeface="Consolas" pitchFamily="49" charset="0"/>
+              </a:rPr>
+              <a:t>long</a:t>
+            </a:r>
+            <a:r>
+              <a:rPr kumimoji="0" lang="en-US" sz="1000" b="0" i="0" u="none" strike="noStrike" cap="none" normalizeH="0" baseline="0" dirty="0" smtClean="0">
+                <a:ln>
+                  <a:noFill/>
+                </a:ln>
+                <a:solidFill>
+                  <a:srgbClr val="333333"/>
+                </a:solidFill>
+                <a:effectLst/>
+                <a:latin typeface="Consolas" pitchFamily="49" charset="0"/>
+                <a:cs typeface="Consolas" pitchFamily="49" charset="0"/>
+              </a:rPr>
+              <a:t> </a:t>
+            </a:r>
+            <a:r>
+              <a:rPr kumimoji="0" lang="en-US" sz="1000" b="1" i="0" u="none" strike="noStrike" cap="none" normalizeH="0" baseline="0" dirty="0" err="1" smtClean="0">
+                <a:ln>
+                  <a:noFill/>
+                </a:ln>
+                <a:solidFill>
+                  <a:srgbClr val="990000"/>
+                </a:solidFill>
+                <a:effectLst/>
+                <a:latin typeface="Consolas" pitchFamily="49" charset="0"/>
+                <a:cs typeface="Consolas" pitchFamily="49" charset="0"/>
+              </a:rPr>
+              <a:t>getIssueDate</a:t>
+            </a:r>
+            <a:r>
+              <a:rPr kumimoji="0" lang="en-US" sz="2000" b="1" i="0" u="none" strike="noStrike" cap="none" normalizeH="0" baseline="0" dirty="0" smtClean="0">
+                <a:ln>
+                  <a:noFill/>
+                </a:ln>
+                <a:solidFill>
+                  <a:schemeClr val="tx1"/>
+                </a:solidFill>
+                <a:effectLst/>
+                <a:latin typeface="Arial" pitchFamily="34" charset="0"/>
+              </a:rPr>
+              <a:t>();</a:t>
+            </a:r>
+            <a:r>
+              <a:rPr kumimoji="0" lang="en-US" sz="2000" b="1" i="0" u="none" strike="noStrike" cap="none" normalizeH="0" dirty="0" smtClean="0">
+                <a:ln>
+                  <a:noFill/>
+                </a:ln>
+                <a:solidFill>
+                  <a:schemeClr val="tx1"/>
+                </a:solidFill>
+                <a:effectLst/>
+                <a:latin typeface="Arial" pitchFamily="34" charset="0"/>
+              </a:rPr>
+              <a:t> </a:t>
+            </a:r>
+          </a:p>
+          <a:p>
+            <a:pPr marL="0" marR="0" lvl="0" indent="0" algn="l" defTabSz="914400" rtl="0" eaLnBrk="0" fontAlgn="base" latinLnBrk="0" hangingPunct="0">
+              <a:lnSpc>
+                <a:spcPct val="100000"/>
+              </a:lnSpc>
+              <a:spcBef>
+                <a:spcPct val="0"/>
+              </a:spcBef>
+              <a:spcAft>
+                <a:spcPct val="0"/>
+              </a:spcAft>
+              <a:buClrTx/>
+              <a:buSzTx/>
+              <a:buFontTx/>
+              <a:buNone/>
+              <a:tabLst/>
+            </a:pPr>
+            <a:r>
+              <a:rPr lang="en-US" sz="2000" b="1" dirty="0" smtClean="0">
+                <a:latin typeface="Arial" pitchFamily="34" charset="0"/>
+                <a:cs typeface="Consolas" pitchFamily="49" charset="0"/>
+              </a:rPr>
+              <a:t>  </a:t>
+            </a:r>
+            <a:r>
+              <a:rPr lang="en-US" sz="2000" b="1" baseline="0" dirty="0" smtClean="0">
+                <a:latin typeface="Arial" pitchFamily="34" charset="0"/>
+                <a:cs typeface="Consolas" pitchFamily="49" charset="0"/>
+              </a:rPr>
+              <a:t>  </a:t>
+            </a:r>
+            <a:r>
+              <a:rPr kumimoji="0" lang="en-US" sz="1000" b="1" i="0" u="none" strike="noStrike" cap="none" normalizeH="0" baseline="0" dirty="0" smtClean="0">
+                <a:ln>
+                  <a:noFill/>
+                </a:ln>
+                <a:solidFill>
+                  <a:srgbClr val="445588"/>
+                </a:solidFill>
+                <a:effectLst/>
+                <a:latin typeface="Consolas" pitchFamily="49" charset="0"/>
+                <a:cs typeface="Consolas" pitchFamily="49" charset="0"/>
+              </a:rPr>
+              <a:t>void</a:t>
+            </a:r>
+            <a:r>
+              <a:rPr kumimoji="0" lang="en-US" sz="1000" b="0" i="0" u="none" strike="noStrike" cap="none" normalizeH="0" baseline="0" dirty="0" smtClean="0">
+                <a:ln>
+                  <a:noFill/>
+                </a:ln>
+                <a:solidFill>
+                  <a:srgbClr val="333333"/>
+                </a:solidFill>
+                <a:effectLst/>
+                <a:latin typeface="Consolas" pitchFamily="49" charset="0"/>
+                <a:cs typeface="Consolas" pitchFamily="49" charset="0"/>
+              </a:rPr>
+              <a:t> </a:t>
+            </a:r>
+            <a:r>
+              <a:rPr kumimoji="0" lang="en-US" sz="1000" b="1" i="0" u="none" strike="noStrike" cap="none" normalizeH="0" baseline="0" dirty="0" err="1" smtClean="0">
+                <a:ln>
+                  <a:noFill/>
+                </a:ln>
+                <a:solidFill>
+                  <a:srgbClr val="990000"/>
+                </a:solidFill>
+                <a:effectLst/>
+                <a:latin typeface="Consolas" pitchFamily="49" charset="0"/>
+                <a:cs typeface="Consolas" pitchFamily="49" charset="0"/>
+              </a:rPr>
+              <a:t>setIssueDate</a:t>
+            </a:r>
+            <a:r>
+              <a:rPr kumimoji="0" lang="en-US" sz="2000" b="1" i="0" u="none" strike="noStrike" cap="none" normalizeH="0" baseline="0" dirty="0" smtClean="0">
+                <a:ln>
+                  <a:noFill/>
+                </a:ln>
+                <a:solidFill>
+                  <a:schemeClr val="tx1"/>
+                </a:solidFill>
+                <a:effectLst/>
+                <a:latin typeface="Arial" pitchFamily="34" charset="0"/>
+              </a:rPr>
+              <a:t>(</a:t>
+            </a:r>
+            <a:r>
+              <a:rPr kumimoji="0" lang="en-US" sz="1000" b="1" i="0" u="none" strike="noStrike" cap="none" normalizeH="0" baseline="0" dirty="0" smtClean="0">
+                <a:ln>
+                  <a:noFill/>
+                </a:ln>
+                <a:solidFill>
+                  <a:srgbClr val="445588"/>
+                </a:solidFill>
+                <a:effectLst/>
+                <a:latin typeface="Consolas" pitchFamily="49" charset="0"/>
+                <a:cs typeface="Consolas" pitchFamily="49" charset="0"/>
+              </a:rPr>
+              <a:t>long</a:t>
+            </a:r>
+            <a:r>
+              <a:rPr kumimoji="0" lang="en-US" sz="1000" b="0" i="0" u="none" strike="noStrike" cap="none" normalizeH="0" baseline="0" dirty="0" smtClean="0">
+                <a:ln>
+                  <a:noFill/>
+                </a:ln>
+                <a:solidFill>
+                  <a:srgbClr val="333333"/>
+                </a:solidFill>
+                <a:effectLst/>
+                <a:latin typeface="Consolas" pitchFamily="49" charset="0"/>
+                <a:cs typeface="Consolas" pitchFamily="49" charset="0"/>
+              </a:rPr>
+              <a:t> </a:t>
+            </a:r>
+            <a:r>
+              <a:rPr kumimoji="0" lang="en-US" sz="1400" b="0" i="0" u="none" strike="noStrike" cap="none" normalizeH="0" baseline="0" dirty="0" err="1" smtClean="0">
+                <a:ln>
+                  <a:noFill/>
+                </a:ln>
+                <a:solidFill>
+                  <a:srgbClr val="333333"/>
+                </a:solidFill>
+                <a:effectLst/>
+                <a:latin typeface="Arial" pitchFamily="34" charset="0"/>
+              </a:rPr>
+              <a:t>issueDate</a:t>
+            </a:r>
+            <a:r>
+              <a:rPr kumimoji="0" lang="en-US" sz="2000" b="1" i="0" u="none" strike="noStrike" cap="none" normalizeH="0" baseline="0" dirty="0" smtClean="0">
+                <a:ln>
+                  <a:noFill/>
+                </a:ln>
+                <a:solidFill>
+                  <a:schemeClr val="tx1"/>
+                </a:solidFill>
+                <a:effectLst/>
+                <a:latin typeface="Arial" pitchFamily="34" charset="0"/>
+              </a:rPr>
+              <a:t>);</a:t>
+            </a:r>
+          </a:p>
+          <a:p>
+            <a:pPr lvl="0" eaLnBrk="0" fontAlgn="base" hangingPunct="0">
+              <a:spcBef>
+                <a:spcPct val="0"/>
+              </a:spcBef>
+              <a:spcAft>
+                <a:spcPct val="0"/>
+              </a:spcAft>
+            </a:pPr>
+            <a:r>
+              <a:rPr lang="en-US" sz="1000" b="1" dirty="0" smtClean="0">
+                <a:solidFill>
+                  <a:srgbClr val="445588"/>
+                </a:solidFill>
+                <a:latin typeface="Consolas" pitchFamily="49" charset="0"/>
+                <a:cs typeface="Consolas" pitchFamily="49" charset="0"/>
+              </a:rPr>
+              <a:t>    long</a:t>
+            </a:r>
+            <a:r>
+              <a:rPr lang="en-US" sz="1000" dirty="0" smtClean="0">
+                <a:solidFill>
+                  <a:srgbClr val="333333"/>
+                </a:solidFill>
+                <a:latin typeface="Consolas" pitchFamily="49" charset="0"/>
+                <a:cs typeface="Consolas" pitchFamily="49" charset="0"/>
+              </a:rPr>
+              <a:t> </a:t>
+            </a:r>
+            <a:r>
+              <a:rPr lang="en-US" sz="1000" b="1" dirty="0" err="1" smtClean="0">
+                <a:solidFill>
+                  <a:srgbClr val="990000"/>
+                </a:solidFill>
+                <a:latin typeface="Consolas" pitchFamily="49" charset="0"/>
+                <a:cs typeface="Consolas" pitchFamily="49" charset="0"/>
+              </a:rPr>
+              <a:t>addAtomicIssueDate</a:t>
+            </a:r>
+            <a:r>
+              <a:rPr lang="en-US" sz="1000" b="1" dirty="0" smtClean="0">
+                <a:latin typeface="Arial" pitchFamily="34" charset="0"/>
+              </a:rPr>
+              <a:t>(</a:t>
+            </a:r>
+            <a:r>
+              <a:rPr lang="en-US" sz="1000" b="1" dirty="0" smtClean="0">
+                <a:solidFill>
+                  <a:srgbClr val="445588"/>
+                </a:solidFill>
+                <a:latin typeface="Consolas" pitchFamily="49" charset="0"/>
+                <a:cs typeface="Consolas" pitchFamily="49" charset="0"/>
+              </a:rPr>
+              <a:t>long</a:t>
+            </a:r>
+            <a:r>
+              <a:rPr lang="en-US" sz="1000" dirty="0" smtClean="0">
+                <a:solidFill>
+                  <a:srgbClr val="333333"/>
+                </a:solidFill>
+                <a:latin typeface="Consolas" pitchFamily="49" charset="0"/>
+                <a:cs typeface="Consolas" pitchFamily="49" charset="0"/>
+              </a:rPr>
+              <a:t> </a:t>
+            </a:r>
+            <a:r>
+              <a:rPr lang="en-US" sz="1400" dirty="0" err="1" smtClean="0">
+                <a:solidFill>
+                  <a:srgbClr val="333333"/>
+                </a:solidFill>
+                <a:latin typeface="Arial" pitchFamily="34" charset="0"/>
+              </a:rPr>
+              <a:t>toAdd</a:t>
+            </a:r>
+            <a:r>
+              <a:rPr lang="en-US" sz="1000" b="1" dirty="0" smtClean="0">
+                <a:latin typeface="Arial" pitchFamily="34" charset="0"/>
+              </a:rPr>
+              <a:t>);</a:t>
+            </a:r>
+            <a:r>
+              <a:rPr kumimoji="0" lang="en-US" sz="1000" b="0" i="0" u="none" strike="noStrike" cap="none" normalizeH="0" baseline="0" dirty="0" smtClean="0">
+                <a:ln>
+                  <a:noFill/>
+                </a:ln>
+                <a:solidFill>
+                  <a:srgbClr val="333333"/>
+                </a:solidFill>
+                <a:effectLst/>
+                <a:latin typeface="Consolas" pitchFamily="49" charset="0"/>
+                <a:cs typeface="Consolas" pitchFamily="49" charset="0"/>
+              </a:rPr>
+              <a:t> </a:t>
+            </a:r>
+          </a:p>
+          <a:p>
+            <a:pPr marL="0" marR="0" lvl="0" indent="0" algn="l" defTabSz="914400" rtl="0" eaLnBrk="0" fontAlgn="base" latinLnBrk="0" hangingPunct="0">
+              <a:lnSpc>
+                <a:spcPct val="100000"/>
+              </a:lnSpc>
+              <a:spcBef>
+                <a:spcPct val="0"/>
+              </a:spcBef>
+              <a:spcAft>
+                <a:spcPct val="0"/>
+              </a:spcAft>
+              <a:buClrTx/>
+              <a:buSzTx/>
+              <a:buFontTx/>
+              <a:buNone/>
+              <a:tabLst/>
+            </a:pPr>
+            <a:endParaRPr kumimoji="0" lang="en-US" sz="1000" b="0" i="0" u="none" strike="noStrike" cap="none" normalizeH="0" baseline="0" dirty="0" smtClean="0">
+              <a:ln>
+                <a:noFill/>
+              </a:ln>
+              <a:solidFill>
+                <a:srgbClr val="333333"/>
+              </a:solidFill>
+              <a:effectLst/>
+              <a:latin typeface="Consolas" pitchFamily="49" charset="0"/>
+              <a:cs typeface="Consolas" pitchFamily="49" charset="0"/>
+            </a:endParaRPr>
+          </a:p>
+          <a:p>
+            <a:pPr marL="0" marR="0" lvl="0" indent="0" algn="l" defTabSz="914400" rtl="0" eaLnBrk="0" fontAlgn="base" latinLnBrk="0" hangingPunct="0">
+              <a:lnSpc>
+                <a:spcPct val="100000"/>
+              </a:lnSpc>
+              <a:spcBef>
+                <a:spcPct val="0"/>
+              </a:spcBef>
+              <a:spcAft>
+                <a:spcPct val="0"/>
+              </a:spcAft>
+              <a:buClrTx/>
+              <a:buSzTx/>
+              <a:buFontTx/>
+              <a:buNone/>
+              <a:tabLst/>
+            </a:pPr>
+            <a:r>
+              <a:rPr lang="en-US" sz="1000" dirty="0" smtClean="0">
+                <a:solidFill>
+                  <a:srgbClr val="333333"/>
+                </a:solidFill>
+                <a:latin typeface="Consolas" pitchFamily="49" charset="0"/>
+                <a:cs typeface="Consolas" pitchFamily="49" charset="0"/>
+              </a:rPr>
+              <a:t>    </a:t>
+            </a:r>
+            <a:r>
+              <a:rPr kumimoji="0" lang="en-US" sz="1000" b="1" i="0" u="none" strike="noStrike" cap="none" normalizeH="0" baseline="0" dirty="0" smtClean="0">
+                <a:ln>
+                  <a:noFill/>
+                </a:ln>
+                <a:solidFill>
+                  <a:srgbClr val="445588"/>
+                </a:solidFill>
+                <a:effectLst/>
+                <a:latin typeface="Consolas" pitchFamily="49" charset="0"/>
+                <a:cs typeface="Consolas" pitchFamily="49" charset="0"/>
+              </a:rPr>
+              <a:t>long</a:t>
+            </a:r>
+            <a:r>
+              <a:rPr kumimoji="0" lang="en-US" sz="1000" b="0" i="0" u="none" strike="noStrike" cap="none" normalizeH="0" baseline="0" dirty="0" smtClean="0">
+                <a:ln>
+                  <a:noFill/>
+                </a:ln>
+                <a:solidFill>
+                  <a:srgbClr val="333333"/>
+                </a:solidFill>
+                <a:effectLst/>
+                <a:latin typeface="Consolas" pitchFamily="49" charset="0"/>
+                <a:cs typeface="Consolas" pitchFamily="49" charset="0"/>
+              </a:rPr>
+              <a:t> </a:t>
+            </a:r>
+            <a:r>
+              <a:rPr kumimoji="0" lang="en-US" sz="1000" b="1" i="0" u="none" strike="noStrike" cap="none" normalizeH="0" baseline="0" dirty="0" err="1" smtClean="0">
+                <a:ln>
+                  <a:noFill/>
+                </a:ln>
+                <a:solidFill>
+                  <a:srgbClr val="990000"/>
+                </a:solidFill>
+                <a:effectLst/>
+                <a:latin typeface="Consolas" pitchFamily="49" charset="0"/>
+                <a:cs typeface="Consolas" pitchFamily="49" charset="0"/>
+              </a:rPr>
+              <a:t>getMaturityDate</a:t>
+            </a:r>
+            <a:r>
+              <a:rPr kumimoji="0" lang="en-US" sz="2000" b="1" i="0" u="none" strike="noStrike" cap="none" normalizeH="0" baseline="0" dirty="0" smtClean="0">
+                <a:ln>
+                  <a:noFill/>
+                </a:ln>
+                <a:solidFill>
+                  <a:schemeClr val="tx1"/>
+                </a:solidFill>
+                <a:effectLst/>
+                <a:latin typeface="Arial" pitchFamily="34" charset="0"/>
+              </a:rPr>
+              <a:t>();</a:t>
+            </a:r>
+            <a:r>
+              <a:rPr lang="en-US" sz="1000" dirty="0" smtClean="0">
+                <a:solidFill>
+                  <a:srgbClr val="333333"/>
+                </a:solidFill>
+                <a:latin typeface="Consolas" pitchFamily="49" charset="0"/>
+                <a:cs typeface="Consolas" pitchFamily="49" charset="0"/>
+              </a:rPr>
+              <a:t> </a:t>
+            </a:r>
+            <a:r>
+              <a:rPr kumimoji="0" lang="en-US" sz="1000" b="1" i="0" u="none" strike="noStrike" cap="none" normalizeH="0" dirty="0" smtClean="0">
+                <a:ln>
+                  <a:noFill/>
+                </a:ln>
+                <a:solidFill>
+                  <a:srgbClr val="333333"/>
+                </a:solidFill>
+                <a:effectLst/>
+                <a:latin typeface="Consolas" pitchFamily="49" charset="0"/>
+                <a:cs typeface="Consolas" pitchFamily="49" charset="0"/>
+              </a:rPr>
+              <a:t> </a:t>
+            </a:r>
+          </a:p>
+          <a:p>
+            <a:pPr marL="0" marR="0" lvl="0" indent="0" algn="l" defTabSz="914400" rtl="0" eaLnBrk="0" fontAlgn="base" latinLnBrk="0" hangingPunct="0">
+              <a:lnSpc>
+                <a:spcPct val="100000"/>
+              </a:lnSpc>
+              <a:spcBef>
+                <a:spcPct val="0"/>
+              </a:spcBef>
+              <a:spcAft>
+                <a:spcPct val="0"/>
+              </a:spcAft>
+              <a:buClrTx/>
+              <a:buSzTx/>
+              <a:buFontTx/>
+              <a:buNone/>
+              <a:tabLst/>
+            </a:pPr>
+            <a:r>
+              <a:rPr lang="en-US" sz="1000" b="1" baseline="0" dirty="0" smtClean="0">
+                <a:solidFill>
+                  <a:srgbClr val="333333"/>
+                </a:solidFill>
+                <a:latin typeface="Consolas" pitchFamily="49" charset="0"/>
+                <a:cs typeface="Consolas" pitchFamily="49" charset="0"/>
+              </a:rPr>
+              <a:t>    </a:t>
+            </a:r>
+            <a:r>
+              <a:rPr kumimoji="0" lang="en-US" sz="1000" b="1" i="0" u="none" strike="noStrike" cap="none" normalizeH="0" baseline="0" dirty="0" smtClean="0">
+                <a:ln>
+                  <a:noFill/>
+                </a:ln>
+                <a:solidFill>
+                  <a:srgbClr val="445588"/>
+                </a:solidFill>
+                <a:effectLst/>
+                <a:latin typeface="Consolas" pitchFamily="49" charset="0"/>
+                <a:cs typeface="Consolas" pitchFamily="49" charset="0"/>
+              </a:rPr>
+              <a:t>void</a:t>
+            </a:r>
+            <a:r>
+              <a:rPr kumimoji="0" lang="en-US" sz="1000" b="0" i="0" u="none" strike="noStrike" cap="none" normalizeH="0" baseline="0" dirty="0" smtClean="0">
+                <a:ln>
+                  <a:noFill/>
+                </a:ln>
+                <a:solidFill>
+                  <a:srgbClr val="333333"/>
+                </a:solidFill>
+                <a:effectLst/>
+                <a:latin typeface="Consolas" pitchFamily="49" charset="0"/>
+                <a:cs typeface="Consolas" pitchFamily="49" charset="0"/>
+              </a:rPr>
+              <a:t> </a:t>
+            </a:r>
+            <a:r>
+              <a:rPr kumimoji="0" lang="en-US" sz="1000" b="1" i="0" u="none" strike="noStrike" cap="none" normalizeH="0" baseline="0" dirty="0" err="1" smtClean="0">
+                <a:ln>
+                  <a:noFill/>
+                </a:ln>
+                <a:solidFill>
+                  <a:srgbClr val="990000"/>
+                </a:solidFill>
+                <a:effectLst/>
+                <a:latin typeface="Consolas" pitchFamily="49" charset="0"/>
+                <a:cs typeface="Consolas" pitchFamily="49" charset="0"/>
+              </a:rPr>
+              <a:t>setMaturityDate</a:t>
+            </a:r>
+            <a:r>
+              <a:rPr kumimoji="0" lang="en-US" sz="2000" b="1" i="0" u="none" strike="noStrike" cap="none" normalizeH="0" baseline="0" dirty="0" smtClean="0">
+                <a:ln>
+                  <a:noFill/>
+                </a:ln>
+                <a:solidFill>
+                  <a:schemeClr val="tx1"/>
+                </a:solidFill>
+                <a:effectLst/>
+                <a:latin typeface="Arial" pitchFamily="34" charset="0"/>
+              </a:rPr>
+              <a:t>(</a:t>
+            </a:r>
+            <a:r>
+              <a:rPr kumimoji="0" lang="en-US" sz="1000" b="1" i="0" u="none" strike="noStrike" cap="none" normalizeH="0" baseline="0" dirty="0" smtClean="0">
+                <a:ln>
+                  <a:noFill/>
+                </a:ln>
+                <a:solidFill>
+                  <a:srgbClr val="445588"/>
+                </a:solidFill>
+                <a:effectLst/>
+                <a:latin typeface="Consolas" pitchFamily="49" charset="0"/>
+                <a:cs typeface="Consolas" pitchFamily="49" charset="0"/>
+              </a:rPr>
+              <a:t>long</a:t>
+            </a:r>
+            <a:r>
+              <a:rPr kumimoji="0" lang="en-US" sz="1000" b="0" i="0" u="none" strike="noStrike" cap="none" normalizeH="0" baseline="0" dirty="0" smtClean="0">
+                <a:ln>
+                  <a:noFill/>
+                </a:ln>
+                <a:solidFill>
+                  <a:srgbClr val="333333"/>
+                </a:solidFill>
+                <a:effectLst/>
+                <a:latin typeface="Consolas" pitchFamily="49" charset="0"/>
+                <a:cs typeface="Consolas" pitchFamily="49" charset="0"/>
+              </a:rPr>
+              <a:t> </a:t>
+            </a:r>
+            <a:r>
+              <a:rPr kumimoji="0" lang="en-US" sz="1400" b="0" i="0" u="none" strike="noStrike" cap="none" normalizeH="0" baseline="0" dirty="0" err="1" smtClean="0">
+                <a:ln>
+                  <a:noFill/>
+                </a:ln>
+                <a:solidFill>
+                  <a:srgbClr val="333333"/>
+                </a:solidFill>
+                <a:effectLst/>
+                <a:latin typeface="Arial" pitchFamily="34" charset="0"/>
+              </a:rPr>
+              <a:t>maturityDate</a:t>
+            </a:r>
+            <a:r>
+              <a:rPr kumimoji="0" lang="en-US" sz="2000" b="1" i="0" u="none" strike="noStrike" cap="none" normalizeH="0" baseline="0" dirty="0" smtClean="0">
+                <a:ln>
+                  <a:noFill/>
+                </a:ln>
+                <a:solidFill>
+                  <a:schemeClr val="tx1"/>
+                </a:solidFill>
+                <a:effectLst/>
+                <a:latin typeface="Arial" pitchFamily="34" charset="0"/>
+              </a:rPr>
+              <a:t>);</a:t>
+            </a:r>
+            <a:r>
+              <a:rPr kumimoji="0" lang="en-US" sz="1000" b="0" i="0" u="none" strike="noStrike" cap="none" normalizeH="0" baseline="0" dirty="0" smtClean="0">
+                <a:ln>
+                  <a:noFill/>
+                </a:ln>
+                <a:solidFill>
+                  <a:srgbClr val="333333"/>
+                </a:solidFill>
+                <a:effectLst/>
+                <a:latin typeface="Consolas" pitchFamily="49" charset="0"/>
+                <a:cs typeface="Consolas" pitchFamily="49" charset="0"/>
+              </a:rPr>
+              <a:t> </a:t>
+            </a:r>
+            <a:r>
+              <a:rPr lang="en-US" sz="1000" dirty="0" smtClean="0">
+                <a:solidFill>
+                  <a:srgbClr val="333333"/>
+                </a:solidFill>
+                <a:latin typeface="Consolas" pitchFamily="49" charset="0"/>
+                <a:cs typeface="Consolas" pitchFamily="49" charset="0"/>
+              </a:rPr>
+              <a:t> </a:t>
+            </a:r>
+          </a:p>
+          <a:p>
+            <a:pPr marL="0" marR="0" lvl="0" indent="0" algn="l" defTabSz="914400" rtl="0" eaLnBrk="0" fontAlgn="base" latinLnBrk="0" hangingPunct="0">
+              <a:lnSpc>
+                <a:spcPct val="100000"/>
+              </a:lnSpc>
+              <a:spcBef>
+                <a:spcPct val="0"/>
+              </a:spcBef>
+              <a:spcAft>
+                <a:spcPct val="0"/>
+              </a:spcAft>
+              <a:buClrTx/>
+              <a:buSzTx/>
+              <a:buFontTx/>
+              <a:buNone/>
+              <a:tabLst/>
+            </a:pPr>
+            <a:r>
+              <a:rPr kumimoji="0" lang="en-US" sz="1000" b="1" i="0" u="none" strike="noStrike" cap="none" normalizeH="0" baseline="0" dirty="0" smtClean="0">
+                <a:ln>
+                  <a:noFill/>
+                </a:ln>
+                <a:solidFill>
+                  <a:srgbClr val="333333"/>
+                </a:solidFill>
+                <a:effectLst/>
+                <a:latin typeface="Consolas" pitchFamily="49" charset="0"/>
+                <a:cs typeface="Consolas" pitchFamily="49" charset="0"/>
+              </a:rPr>
+              <a:t>    </a:t>
+            </a:r>
+            <a:r>
+              <a:rPr kumimoji="0" lang="en-US" sz="1000" b="1" i="0" u="none" strike="noStrike" cap="none" normalizeH="0" baseline="0" dirty="0" smtClean="0">
+                <a:ln>
+                  <a:noFill/>
+                </a:ln>
+                <a:solidFill>
+                  <a:srgbClr val="445588"/>
+                </a:solidFill>
+                <a:effectLst/>
+                <a:latin typeface="Consolas" pitchFamily="49" charset="0"/>
+                <a:cs typeface="Consolas" pitchFamily="49" charset="0"/>
+              </a:rPr>
+              <a:t>long</a:t>
+            </a:r>
+            <a:r>
+              <a:rPr kumimoji="0" lang="en-US" sz="1000" b="0" i="0" u="none" strike="noStrike" cap="none" normalizeH="0" baseline="0" dirty="0" smtClean="0">
+                <a:ln>
+                  <a:noFill/>
+                </a:ln>
+                <a:solidFill>
+                  <a:srgbClr val="333333"/>
+                </a:solidFill>
+                <a:effectLst/>
+                <a:latin typeface="Consolas" pitchFamily="49" charset="0"/>
+                <a:cs typeface="Consolas" pitchFamily="49" charset="0"/>
+              </a:rPr>
+              <a:t> </a:t>
+            </a:r>
+            <a:r>
+              <a:rPr kumimoji="0" lang="en-US" sz="1000" b="1" i="0" u="none" strike="noStrike" cap="none" normalizeH="0" baseline="0" dirty="0" err="1" smtClean="0">
+                <a:ln>
+                  <a:noFill/>
+                </a:ln>
+                <a:solidFill>
+                  <a:srgbClr val="990000"/>
+                </a:solidFill>
+                <a:effectLst/>
+                <a:latin typeface="Consolas" pitchFamily="49" charset="0"/>
+                <a:cs typeface="Consolas" pitchFamily="49" charset="0"/>
+              </a:rPr>
+              <a:t>addAtomicMaturityDate</a:t>
+            </a:r>
+            <a:r>
+              <a:rPr kumimoji="0" lang="en-US" sz="2000" b="1" i="0" u="none" strike="noStrike" cap="none" normalizeH="0" baseline="0" dirty="0" smtClean="0">
+                <a:ln>
+                  <a:noFill/>
+                </a:ln>
+                <a:solidFill>
+                  <a:schemeClr val="tx1"/>
+                </a:solidFill>
+                <a:effectLst/>
+                <a:latin typeface="Arial" pitchFamily="34" charset="0"/>
+              </a:rPr>
+              <a:t>(</a:t>
+            </a:r>
+            <a:r>
+              <a:rPr kumimoji="0" lang="en-US" sz="1000" b="1" i="0" u="none" strike="noStrike" cap="none" normalizeH="0" baseline="0" dirty="0" smtClean="0">
+                <a:ln>
+                  <a:noFill/>
+                </a:ln>
+                <a:solidFill>
+                  <a:srgbClr val="445588"/>
+                </a:solidFill>
+                <a:effectLst/>
+                <a:latin typeface="Consolas" pitchFamily="49" charset="0"/>
+                <a:cs typeface="Consolas" pitchFamily="49" charset="0"/>
+              </a:rPr>
+              <a:t>long</a:t>
+            </a:r>
+            <a:r>
+              <a:rPr kumimoji="0" lang="en-US" sz="1000" b="0" i="0" u="none" strike="noStrike" cap="none" normalizeH="0" baseline="0" dirty="0" smtClean="0">
+                <a:ln>
+                  <a:noFill/>
+                </a:ln>
+                <a:solidFill>
+                  <a:srgbClr val="333333"/>
+                </a:solidFill>
+                <a:effectLst/>
+                <a:latin typeface="Consolas" pitchFamily="49" charset="0"/>
+                <a:cs typeface="Consolas" pitchFamily="49" charset="0"/>
+              </a:rPr>
+              <a:t> </a:t>
+            </a:r>
+            <a:r>
+              <a:rPr kumimoji="0" lang="en-US" sz="1400" b="0" i="0" u="none" strike="noStrike" cap="none" normalizeH="0" baseline="0" dirty="0" err="1" smtClean="0">
+                <a:ln>
+                  <a:noFill/>
+                </a:ln>
+                <a:solidFill>
+                  <a:srgbClr val="333333"/>
+                </a:solidFill>
+                <a:effectLst/>
+                <a:latin typeface="Arial" pitchFamily="34" charset="0"/>
+              </a:rPr>
+              <a:t>toAdd</a:t>
+            </a:r>
+            <a:r>
+              <a:rPr kumimoji="0" lang="en-US" sz="2000" b="1" i="0" u="none" strike="noStrike" cap="none" normalizeH="0" baseline="0" dirty="0" smtClean="0">
+                <a:ln>
+                  <a:noFill/>
+                </a:ln>
+                <a:solidFill>
+                  <a:schemeClr val="tx1"/>
+                </a:solidFill>
+                <a:effectLst/>
+                <a:latin typeface="Arial" pitchFamily="34" charset="0"/>
+              </a:rPr>
+              <a:t>);</a:t>
+            </a:r>
+          </a:p>
+          <a:p>
+            <a:pPr marL="0" marR="0" lvl="0" indent="0" algn="l" defTabSz="914400" rtl="0" eaLnBrk="0" fontAlgn="base" latinLnBrk="0" hangingPunct="0">
+              <a:lnSpc>
+                <a:spcPct val="100000"/>
+              </a:lnSpc>
+              <a:spcBef>
+                <a:spcPct val="0"/>
+              </a:spcBef>
+              <a:spcAft>
+                <a:spcPct val="0"/>
+              </a:spcAft>
+              <a:buClrTx/>
+              <a:buSzTx/>
+              <a:buFontTx/>
+              <a:buNone/>
+              <a:tabLst/>
+            </a:pPr>
+            <a:r>
+              <a:rPr kumimoji="0" lang="en-US" sz="1000" b="0" i="0" u="none" strike="noStrike" cap="none" normalizeH="0" baseline="0" dirty="0" smtClean="0">
+                <a:ln>
+                  <a:noFill/>
+                </a:ln>
+                <a:solidFill>
+                  <a:srgbClr val="333333"/>
+                </a:solidFill>
+                <a:effectLst/>
+                <a:latin typeface="Consolas" pitchFamily="49" charset="0"/>
+                <a:cs typeface="Consolas" pitchFamily="49" charset="0"/>
+              </a:rPr>
+              <a:t/>
+            </a:r>
+            <a:br>
+              <a:rPr kumimoji="0" lang="en-US" sz="1000" b="0" i="0" u="none" strike="noStrike" cap="none" normalizeH="0" baseline="0" dirty="0" smtClean="0">
+                <a:ln>
+                  <a:noFill/>
+                </a:ln>
+                <a:solidFill>
+                  <a:srgbClr val="333333"/>
+                </a:solidFill>
+                <a:effectLst/>
+                <a:latin typeface="Consolas" pitchFamily="49" charset="0"/>
+                <a:cs typeface="Consolas" pitchFamily="49" charset="0"/>
+              </a:rPr>
+            </a:br>
+            <a:r>
+              <a:rPr kumimoji="0" lang="en-US" sz="1000" b="0" i="0" u="none" strike="noStrike" cap="none" normalizeH="0" dirty="0" smtClean="0">
+                <a:ln>
+                  <a:noFill/>
+                </a:ln>
+                <a:solidFill>
+                  <a:srgbClr val="333333"/>
+                </a:solidFill>
+                <a:effectLst/>
+                <a:latin typeface="Consolas" pitchFamily="49" charset="0"/>
+                <a:cs typeface="Consolas" pitchFamily="49" charset="0"/>
+              </a:rPr>
+              <a:t>  </a:t>
+            </a:r>
+            <a:r>
+              <a:rPr kumimoji="0" lang="en-US" sz="1000" b="0" i="0" u="none" strike="noStrike" cap="none" normalizeH="0" baseline="0" dirty="0" smtClean="0">
+                <a:ln>
+                  <a:noFill/>
+                </a:ln>
+                <a:solidFill>
+                  <a:srgbClr val="333333"/>
+                </a:solidFill>
+                <a:effectLst/>
+                <a:latin typeface="Consolas" pitchFamily="49" charset="0"/>
+                <a:cs typeface="Consolas" pitchFamily="49" charset="0"/>
+              </a:rPr>
+              <a:t>  </a:t>
+            </a:r>
+            <a:r>
+              <a:rPr kumimoji="0" lang="en-US" sz="1000" b="1" i="0" u="none" strike="noStrike" cap="none" normalizeH="0" baseline="0" dirty="0" smtClean="0">
+                <a:ln>
+                  <a:noFill/>
+                </a:ln>
+                <a:solidFill>
+                  <a:srgbClr val="445588"/>
+                </a:solidFill>
+                <a:effectLst/>
+                <a:latin typeface="Consolas" pitchFamily="49" charset="0"/>
+                <a:cs typeface="Consolas" pitchFamily="49" charset="0"/>
+              </a:rPr>
+              <a:t>double</a:t>
+            </a:r>
+            <a:r>
+              <a:rPr kumimoji="0" lang="en-US" sz="1000" b="0" i="0" u="none" strike="noStrike" cap="none" normalizeH="0" baseline="0" dirty="0" smtClean="0">
+                <a:ln>
+                  <a:noFill/>
+                </a:ln>
+                <a:solidFill>
+                  <a:srgbClr val="333333"/>
+                </a:solidFill>
+                <a:effectLst/>
+                <a:latin typeface="Consolas" pitchFamily="49" charset="0"/>
+                <a:cs typeface="Consolas" pitchFamily="49" charset="0"/>
+              </a:rPr>
+              <a:t> </a:t>
+            </a:r>
+            <a:r>
+              <a:rPr kumimoji="0" lang="en-US" sz="1000" b="1" i="0" u="none" strike="noStrike" cap="none" normalizeH="0" baseline="0" dirty="0" err="1" smtClean="0">
+                <a:ln>
+                  <a:noFill/>
+                </a:ln>
+                <a:solidFill>
+                  <a:srgbClr val="990000"/>
+                </a:solidFill>
+                <a:effectLst/>
+                <a:latin typeface="Consolas" pitchFamily="49" charset="0"/>
+                <a:cs typeface="Consolas" pitchFamily="49" charset="0"/>
+              </a:rPr>
+              <a:t>getCoupon</a:t>
+            </a:r>
+            <a:r>
+              <a:rPr kumimoji="0" lang="en-US" sz="2000" b="1" i="0" u="none" strike="noStrike" cap="none" normalizeH="0" baseline="0" dirty="0" smtClean="0">
+                <a:ln>
+                  <a:noFill/>
+                </a:ln>
+                <a:solidFill>
+                  <a:schemeClr val="tx1"/>
+                </a:solidFill>
+                <a:effectLst/>
+                <a:latin typeface="Arial" pitchFamily="34" charset="0"/>
+              </a:rPr>
+              <a:t>();</a:t>
+            </a:r>
+          </a:p>
+          <a:p>
+            <a:pPr marL="0" marR="0" lvl="0" indent="0" algn="l" defTabSz="914400" rtl="0" eaLnBrk="0" fontAlgn="base" latinLnBrk="0" hangingPunct="0">
+              <a:lnSpc>
+                <a:spcPct val="100000"/>
+              </a:lnSpc>
+              <a:spcBef>
+                <a:spcPct val="0"/>
+              </a:spcBef>
+              <a:spcAft>
+                <a:spcPct val="0"/>
+              </a:spcAft>
+              <a:buClrTx/>
+              <a:buSzTx/>
+              <a:buFontTx/>
+              <a:buNone/>
+              <a:tabLst/>
+            </a:pPr>
+            <a:r>
+              <a:rPr lang="en-US" sz="2000" b="1" dirty="0" smtClean="0">
+                <a:latin typeface="Arial" pitchFamily="34" charset="0"/>
+                <a:cs typeface="Consolas" pitchFamily="49" charset="0"/>
+              </a:rPr>
+              <a:t>    </a:t>
+            </a:r>
+            <a:r>
+              <a:rPr kumimoji="0" lang="en-US" sz="1000" b="1" i="0" u="none" strike="noStrike" cap="none" normalizeH="0" baseline="0" dirty="0" smtClean="0">
+                <a:ln>
+                  <a:noFill/>
+                </a:ln>
+                <a:solidFill>
+                  <a:srgbClr val="445588"/>
+                </a:solidFill>
+                <a:effectLst/>
+                <a:latin typeface="Consolas" pitchFamily="49" charset="0"/>
+                <a:cs typeface="Consolas" pitchFamily="49" charset="0"/>
+              </a:rPr>
+              <a:t>void</a:t>
+            </a:r>
+            <a:r>
+              <a:rPr kumimoji="0" lang="en-US" sz="1000" b="0" i="0" u="none" strike="noStrike" cap="none" normalizeH="0" baseline="0" dirty="0" smtClean="0">
+                <a:ln>
+                  <a:noFill/>
+                </a:ln>
+                <a:solidFill>
+                  <a:srgbClr val="333333"/>
+                </a:solidFill>
+                <a:effectLst/>
+                <a:latin typeface="Consolas" pitchFamily="49" charset="0"/>
+                <a:cs typeface="Consolas" pitchFamily="49" charset="0"/>
+              </a:rPr>
+              <a:t> </a:t>
+            </a:r>
+            <a:r>
+              <a:rPr kumimoji="0" lang="en-US" sz="1000" b="1" i="0" u="none" strike="noStrike" cap="none" normalizeH="0" baseline="0" dirty="0" err="1" smtClean="0">
+                <a:ln>
+                  <a:noFill/>
+                </a:ln>
+                <a:solidFill>
+                  <a:srgbClr val="990000"/>
+                </a:solidFill>
+                <a:effectLst/>
+                <a:latin typeface="Consolas" pitchFamily="49" charset="0"/>
+                <a:cs typeface="Consolas" pitchFamily="49" charset="0"/>
+              </a:rPr>
+              <a:t>setCoupon</a:t>
+            </a:r>
+            <a:r>
+              <a:rPr kumimoji="0" lang="en-US" sz="2000" b="1" i="0" u="none" strike="noStrike" cap="none" normalizeH="0" baseline="0" dirty="0" smtClean="0">
+                <a:ln>
+                  <a:noFill/>
+                </a:ln>
+                <a:solidFill>
+                  <a:schemeClr val="tx1"/>
+                </a:solidFill>
+                <a:effectLst/>
+                <a:latin typeface="Arial" pitchFamily="34" charset="0"/>
+              </a:rPr>
+              <a:t>(</a:t>
+            </a:r>
+            <a:r>
+              <a:rPr kumimoji="0" lang="en-US" sz="1000" b="1" i="0" u="none" strike="noStrike" cap="none" normalizeH="0" baseline="0" dirty="0" smtClean="0">
+                <a:ln>
+                  <a:noFill/>
+                </a:ln>
+                <a:solidFill>
+                  <a:srgbClr val="445588"/>
+                </a:solidFill>
+                <a:effectLst/>
+                <a:latin typeface="Consolas" pitchFamily="49" charset="0"/>
+                <a:cs typeface="Consolas" pitchFamily="49" charset="0"/>
+              </a:rPr>
+              <a:t>double</a:t>
+            </a:r>
+            <a:r>
+              <a:rPr kumimoji="0" lang="en-US" sz="1000" b="0" i="0" u="none" strike="noStrike" cap="none" normalizeH="0" baseline="0" dirty="0" smtClean="0">
+                <a:ln>
+                  <a:noFill/>
+                </a:ln>
+                <a:solidFill>
+                  <a:srgbClr val="333333"/>
+                </a:solidFill>
+                <a:effectLst/>
+                <a:latin typeface="Consolas" pitchFamily="49" charset="0"/>
+                <a:cs typeface="Consolas" pitchFamily="49" charset="0"/>
+              </a:rPr>
+              <a:t> </a:t>
+            </a:r>
+            <a:r>
+              <a:rPr kumimoji="0" lang="en-US" sz="1400" b="0" i="0" u="none" strike="noStrike" cap="none" normalizeH="0" baseline="0" dirty="0" smtClean="0">
+                <a:ln>
+                  <a:noFill/>
+                </a:ln>
+                <a:solidFill>
+                  <a:srgbClr val="333333"/>
+                </a:solidFill>
+                <a:effectLst/>
+                <a:latin typeface="Arial" pitchFamily="34" charset="0"/>
+              </a:rPr>
+              <a:t>coupon</a:t>
+            </a:r>
+            <a:r>
+              <a:rPr kumimoji="0" lang="en-US" sz="2000" b="1" i="0" u="none" strike="noStrike" cap="none" normalizeH="0" baseline="0" dirty="0" smtClean="0">
+                <a:ln>
+                  <a:noFill/>
+                </a:ln>
+                <a:solidFill>
+                  <a:schemeClr val="tx1"/>
+                </a:solidFill>
+                <a:effectLst/>
+                <a:latin typeface="Arial" pitchFamily="34" charset="0"/>
+              </a:rPr>
+              <a:t>);</a:t>
+            </a:r>
+            <a:r>
+              <a:rPr kumimoji="0" lang="en-US" sz="1000" b="1" i="0" u="none" strike="noStrike" cap="none" normalizeH="0" dirty="0" smtClean="0">
+                <a:ln>
+                  <a:noFill/>
+                </a:ln>
+                <a:solidFill>
+                  <a:srgbClr val="333333"/>
+                </a:solidFill>
+                <a:effectLst/>
+                <a:latin typeface="Consolas" pitchFamily="49" charset="0"/>
+                <a:cs typeface="Consolas" pitchFamily="49" charset="0"/>
+              </a:rPr>
+              <a:t> </a:t>
+            </a:r>
+          </a:p>
+          <a:p>
+            <a:pPr marL="0" marR="0" lvl="0" indent="0" algn="l" defTabSz="914400" rtl="0" eaLnBrk="0" fontAlgn="base" latinLnBrk="0" hangingPunct="0">
+              <a:lnSpc>
+                <a:spcPct val="100000"/>
+              </a:lnSpc>
+              <a:spcBef>
+                <a:spcPct val="0"/>
+              </a:spcBef>
+              <a:spcAft>
+                <a:spcPct val="0"/>
+              </a:spcAft>
+              <a:buClrTx/>
+              <a:buSzTx/>
+              <a:buFontTx/>
+              <a:buNone/>
+              <a:tabLst/>
+            </a:pPr>
+            <a:r>
+              <a:rPr lang="en-US" sz="1000" b="1" baseline="0" dirty="0" smtClean="0">
+                <a:solidFill>
+                  <a:srgbClr val="333333"/>
+                </a:solidFill>
+                <a:latin typeface="Consolas" pitchFamily="49" charset="0"/>
+                <a:cs typeface="Consolas" pitchFamily="49" charset="0"/>
+              </a:rPr>
+              <a:t>    </a:t>
+            </a:r>
+            <a:r>
+              <a:rPr kumimoji="0" lang="en-US" sz="1000" b="1" i="0" u="none" strike="noStrike" cap="none" normalizeH="0" baseline="0" dirty="0" smtClean="0">
+                <a:ln>
+                  <a:noFill/>
+                </a:ln>
+                <a:solidFill>
+                  <a:srgbClr val="445588"/>
+                </a:solidFill>
+                <a:effectLst/>
+                <a:latin typeface="Consolas" pitchFamily="49" charset="0"/>
+                <a:cs typeface="Consolas" pitchFamily="49" charset="0"/>
+              </a:rPr>
+              <a:t>double</a:t>
+            </a:r>
+            <a:r>
+              <a:rPr kumimoji="0" lang="en-US" sz="1000" b="0" i="0" u="none" strike="noStrike" cap="none" normalizeH="0" baseline="0" dirty="0" smtClean="0">
+                <a:ln>
+                  <a:noFill/>
+                </a:ln>
+                <a:solidFill>
+                  <a:srgbClr val="333333"/>
+                </a:solidFill>
+                <a:effectLst/>
+                <a:latin typeface="Consolas" pitchFamily="49" charset="0"/>
+                <a:cs typeface="Consolas" pitchFamily="49" charset="0"/>
+              </a:rPr>
+              <a:t> </a:t>
+            </a:r>
+            <a:r>
+              <a:rPr kumimoji="0" lang="en-US" sz="1000" b="1" i="0" u="none" strike="noStrike" cap="none" normalizeH="0" baseline="0" dirty="0" err="1" smtClean="0">
+                <a:ln>
+                  <a:noFill/>
+                </a:ln>
+                <a:solidFill>
+                  <a:srgbClr val="990000"/>
+                </a:solidFill>
+                <a:effectLst/>
+                <a:latin typeface="Consolas" pitchFamily="49" charset="0"/>
+                <a:cs typeface="Consolas" pitchFamily="49" charset="0"/>
+              </a:rPr>
+              <a:t>addAtomicCoupon</a:t>
+            </a:r>
+            <a:r>
+              <a:rPr kumimoji="0" lang="en-US" sz="2000" b="1" i="0" u="none" strike="noStrike" cap="none" normalizeH="0" baseline="0" dirty="0" smtClean="0">
+                <a:ln>
+                  <a:noFill/>
+                </a:ln>
+                <a:solidFill>
+                  <a:schemeClr val="tx1"/>
+                </a:solidFill>
+                <a:effectLst/>
+                <a:latin typeface="Arial" pitchFamily="34" charset="0"/>
+              </a:rPr>
+              <a:t>(</a:t>
+            </a:r>
+            <a:r>
+              <a:rPr kumimoji="0" lang="en-US" sz="1000" b="1" i="0" u="none" strike="noStrike" cap="none" normalizeH="0" baseline="0" dirty="0" smtClean="0">
+                <a:ln>
+                  <a:noFill/>
+                </a:ln>
+                <a:solidFill>
+                  <a:srgbClr val="445588"/>
+                </a:solidFill>
+                <a:effectLst/>
+                <a:latin typeface="Consolas" pitchFamily="49" charset="0"/>
+                <a:cs typeface="Consolas" pitchFamily="49" charset="0"/>
+              </a:rPr>
+              <a:t>double</a:t>
+            </a:r>
+            <a:r>
+              <a:rPr kumimoji="0" lang="en-US" sz="1000" b="0" i="0" u="none" strike="noStrike" cap="none" normalizeH="0" baseline="0" dirty="0" smtClean="0">
+                <a:ln>
+                  <a:noFill/>
+                </a:ln>
+                <a:solidFill>
+                  <a:srgbClr val="333333"/>
+                </a:solidFill>
+                <a:effectLst/>
+                <a:latin typeface="Consolas" pitchFamily="49" charset="0"/>
+                <a:cs typeface="Consolas" pitchFamily="49" charset="0"/>
+              </a:rPr>
+              <a:t> </a:t>
+            </a:r>
+            <a:r>
+              <a:rPr kumimoji="0" lang="en-US" sz="1400" b="0" i="0" u="none" strike="noStrike" cap="none" normalizeH="0" baseline="0" dirty="0" err="1" smtClean="0">
+                <a:ln>
+                  <a:noFill/>
+                </a:ln>
+                <a:solidFill>
+                  <a:srgbClr val="333333"/>
+                </a:solidFill>
+                <a:effectLst/>
+                <a:latin typeface="Arial" pitchFamily="34" charset="0"/>
+              </a:rPr>
+              <a:t>toAdd</a:t>
+            </a:r>
+            <a:r>
+              <a:rPr kumimoji="0" lang="en-US" sz="2000" b="1" i="0" u="none" strike="noStrike" cap="none" normalizeH="0" baseline="0" dirty="0" smtClean="0">
+                <a:ln>
+                  <a:noFill/>
+                </a:ln>
+                <a:solidFill>
+                  <a:schemeClr val="tx1"/>
+                </a:solidFill>
+                <a:effectLst/>
+                <a:latin typeface="Arial" pitchFamily="34" charset="0"/>
+              </a:rPr>
+              <a:t>);</a:t>
+            </a:r>
+          </a:p>
+          <a:p>
+            <a:pPr marL="0" marR="0" lvl="0" indent="0" algn="l" defTabSz="914400" rtl="0" eaLnBrk="0" fontAlgn="base" latinLnBrk="0" hangingPunct="0">
+              <a:lnSpc>
+                <a:spcPct val="100000"/>
+              </a:lnSpc>
+              <a:spcBef>
+                <a:spcPct val="0"/>
+              </a:spcBef>
+              <a:spcAft>
+                <a:spcPct val="0"/>
+              </a:spcAft>
+              <a:buClrTx/>
+              <a:buSzTx/>
+              <a:buFontTx/>
+              <a:buNone/>
+              <a:tabLst/>
+            </a:pPr>
+            <a:endParaRPr lang="en-US" sz="1000" dirty="0" smtClean="0">
+              <a:solidFill>
+                <a:srgbClr val="333333"/>
+              </a:solidFill>
+              <a:latin typeface="Consolas" pitchFamily="49" charset="0"/>
+              <a:cs typeface="Consolas" pitchFamily="49" charset="0"/>
+            </a:endParaRPr>
+          </a:p>
+          <a:p>
+            <a:pPr marL="0" marR="0" lvl="0" indent="0" algn="l" defTabSz="914400" rtl="0" eaLnBrk="0" fontAlgn="base" latinLnBrk="0" hangingPunct="0">
+              <a:lnSpc>
+                <a:spcPct val="100000"/>
+              </a:lnSpc>
+              <a:spcBef>
+                <a:spcPct val="0"/>
+              </a:spcBef>
+              <a:spcAft>
+                <a:spcPct val="0"/>
+              </a:spcAft>
+              <a:buClrTx/>
+              <a:buSzTx/>
+              <a:buFontTx/>
+              <a:buNone/>
+              <a:tabLst/>
+            </a:pPr>
+            <a:r>
+              <a:rPr kumimoji="0" lang="en-US" sz="1000" b="1" i="0" u="none" strike="noStrike" cap="none" normalizeH="0" dirty="0" smtClean="0">
+                <a:ln>
+                  <a:noFill/>
+                </a:ln>
+                <a:solidFill>
+                  <a:srgbClr val="333333"/>
+                </a:solidFill>
+                <a:effectLst/>
+                <a:latin typeface="Consolas" pitchFamily="49" charset="0"/>
+                <a:cs typeface="Consolas" pitchFamily="49" charset="0"/>
+              </a:rPr>
+              <a:t>    </a:t>
+            </a:r>
+            <a:r>
+              <a:rPr kumimoji="0" lang="en-US" sz="1000" b="1" i="0" u="none" strike="noStrike" cap="none" normalizeH="0" baseline="0" dirty="0" smtClean="0">
+                <a:ln>
+                  <a:noFill/>
+                </a:ln>
+                <a:solidFill>
+                  <a:srgbClr val="445588"/>
+                </a:solidFill>
+                <a:effectLst/>
+                <a:latin typeface="Consolas" pitchFamily="49" charset="0"/>
+                <a:cs typeface="Consolas" pitchFamily="49" charset="0"/>
+              </a:rPr>
+              <a:t>void</a:t>
+            </a:r>
+            <a:r>
+              <a:rPr kumimoji="0" lang="en-US" sz="1000" b="0" i="0" u="none" strike="noStrike" cap="none" normalizeH="0" baseline="0" dirty="0" smtClean="0">
+                <a:ln>
+                  <a:noFill/>
+                </a:ln>
+                <a:solidFill>
+                  <a:srgbClr val="333333"/>
+                </a:solidFill>
+                <a:effectLst/>
+                <a:latin typeface="Consolas" pitchFamily="49" charset="0"/>
+                <a:cs typeface="Consolas" pitchFamily="49" charset="0"/>
+              </a:rPr>
+              <a:t> </a:t>
+            </a:r>
+            <a:r>
+              <a:rPr kumimoji="0" lang="en-US" sz="1000" b="1" i="0" u="none" strike="noStrike" cap="none" normalizeH="0" baseline="0" dirty="0" err="1" smtClean="0">
+                <a:ln>
+                  <a:noFill/>
+                </a:ln>
+                <a:solidFill>
+                  <a:srgbClr val="990000"/>
+                </a:solidFill>
+                <a:effectLst/>
+                <a:latin typeface="Consolas" pitchFamily="49" charset="0"/>
+                <a:cs typeface="Consolas" pitchFamily="49" charset="0"/>
+              </a:rPr>
+              <a:t>setSymbol</a:t>
+            </a:r>
+            <a:r>
+              <a:rPr kumimoji="0" lang="en-US" sz="2000" b="1" i="0" u="none" strike="noStrike" cap="none" normalizeH="0" baseline="0" dirty="0" smtClean="0">
+                <a:ln>
+                  <a:noFill/>
+                </a:ln>
+                <a:solidFill>
+                  <a:schemeClr val="tx1"/>
+                </a:solidFill>
+                <a:effectLst/>
+                <a:latin typeface="Arial" pitchFamily="34" charset="0"/>
+              </a:rPr>
+              <a:t>(</a:t>
+            </a:r>
+            <a:r>
+              <a:rPr kumimoji="0" lang="en-US" sz="1000" b="0" i="0" u="none" strike="noStrike" cap="none" normalizeH="0" baseline="0" dirty="0" smtClean="0">
+                <a:ln>
+                  <a:noFill/>
+                </a:ln>
+                <a:solidFill>
+                  <a:srgbClr val="333333"/>
+                </a:solidFill>
+                <a:effectLst/>
+                <a:latin typeface="Consolas" pitchFamily="49" charset="0"/>
+                <a:cs typeface="Consolas" pitchFamily="49" charset="0"/>
+              </a:rPr>
+              <a:t>@</a:t>
+            </a:r>
+            <a:r>
+              <a:rPr kumimoji="0" lang="en-US" sz="1000" b="0" i="0" u="none" strike="noStrike" cap="none" normalizeH="0" baseline="0" dirty="0" err="1" smtClean="0">
+                <a:ln>
+                  <a:noFill/>
+                </a:ln>
+                <a:solidFill>
+                  <a:srgbClr val="333333"/>
+                </a:solidFill>
+                <a:effectLst/>
+                <a:latin typeface="Consolas" pitchFamily="49" charset="0"/>
+                <a:cs typeface="Consolas" pitchFamily="49" charset="0"/>
+              </a:rPr>
+              <a:t>MaxSize</a:t>
+            </a:r>
+            <a:r>
+              <a:rPr kumimoji="0" lang="en-US" sz="2000" b="1" i="0" u="none" strike="noStrike" cap="none" normalizeH="0" baseline="0" dirty="0" smtClean="0">
+                <a:ln>
+                  <a:noFill/>
+                </a:ln>
+                <a:solidFill>
+                  <a:schemeClr val="tx1"/>
+                </a:solidFill>
+                <a:effectLst/>
+                <a:latin typeface="Arial" pitchFamily="34" charset="0"/>
+              </a:rPr>
+              <a:t>(</a:t>
+            </a:r>
+            <a:r>
+              <a:rPr kumimoji="0" lang="en-US" sz="1000" b="0" i="0" u="none" strike="noStrike" cap="none" normalizeH="0" baseline="0" dirty="0" smtClean="0">
+                <a:ln>
+                  <a:noFill/>
+                </a:ln>
+                <a:solidFill>
+                  <a:srgbClr val="009999"/>
+                </a:solidFill>
+                <a:effectLst/>
+                <a:latin typeface="Consolas" pitchFamily="49" charset="0"/>
+                <a:cs typeface="Consolas" pitchFamily="49" charset="0"/>
+              </a:rPr>
+              <a:t>20</a:t>
+            </a:r>
+            <a:r>
+              <a:rPr kumimoji="0" lang="en-US" sz="2000" b="1" i="0" u="none" strike="noStrike" cap="none" normalizeH="0" baseline="0" dirty="0" smtClean="0">
+                <a:ln>
+                  <a:noFill/>
+                </a:ln>
+                <a:solidFill>
+                  <a:schemeClr val="tx1"/>
+                </a:solidFill>
+                <a:effectLst/>
+                <a:latin typeface="Arial" pitchFamily="34" charset="0"/>
+              </a:rPr>
+              <a:t>)</a:t>
+            </a:r>
+            <a:r>
+              <a:rPr kumimoji="0" lang="en-US" sz="1000" b="0" i="0" u="none" strike="noStrike" cap="none" normalizeH="0" baseline="0" dirty="0" smtClean="0">
+                <a:ln>
+                  <a:noFill/>
+                </a:ln>
+                <a:solidFill>
+                  <a:srgbClr val="333333"/>
+                </a:solidFill>
+                <a:effectLst/>
+                <a:latin typeface="Consolas" pitchFamily="49" charset="0"/>
+                <a:cs typeface="Consolas" pitchFamily="49" charset="0"/>
+              </a:rPr>
+              <a:t> </a:t>
+            </a:r>
+            <a:r>
+              <a:rPr kumimoji="0" lang="en-US" sz="1400" b="0" i="0" u="none" strike="noStrike" cap="none" normalizeH="0" baseline="0" dirty="0" smtClean="0">
+                <a:ln>
+                  <a:noFill/>
+                </a:ln>
+                <a:solidFill>
+                  <a:srgbClr val="333333"/>
+                </a:solidFill>
+                <a:effectLst/>
+                <a:latin typeface="Arial" pitchFamily="34" charset="0"/>
+              </a:rPr>
+              <a:t>String</a:t>
+            </a:r>
+            <a:r>
+              <a:rPr kumimoji="0" lang="en-US" sz="1000" b="0" i="0" u="none" strike="noStrike" cap="none" normalizeH="0" baseline="0" dirty="0" smtClean="0">
+                <a:ln>
+                  <a:noFill/>
+                </a:ln>
+                <a:solidFill>
+                  <a:srgbClr val="333333"/>
+                </a:solidFill>
+                <a:effectLst/>
+                <a:latin typeface="Consolas" pitchFamily="49" charset="0"/>
+                <a:cs typeface="Consolas" pitchFamily="49" charset="0"/>
+              </a:rPr>
+              <a:t> </a:t>
+            </a:r>
+            <a:r>
+              <a:rPr kumimoji="0" lang="en-US" sz="1400" b="0" i="0" u="none" strike="noStrike" cap="none" normalizeH="0" baseline="0" dirty="0" smtClean="0">
+                <a:ln>
+                  <a:noFill/>
+                </a:ln>
+                <a:solidFill>
+                  <a:srgbClr val="333333"/>
+                </a:solidFill>
+                <a:effectLst/>
+                <a:latin typeface="Arial" pitchFamily="34" charset="0"/>
+              </a:rPr>
+              <a:t>symbol</a:t>
+            </a:r>
+            <a:r>
+              <a:rPr kumimoji="0" lang="en-US" sz="2000" b="1" i="0" u="none" strike="noStrike" cap="none" normalizeH="0" baseline="0" dirty="0" smtClean="0">
+                <a:ln>
+                  <a:noFill/>
+                </a:ln>
+                <a:solidFill>
+                  <a:schemeClr val="tx1"/>
+                </a:solidFill>
+                <a:effectLst/>
+                <a:latin typeface="Arial" pitchFamily="34" charset="0"/>
+              </a:rPr>
+              <a:t>);</a:t>
+            </a:r>
+            <a:r>
+              <a:rPr lang="en-US" sz="1000" dirty="0" smtClean="0">
+                <a:solidFill>
+                  <a:srgbClr val="333333"/>
+                </a:solidFill>
+                <a:latin typeface="Consolas" pitchFamily="49" charset="0"/>
+                <a:cs typeface="Consolas" pitchFamily="49" charset="0"/>
+              </a:rPr>
+              <a:t> </a:t>
+            </a:r>
+          </a:p>
+          <a:p>
+            <a:pPr lvl="0" eaLnBrk="0" fontAlgn="base" hangingPunct="0">
+              <a:spcBef>
+                <a:spcPct val="0"/>
+              </a:spcBef>
+              <a:spcAft>
+                <a:spcPct val="0"/>
+              </a:spcAft>
+            </a:pPr>
+            <a:r>
+              <a:rPr kumimoji="0" lang="en-US" sz="1000" b="1" i="0" u="none" strike="noStrike" cap="none" normalizeH="0" baseline="0" dirty="0" smtClean="0">
+                <a:ln>
+                  <a:noFill/>
+                </a:ln>
+                <a:solidFill>
+                  <a:srgbClr val="990000"/>
+                </a:solidFill>
+                <a:effectLst/>
+                <a:latin typeface="Consolas" pitchFamily="49" charset="0"/>
+                <a:cs typeface="Consolas" pitchFamily="49" charset="0"/>
+              </a:rPr>
+              <a:t>    </a:t>
+            </a:r>
+            <a:r>
+              <a:rPr lang="en-US" sz="1000" b="1" dirty="0" smtClean="0">
+                <a:solidFill>
+                  <a:srgbClr val="445588"/>
+                </a:solidFill>
+                <a:latin typeface="Consolas" pitchFamily="49" charset="0"/>
+                <a:cs typeface="Consolas" pitchFamily="49" charset="0"/>
+              </a:rPr>
+              <a:t>String </a:t>
+            </a:r>
+            <a:r>
+              <a:rPr kumimoji="0" lang="en-US" sz="1000" b="1" i="0" u="none" strike="noStrike" cap="none" normalizeH="0" baseline="0" dirty="0" err="1" smtClean="0">
+                <a:ln>
+                  <a:noFill/>
+                </a:ln>
+                <a:solidFill>
+                  <a:srgbClr val="990000"/>
+                </a:solidFill>
+                <a:effectLst/>
+                <a:latin typeface="Consolas" pitchFamily="49" charset="0"/>
+                <a:cs typeface="Consolas" pitchFamily="49" charset="0"/>
+              </a:rPr>
+              <a:t>getSymbol</a:t>
+            </a:r>
+            <a:r>
+              <a:rPr kumimoji="0" lang="en-US" sz="2000" b="1" i="0" u="none" strike="noStrike" cap="none" normalizeH="0" baseline="0" dirty="0" smtClean="0">
+                <a:ln>
+                  <a:noFill/>
+                </a:ln>
+                <a:solidFill>
+                  <a:schemeClr val="tx1"/>
+                </a:solidFill>
+                <a:effectLst/>
+                <a:latin typeface="Arial" pitchFamily="34" charset="0"/>
+              </a:rPr>
+              <a:t>();</a:t>
+            </a:r>
+          </a:p>
+          <a:p>
+            <a:pPr lvl="0" eaLnBrk="0" fontAlgn="base" hangingPunct="0">
+              <a:spcBef>
+                <a:spcPct val="0"/>
+              </a:spcBef>
+              <a:spcAft>
+                <a:spcPct val="0"/>
+              </a:spcAft>
+            </a:pPr>
+            <a:endParaRPr lang="en-US" sz="2000" b="1" dirty="0" smtClean="0">
+              <a:latin typeface="Arial" pitchFamily="34" charset="0"/>
+            </a:endParaRPr>
+          </a:p>
+          <a:p>
+            <a:pPr lvl="0" eaLnBrk="0" fontAlgn="base" hangingPunct="0">
+              <a:spcBef>
+                <a:spcPct val="0"/>
+              </a:spcBef>
+              <a:spcAft>
+                <a:spcPct val="0"/>
+              </a:spcAft>
+            </a:pPr>
+            <a:r>
+              <a:rPr kumimoji="0" lang="en-US" sz="2000" b="1" i="0" u="none" strike="noStrike" cap="none" normalizeH="0" baseline="0" dirty="0" smtClean="0">
+                <a:ln>
+                  <a:noFill/>
+                </a:ln>
+                <a:solidFill>
+                  <a:schemeClr val="tx1"/>
+                </a:solidFill>
+                <a:effectLst/>
+                <a:latin typeface="Arial" pitchFamily="34" charset="0"/>
+              </a:rPr>
+              <a:t>}</a:t>
+            </a:r>
+            <a:endParaRPr kumimoji="0" lang="en-US" sz="1800" b="1" i="0" u="none" strike="noStrike" cap="none" normalizeH="0" baseline="0" dirty="0" smtClean="0">
+              <a:ln>
+                <a:noFill/>
+              </a:ln>
+              <a:solidFill>
+                <a:schemeClr val="tx1"/>
+              </a:solidFill>
+              <a:effectLst/>
+              <a:latin typeface="Arial" pitchFamily="34" charset="0"/>
+            </a:endParaRPr>
+          </a:p>
+          <a:p>
+            <a:endParaRPr kumimoji="0" lang="en-US" sz="1800" b="0" i="0" u="none" strike="noStrike" cap="none" normalizeH="0" baseline="0" dirty="0" smtClean="0">
+              <a:ln>
+                <a:noFill/>
+              </a:ln>
+              <a:solidFill>
+                <a:schemeClr val="tx1"/>
+              </a:solidFill>
+              <a:effectLst/>
+              <a:latin typeface="Arial" pitchFamily="34" charset="0"/>
+              <a:cs typeface="Arial" pitchFamily="34" charset="0"/>
+            </a:endParaRPr>
+          </a:p>
+        </p:txBody>
+      </p:sp>
+    </p:spTree>
+  </p:cSld>
+  <p:clrMapOvr>
+    <a:masterClrMapping/>
+  </p:clrMapOvr>
+  <p:timing>
+    <p:tnLst>
+      <p:par>
+        <p:cTn id="1" dur="indefinite" restart="never" nodeType="tmRoot"/>
+      </p:par>
+    </p:tnLst>
+  </p:timing>
+</p:sld>
+</file>
+
+<file path=ppt/slides/slide18.xml><?xml version="1.0" encoding="utf-8"?>
+<p:sld xmlns:a="http://schemas.openxmlformats.org/drawingml/2006/main" xmlns:r="http://schemas.openxmlformats.org/officeDocument/2006/relationships" xmlns:p="http://schemas.openxmlformats.org/presentationml/2006/main">
+  <p:cSld>
+    <p:spTree>
+      <p:nvGrpSpPr>
+        <p:cNvPr id="1" name=""/>
+        <p:cNvGrpSpPr/>
+        <p:nvPr/>
+      </p:nvGrpSpPr>
+      <p:grpSpPr>
+        <a:xfrm>
+          <a:off x="0" y="0"/>
+          <a:ext cx="0" cy="0"/>
+          <a:chOff x="0" y="0"/>
+          <a:chExt cx="0" cy="0"/>
+        </a:xfrm>
+      </p:grpSpPr>
+      <p:pic>
+        <p:nvPicPr>
+          <p:cNvPr id="2" name="Picture 1" descr="JPMorgan.JPG"/>
+          <p:cNvPicPr>
+            <a:picLocks noChangeAspect="1"/>
+          </p:cNvPicPr>
+          <p:nvPr/>
+        </p:nvPicPr>
+        <p:blipFill>
+          <a:blip r:embed="rId2" cstate="print"/>
+          <a:stretch>
+            <a:fillRect/>
+          </a:stretch>
+        </p:blipFill>
+        <p:spPr>
+          <a:xfrm>
+            <a:off x="7696200" y="6477000"/>
+            <a:ext cx="1112108" cy="228600"/>
+          </a:xfrm>
+          <a:prstGeom prst="rect">
+            <a:avLst/>
+          </a:prstGeom>
+        </p:spPr>
+      </p:pic>
+      <p:sp>
+        <p:nvSpPr>
+          <p:cNvPr id="33793" name="Rectangle 1"/>
+          <p:cNvSpPr>
+            <a:spLocks noChangeArrowheads="1"/>
+          </p:cNvSpPr>
+          <p:nvPr/>
+        </p:nvSpPr>
+        <p:spPr bwMode="auto">
+          <a:xfrm>
+            <a:off x="76200" y="2671703"/>
+            <a:ext cx="9144000" cy="830997"/>
+          </a:xfrm>
+          <a:prstGeom prst="rect">
+            <a:avLst/>
+          </a:prstGeom>
+          <a:noFill/>
+          <a:ln w="9525">
+            <a:noFill/>
+            <a:miter lim="800000"/>
+            <a:headEnd/>
+            <a:tailEnd/>
+          </a:ln>
+          <a:effectLst/>
+        </p:spPr>
+        <p:txBody>
+          <a:bodyPr vert="horz" wrap="square" lIns="91440" tIns="0" rIns="91440" bIns="0" numCol="1" anchor="ctr" anchorCtr="0" compatLnSpc="1">
+            <a:prstTxWarp prst="textNoShape">
+              <a:avLst/>
+            </a:prstTxWarp>
+            <a:spAutoFit/>
+          </a:bodyPr>
+          <a:lstStyle/>
+          <a:p>
+            <a:pPr marL="0" marR="0" lvl="0" indent="0" algn="l" defTabSz="914400" rtl="0" eaLnBrk="0" fontAlgn="base" latinLnBrk="0" hangingPunct="0">
+              <a:lnSpc>
+                <a:spcPct val="100000"/>
+              </a:lnSpc>
+              <a:spcBef>
+                <a:spcPct val="0"/>
+              </a:spcBef>
+              <a:spcAft>
+                <a:spcPct val="0"/>
+              </a:spcAft>
+              <a:buClrTx/>
+              <a:buSzTx/>
+              <a:buFontTx/>
+              <a:buNone/>
+              <a:tabLst/>
+            </a:pPr>
+            <a:endParaRPr kumimoji="0" lang="en-US" sz="1800" b="1" i="0" u="none" strike="noStrike" cap="none" normalizeH="0" baseline="0" dirty="0" smtClean="0">
+              <a:ln>
+                <a:noFill/>
+              </a:ln>
+              <a:solidFill>
+                <a:schemeClr val="tx1"/>
+              </a:solidFill>
+              <a:effectLst/>
+              <a:latin typeface="Lucida Console" pitchFamily="49" charset="0"/>
+            </a:endParaRPr>
+          </a:p>
+          <a:p>
+            <a:pPr marL="0" marR="0" lvl="0" indent="0" algn="l" defTabSz="914400" rtl="0" eaLnBrk="0" fontAlgn="base" latinLnBrk="0" hangingPunct="0">
+              <a:lnSpc>
+                <a:spcPct val="100000"/>
+              </a:lnSpc>
+              <a:spcBef>
+                <a:spcPct val="0"/>
+              </a:spcBef>
+              <a:spcAft>
+                <a:spcPct val="0"/>
+              </a:spcAft>
+              <a:buClrTx/>
+              <a:buSzTx/>
+              <a:buFontTx/>
+              <a:buNone/>
+              <a:tabLst/>
+            </a:pPr>
+            <a:endParaRPr lang="en-US" b="1" dirty="0" smtClean="0">
+              <a:latin typeface="Lucida Console" pitchFamily="49" charset="0"/>
+              <a:cs typeface="Arial" pitchFamily="34" charset="0"/>
+            </a:endParaRPr>
+          </a:p>
+          <a:p>
+            <a:pPr marL="0" marR="0" lvl="0" indent="0" algn="l" defTabSz="914400" rtl="0" eaLnBrk="0" fontAlgn="base" latinLnBrk="0" hangingPunct="0">
+              <a:lnSpc>
+                <a:spcPct val="100000"/>
+              </a:lnSpc>
+              <a:spcBef>
+                <a:spcPct val="0"/>
+              </a:spcBef>
+              <a:spcAft>
+                <a:spcPct val="0"/>
+              </a:spcAft>
+              <a:buClrTx/>
+              <a:buSzTx/>
+              <a:buFontTx/>
+              <a:buNone/>
+              <a:tabLst/>
+            </a:pPr>
+            <a:endParaRPr kumimoji="0" lang="en-US" sz="1800" b="0" i="0" u="none" strike="noStrike" cap="none" normalizeH="0" baseline="0" dirty="0" smtClean="0">
+              <a:ln>
+                <a:noFill/>
+              </a:ln>
+              <a:solidFill>
+                <a:schemeClr val="tx1"/>
+              </a:solidFill>
+              <a:effectLst/>
+              <a:latin typeface="Lucida Console" pitchFamily="49" charset="0"/>
+              <a:cs typeface="Arial" pitchFamily="34" charset="0"/>
+            </a:endParaRPr>
+          </a:p>
+        </p:txBody>
+      </p:sp>
+      <p:pic>
+        <p:nvPicPr>
+          <p:cNvPr id="4" name="Picture 3" descr="JPMorgan.JPG"/>
+          <p:cNvPicPr>
+            <a:picLocks noChangeAspect="1"/>
+          </p:cNvPicPr>
+          <p:nvPr/>
+        </p:nvPicPr>
+        <p:blipFill>
+          <a:blip r:embed="rId2" cstate="print"/>
+          <a:stretch>
+            <a:fillRect/>
+          </a:stretch>
+        </p:blipFill>
+        <p:spPr>
+          <a:xfrm>
+            <a:off x="7696200" y="6477000"/>
+            <a:ext cx="1112108" cy="228600"/>
+          </a:xfrm>
+          <a:prstGeom prst="rect">
+            <a:avLst/>
+          </a:prstGeom>
+        </p:spPr>
+      </p:pic>
+      <p:sp>
+        <p:nvSpPr>
+          <p:cNvPr id="5" name="Rectangle 1"/>
+          <p:cNvSpPr>
+            <a:spLocks noChangeArrowheads="1"/>
+          </p:cNvSpPr>
+          <p:nvPr/>
+        </p:nvSpPr>
+        <p:spPr bwMode="auto">
+          <a:xfrm>
+            <a:off x="0" y="990600"/>
+            <a:ext cx="9144000" cy="5355312"/>
+          </a:xfrm>
+          <a:prstGeom prst="rect">
+            <a:avLst/>
+          </a:prstGeom>
+          <a:noFill/>
+          <a:ln w="9525">
+            <a:noFill/>
+            <a:miter lim="800000"/>
+            <a:headEnd/>
+            <a:tailEnd/>
+          </a:ln>
+          <a:effectLst/>
+        </p:spPr>
+        <p:txBody>
+          <a:bodyPr vert="horz" wrap="square" lIns="91440" tIns="0" rIns="91440" bIns="0" numCol="1" anchor="ctr" anchorCtr="0" compatLnSpc="1">
+            <a:prstTxWarp prst="textNoShape">
+              <a:avLst/>
+            </a:prstTxWarp>
+            <a:spAutoFit/>
+          </a:bodyPr>
+          <a:lstStyle/>
+          <a:p>
+            <a:pPr marL="0" marR="0" lvl="0" indent="0" algn="l" defTabSz="914400" rtl="0" eaLnBrk="0" fontAlgn="base" latinLnBrk="0" hangingPunct="0">
+              <a:lnSpc>
+                <a:spcPct val="100000"/>
+              </a:lnSpc>
+              <a:spcBef>
+                <a:spcPct val="0"/>
+              </a:spcBef>
+              <a:spcAft>
+                <a:spcPct val="0"/>
+              </a:spcAft>
+              <a:buClrTx/>
+              <a:buSzTx/>
+              <a:buFontTx/>
+              <a:buNone/>
+              <a:tabLst/>
+            </a:pPr>
+            <a:r>
+              <a:rPr kumimoji="0" lang="en-US" sz="1400" b="0" i="0" u="none" strike="noStrike" cap="none" normalizeH="0" baseline="0" dirty="0" err="1" smtClean="0">
+                <a:ln>
+                  <a:noFill/>
+                </a:ln>
+                <a:solidFill>
+                  <a:srgbClr val="333333"/>
+                </a:solidFill>
+                <a:effectLst/>
+                <a:latin typeface="Lucida Console" pitchFamily="49" charset="0"/>
+              </a:rPr>
+              <a:t>SharedHashMap</a:t>
+            </a:r>
+            <a:r>
+              <a:rPr kumimoji="0" lang="en-US" sz="1800" b="1" i="0" u="none" strike="noStrike" cap="none" normalizeH="0" baseline="0" dirty="0" smtClean="0">
+                <a:ln>
+                  <a:noFill/>
+                </a:ln>
+                <a:solidFill>
+                  <a:schemeClr val="tx1"/>
+                </a:solidFill>
+                <a:effectLst/>
+                <a:latin typeface="Lucida Console" pitchFamily="49" charset="0"/>
+              </a:rPr>
+              <a:t>&lt;</a:t>
+            </a:r>
+            <a:r>
+              <a:rPr kumimoji="0" lang="en-US" sz="1200" b="0" i="0" u="none" strike="noStrike" cap="none" normalizeH="0" baseline="0" dirty="0" smtClean="0">
+                <a:ln>
+                  <a:noFill/>
+                </a:ln>
+                <a:solidFill>
+                  <a:srgbClr val="333333"/>
+                </a:solidFill>
+                <a:effectLst/>
+                <a:latin typeface="Lucida Console" pitchFamily="49" charset="0"/>
+              </a:rPr>
+              <a:t>String</a:t>
+            </a:r>
+            <a:r>
+              <a:rPr kumimoji="0" lang="en-US" sz="1800" b="1" i="0" u="none" strike="noStrike" cap="none" normalizeH="0" baseline="0" dirty="0" smtClean="0">
+                <a:ln>
+                  <a:noFill/>
+                </a:ln>
+                <a:solidFill>
+                  <a:schemeClr val="tx1"/>
+                </a:solidFill>
+                <a:effectLst/>
+                <a:latin typeface="Lucida Console" pitchFamily="49" charset="0"/>
+              </a:rPr>
+              <a:t>,</a:t>
+            </a:r>
+            <a:r>
+              <a:rPr kumimoji="0" lang="en-US" sz="900" b="0" i="0" u="none" strike="noStrike" cap="none" normalizeH="0" baseline="0" dirty="0" smtClean="0">
+                <a:ln>
+                  <a:noFill/>
+                </a:ln>
+                <a:solidFill>
+                  <a:srgbClr val="333333"/>
+                </a:solidFill>
+                <a:effectLst/>
+                <a:latin typeface="Lucida Console" pitchFamily="49" charset="0"/>
+                <a:cs typeface="Consolas" pitchFamily="49" charset="0"/>
+              </a:rPr>
+              <a:t> </a:t>
+            </a:r>
+            <a:r>
+              <a:rPr kumimoji="0" lang="en-US" sz="2000" b="1" i="0" u="none" strike="noStrike" cap="none" normalizeH="0" baseline="0" dirty="0" err="1" smtClean="0">
+                <a:ln>
+                  <a:noFill/>
+                </a:ln>
+                <a:solidFill>
+                  <a:srgbClr val="00B050"/>
+                </a:solidFill>
+                <a:effectLst/>
+                <a:latin typeface="Lucida Console" pitchFamily="49" charset="0"/>
+              </a:rPr>
+              <a:t>BondRDR_VOInterface</a:t>
+            </a:r>
+            <a:r>
+              <a:rPr kumimoji="0" lang="en-US" sz="1800" b="1" i="0" u="none" strike="noStrike" cap="none" normalizeH="0" baseline="0" dirty="0" smtClean="0">
+                <a:ln>
+                  <a:noFill/>
+                </a:ln>
+                <a:solidFill>
+                  <a:schemeClr val="tx1"/>
+                </a:solidFill>
+                <a:effectLst/>
+                <a:latin typeface="Lucida Console" pitchFamily="49" charset="0"/>
+              </a:rPr>
+              <a:t>&gt;</a:t>
+            </a:r>
+            <a:r>
+              <a:rPr kumimoji="0" lang="en-US" sz="900" b="0" i="0" u="none" strike="noStrike" cap="none" normalizeH="0" baseline="0" dirty="0" smtClean="0">
+                <a:ln>
+                  <a:noFill/>
+                </a:ln>
+                <a:solidFill>
+                  <a:srgbClr val="333333"/>
+                </a:solidFill>
+                <a:effectLst/>
+                <a:latin typeface="Lucida Console" pitchFamily="49" charset="0"/>
+                <a:cs typeface="Consolas" pitchFamily="49" charset="0"/>
+              </a:rPr>
+              <a:t> </a:t>
+            </a:r>
+            <a:r>
+              <a:rPr lang="en-US" sz="1200" b="1" dirty="0" err="1" smtClean="0">
+                <a:solidFill>
+                  <a:srgbClr val="7030A0"/>
+                </a:solidFill>
+                <a:latin typeface="Lucida Console" pitchFamily="49" charset="0"/>
+              </a:rPr>
+              <a:t>shmP</a:t>
+            </a:r>
+            <a:r>
+              <a:rPr kumimoji="0" lang="en-US" sz="900" b="0" i="0" u="none" strike="noStrike" cap="none" normalizeH="0" baseline="0" dirty="0" smtClean="0">
+                <a:ln>
+                  <a:noFill/>
+                </a:ln>
+                <a:solidFill>
+                  <a:srgbClr val="333333"/>
+                </a:solidFill>
+                <a:effectLst/>
+                <a:latin typeface="Lucida Console" pitchFamily="49" charset="0"/>
+                <a:cs typeface="Consolas" pitchFamily="49" charset="0"/>
+              </a:rPr>
+              <a:t> </a:t>
+            </a:r>
+            <a:r>
+              <a:rPr kumimoji="0" lang="en-US" sz="1800" b="1" i="0" u="none" strike="noStrike" cap="none" normalizeH="0" baseline="0" dirty="0" smtClean="0">
+                <a:ln>
+                  <a:noFill/>
+                </a:ln>
+                <a:solidFill>
+                  <a:schemeClr val="tx1"/>
+                </a:solidFill>
+                <a:effectLst/>
+                <a:latin typeface="Lucida Console" pitchFamily="49" charset="0"/>
+              </a:rPr>
+              <a:t>=</a:t>
+            </a:r>
+            <a:r>
+              <a:rPr kumimoji="0" lang="en-US" sz="900" b="0" i="0" u="none" strike="noStrike" cap="none" normalizeH="0" baseline="0" dirty="0" smtClean="0">
+                <a:ln>
+                  <a:noFill/>
+                </a:ln>
+                <a:solidFill>
+                  <a:srgbClr val="333333"/>
+                </a:solidFill>
+                <a:effectLst/>
+                <a:latin typeface="Lucida Console" pitchFamily="49" charset="0"/>
+                <a:cs typeface="Consolas" pitchFamily="49" charset="0"/>
+              </a:rPr>
+              <a:t> </a:t>
+            </a:r>
+            <a:r>
+              <a:rPr kumimoji="0" lang="en-US" sz="1000" b="1" i="0" u="none" strike="noStrike" cap="none" normalizeH="0" baseline="0" dirty="0" smtClean="0">
+                <a:ln>
+                  <a:noFill/>
+                </a:ln>
+                <a:solidFill>
+                  <a:srgbClr val="333333"/>
+                </a:solidFill>
+                <a:effectLst/>
+                <a:latin typeface="Lucida Console" pitchFamily="49" charset="0"/>
+                <a:cs typeface="Consolas" pitchFamily="49" charset="0"/>
+              </a:rPr>
+              <a:t>ne</a:t>
+            </a:r>
+            <a:r>
+              <a:rPr kumimoji="0" lang="en-US" sz="900" b="1" i="0" u="none" strike="noStrike" cap="none" normalizeH="0" baseline="0" dirty="0" smtClean="0">
+                <a:ln>
+                  <a:noFill/>
+                </a:ln>
+                <a:solidFill>
+                  <a:srgbClr val="333333"/>
+                </a:solidFill>
+                <a:effectLst/>
+                <a:latin typeface="Lucida Console" pitchFamily="49" charset="0"/>
+                <a:cs typeface="Consolas" pitchFamily="49" charset="0"/>
+              </a:rPr>
+              <a:t>w</a:t>
+            </a:r>
+            <a:r>
+              <a:rPr kumimoji="0" lang="en-US" sz="900" b="0" i="0" u="none" strike="noStrike" cap="none" normalizeH="0" baseline="0" dirty="0" smtClean="0">
+                <a:ln>
+                  <a:noFill/>
+                </a:ln>
+                <a:solidFill>
+                  <a:srgbClr val="333333"/>
+                </a:solidFill>
+                <a:effectLst/>
+                <a:latin typeface="Lucida Console" pitchFamily="49" charset="0"/>
+                <a:cs typeface="Consolas" pitchFamily="49" charset="0"/>
+              </a:rPr>
+              <a:t> </a:t>
+            </a:r>
+            <a:r>
+              <a:rPr kumimoji="0" lang="en-US" sz="1400" b="0" i="0" u="none" strike="noStrike" cap="none" normalizeH="0" baseline="0" dirty="0" err="1" smtClean="0">
+                <a:ln>
+                  <a:noFill/>
+                </a:ln>
+                <a:solidFill>
+                  <a:srgbClr val="333333"/>
+                </a:solidFill>
+                <a:effectLst/>
+                <a:latin typeface="Lucida Console" pitchFamily="49" charset="0"/>
+              </a:rPr>
+              <a:t>SharedHashMapBuilder</a:t>
+            </a:r>
+            <a:r>
+              <a:rPr kumimoji="0" lang="en-US" sz="1800" b="1" i="0" u="none" strike="noStrike" cap="none" normalizeH="0" baseline="0" dirty="0" smtClean="0">
+                <a:ln>
+                  <a:noFill/>
+                </a:ln>
+                <a:solidFill>
+                  <a:schemeClr val="tx1"/>
+                </a:solidFill>
+                <a:effectLst/>
+                <a:latin typeface="Lucida Console" pitchFamily="49" charset="0"/>
+              </a:rPr>
+              <a:t>()</a:t>
+            </a:r>
+            <a:endParaRPr kumimoji="0" lang="en-US" sz="900" b="0" i="0" u="none" strike="noStrike" cap="none" normalizeH="0" baseline="0" dirty="0" smtClean="0">
+              <a:ln>
+                <a:noFill/>
+              </a:ln>
+              <a:solidFill>
+                <a:srgbClr val="333333"/>
+              </a:solidFill>
+              <a:effectLst/>
+              <a:latin typeface="Lucida Console" pitchFamily="49" charset="0"/>
+              <a:cs typeface="Consolas" pitchFamily="49" charset="0"/>
+            </a:endParaRPr>
+          </a:p>
+          <a:p>
+            <a:pPr marL="0" marR="0" lvl="0" indent="0" algn="l" defTabSz="914400" rtl="0" eaLnBrk="0" fontAlgn="base" latinLnBrk="0" hangingPunct="0">
+              <a:lnSpc>
+                <a:spcPct val="100000"/>
+              </a:lnSpc>
+              <a:spcBef>
+                <a:spcPct val="0"/>
+              </a:spcBef>
+              <a:spcAft>
+                <a:spcPct val="0"/>
+              </a:spcAft>
+              <a:buClrTx/>
+              <a:buSzTx/>
+              <a:buFontTx/>
+              <a:buNone/>
+              <a:tabLst/>
+            </a:pPr>
+            <a:r>
+              <a:rPr kumimoji="0" lang="en-US" sz="900" b="0" i="0" u="none" strike="noStrike" cap="none" normalizeH="0" baseline="0" dirty="0" smtClean="0">
+                <a:ln>
+                  <a:noFill/>
+                </a:ln>
+                <a:solidFill>
+                  <a:srgbClr val="333333"/>
+                </a:solidFill>
+                <a:effectLst/>
+                <a:latin typeface="Lucida Console" pitchFamily="49" charset="0"/>
+                <a:cs typeface="Consolas" pitchFamily="49" charset="0"/>
+              </a:rPr>
+              <a:t>                </a:t>
+            </a:r>
+            <a:r>
+              <a:rPr kumimoji="0" lang="en-US" sz="1800" b="1" i="0" u="none" strike="noStrike" cap="none" normalizeH="0" baseline="0" dirty="0" smtClean="0">
+                <a:ln>
+                  <a:noFill/>
+                </a:ln>
+                <a:solidFill>
+                  <a:schemeClr val="tx1"/>
+                </a:solidFill>
+                <a:effectLst/>
+                <a:latin typeface="Lucida Console" pitchFamily="49" charset="0"/>
+              </a:rPr>
+              <a:t>.</a:t>
+            </a:r>
+            <a:r>
+              <a:rPr kumimoji="0" lang="en-US" sz="1600" b="0" i="0" u="none" strike="noStrike" cap="none" normalizeH="0" baseline="0" dirty="0" err="1" smtClean="0">
+                <a:ln>
+                  <a:noFill/>
+                </a:ln>
+                <a:solidFill>
+                  <a:srgbClr val="008080"/>
+                </a:solidFill>
+                <a:effectLst/>
+                <a:latin typeface="Lucida Console" pitchFamily="49" charset="0"/>
+                <a:cs typeface="Consolas" pitchFamily="49" charset="0"/>
+              </a:rPr>
+              <a:t>generatedValueType</a:t>
+            </a:r>
+            <a:r>
+              <a:rPr kumimoji="0" lang="en-US" sz="2000" b="1" i="0" u="none" strike="noStrike" cap="none" normalizeH="0" baseline="0" dirty="0" smtClean="0">
+                <a:ln>
+                  <a:noFill/>
+                </a:ln>
+                <a:solidFill>
+                  <a:schemeClr val="tx1"/>
+                </a:solidFill>
+                <a:effectLst/>
+                <a:latin typeface="Lucida Console" pitchFamily="49" charset="0"/>
+              </a:rPr>
+              <a:t>(</a:t>
+            </a:r>
+            <a:r>
+              <a:rPr kumimoji="0" lang="en-US" sz="1600" b="1" i="0" u="none" strike="noStrike" cap="none" normalizeH="0" baseline="0" dirty="0" smtClean="0">
+                <a:ln>
+                  <a:noFill/>
+                </a:ln>
+                <a:solidFill>
+                  <a:srgbClr val="333333"/>
+                </a:solidFill>
+                <a:effectLst/>
+                <a:latin typeface="Lucida Console" pitchFamily="49" charset="0"/>
+                <a:cs typeface="Consolas" pitchFamily="49" charset="0"/>
+              </a:rPr>
+              <a:t>true</a:t>
+            </a:r>
+            <a:r>
+              <a:rPr kumimoji="0" lang="en-US" sz="2000" b="1" i="0" u="none" strike="noStrike" cap="none" normalizeH="0" baseline="0" dirty="0" smtClean="0">
+                <a:ln>
+                  <a:noFill/>
+                </a:ln>
+                <a:solidFill>
+                  <a:schemeClr val="tx1"/>
+                </a:solidFill>
+                <a:effectLst/>
+                <a:latin typeface="Lucida Console" pitchFamily="49" charset="0"/>
+              </a:rPr>
+              <a:t>)</a:t>
+            </a:r>
+            <a:endParaRPr kumimoji="0" lang="en-US" sz="900" b="0" i="0" u="none" strike="noStrike" cap="none" normalizeH="0" baseline="0" dirty="0" smtClean="0">
+              <a:ln>
+                <a:noFill/>
+              </a:ln>
+              <a:solidFill>
+                <a:srgbClr val="333333"/>
+              </a:solidFill>
+              <a:effectLst/>
+              <a:latin typeface="Lucida Console" pitchFamily="49" charset="0"/>
+              <a:cs typeface="Consolas" pitchFamily="49" charset="0"/>
+            </a:endParaRPr>
+          </a:p>
+          <a:p>
+            <a:pPr marL="0" marR="0" lvl="0" indent="0" algn="l" defTabSz="914400" rtl="0" eaLnBrk="0" fontAlgn="base" latinLnBrk="0" hangingPunct="0">
+              <a:lnSpc>
+                <a:spcPct val="100000"/>
+              </a:lnSpc>
+              <a:spcBef>
+                <a:spcPct val="0"/>
+              </a:spcBef>
+              <a:spcAft>
+                <a:spcPct val="0"/>
+              </a:spcAft>
+              <a:buClrTx/>
+              <a:buSzTx/>
+              <a:buFontTx/>
+              <a:buNone/>
+              <a:tabLst/>
+            </a:pPr>
+            <a:r>
+              <a:rPr kumimoji="0" lang="en-US" sz="900" b="0" i="0" u="none" strike="noStrike" cap="none" normalizeH="0" baseline="0" dirty="0" smtClean="0">
+                <a:ln>
+                  <a:noFill/>
+                </a:ln>
+                <a:solidFill>
+                  <a:srgbClr val="333333"/>
+                </a:solidFill>
+                <a:effectLst/>
+                <a:latin typeface="Lucida Console" pitchFamily="49" charset="0"/>
+                <a:cs typeface="Consolas" pitchFamily="49" charset="0"/>
+              </a:rPr>
+              <a:t>                </a:t>
+            </a:r>
+            <a:r>
+              <a:rPr kumimoji="0" lang="en-US" sz="1800" b="1" i="0" u="none" strike="noStrike" cap="none" normalizeH="0" baseline="0" dirty="0" smtClean="0">
+                <a:ln>
+                  <a:noFill/>
+                </a:ln>
+                <a:solidFill>
+                  <a:schemeClr val="tx1"/>
+                </a:solidFill>
+                <a:effectLst/>
+                <a:latin typeface="Lucida Console" pitchFamily="49" charset="0"/>
+              </a:rPr>
+              <a:t>.</a:t>
+            </a:r>
+            <a:r>
+              <a:rPr kumimoji="0" lang="en-US" sz="1600" b="0" i="0" u="none" strike="noStrike" cap="none" normalizeH="0" baseline="0" dirty="0" err="1" smtClean="0">
+                <a:ln>
+                  <a:noFill/>
+                </a:ln>
+                <a:solidFill>
+                  <a:srgbClr val="008080"/>
+                </a:solidFill>
+                <a:effectLst/>
+                <a:latin typeface="Lucida Console" pitchFamily="49" charset="0"/>
+                <a:cs typeface="Consolas" pitchFamily="49" charset="0"/>
+              </a:rPr>
+              <a:t>entrySize</a:t>
+            </a:r>
+            <a:r>
+              <a:rPr kumimoji="0" lang="en-US" sz="1800" b="1" i="0" u="none" strike="noStrike" cap="none" normalizeH="0" baseline="0" dirty="0" smtClean="0">
+                <a:ln>
+                  <a:noFill/>
+                </a:ln>
+                <a:solidFill>
+                  <a:schemeClr val="tx1"/>
+                </a:solidFill>
+                <a:effectLst/>
+                <a:latin typeface="Lucida Console" pitchFamily="49" charset="0"/>
+              </a:rPr>
+              <a:t>(</a:t>
+            </a:r>
+            <a:r>
+              <a:rPr kumimoji="0" lang="en-US" sz="1600" b="0" i="0" u="none" strike="noStrike" cap="none" normalizeH="0" baseline="0" dirty="0" smtClean="0">
+                <a:ln>
+                  <a:noFill/>
+                </a:ln>
+                <a:solidFill>
+                  <a:srgbClr val="009999"/>
+                </a:solidFill>
+                <a:effectLst/>
+                <a:latin typeface="Lucida Console" pitchFamily="49" charset="0"/>
+                <a:cs typeface="Consolas" pitchFamily="49" charset="0"/>
+              </a:rPr>
+              <a:t>512</a:t>
+            </a:r>
+            <a:r>
+              <a:rPr kumimoji="0" lang="en-US" sz="1800" b="1" i="0" u="none" strike="noStrike" cap="none" normalizeH="0" baseline="0" dirty="0" smtClean="0">
+                <a:ln>
+                  <a:noFill/>
+                </a:ln>
+                <a:solidFill>
+                  <a:schemeClr val="tx1"/>
+                </a:solidFill>
+                <a:effectLst/>
+                <a:latin typeface="Lucida Console" pitchFamily="49" charset="0"/>
+              </a:rPr>
+              <a:t>)</a:t>
+            </a:r>
+            <a:endParaRPr kumimoji="0" lang="en-US" sz="900" b="0" i="0" u="none" strike="noStrike" cap="none" normalizeH="0" baseline="0" dirty="0" smtClean="0">
+              <a:ln>
+                <a:noFill/>
+              </a:ln>
+              <a:solidFill>
+                <a:srgbClr val="333333"/>
+              </a:solidFill>
+              <a:effectLst/>
+              <a:latin typeface="Lucida Console" pitchFamily="49" charset="0"/>
+              <a:cs typeface="Consolas" pitchFamily="49" charset="0"/>
+            </a:endParaRPr>
+          </a:p>
+          <a:p>
+            <a:pPr marL="0" marR="0" lvl="0" indent="0" algn="l" defTabSz="914400" rtl="0" eaLnBrk="0" fontAlgn="base" latinLnBrk="0" hangingPunct="0">
+              <a:lnSpc>
+                <a:spcPct val="100000"/>
+              </a:lnSpc>
+              <a:spcBef>
+                <a:spcPct val="0"/>
+              </a:spcBef>
+              <a:spcAft>
+                <a:spcPct val="0"/>
+              </a:spcAft>
+              <a:buClrTx/>
+              <a:buSzTx/>
+              <a:buFontTx/>
+              <a:buNone/>
+              <a:tabLst/>
+            </a:pPr>
+            <a:r>
+              <a:rPr kumimoji="0" lang="en-US" sz="900" b="0" i="0" u="none" strike="noStrike" cap="none" normalizeH="0" baseline="0" dirty="0" smtClean="0">
+                <a:ln>
+                  <a:noFill/>
+                </a:ln>
+                <a:solidFill>
+                  <a:srgbClr val="333333"/>
+                </a:solidFill>
+                <a:effectLst/>
+                <a:latin typeface="Lucida Console" pitchFamily="49" charset="0"/>
+                <a:cs typeface="Consolas" pitchFamily="49" charset="0"/>
+              </a:rPr>
+              <a:t>                </a:t>
+            </a:r>
+            <a:r>
+              <a:rPr kumimoji="0" lang="en-US" sz="1800" b="1" i="0" u="none" strike="noStrike" cap="none" normalizeH="0" baseline="0" dirty="0" smtClean="0">
+                <a:ln>
+                  <a:noFill/>
+                </a:ln>
+                <a:solidFill>
+                  <a:schemeClr val="tx1"/>
+                </a:solidFill>
+                <a:effectLst/>
+                <a:latin typeface="Lucida Console" pitchFamily="49" charset="0"/>
+              </a:rPr>
+              <a:t>.</a:t>
+            </a:r>
+            <a:r>
+              <a:rPr kumimoji="0" lang="en-US" sz="1600" b="0" i="0" u="none" strike="noStrike" cap="none" normalizeH="0" baseline="0" dirty="0" smtClean="0">
+                <a:ln>
+                  <a:noFill/>
+                </a:ln>
+                <a:solidFill>
+                  <a:srgbClr val="008080"/>
+                </a:solidFill>
+                <a:effectLst/>
+                <a:latin typeface="Lucida Console" pitchFamily="49" charset="0"/>
+                <a:cs typeface="Consolas" pitchFamily="49" charset="0"/>
+              </a:rPr>
+              <a:t>create</a:t>
+            </a:r>
+            <a:r>
+              <a:rPr kumimoji="0" lang="en-US" sz="1800" b="1" i="0" u="none" strike="noStrike" cap="none" normalizeH="0" baseline="0" dirty="0" smtClean="0">
+                <a:ln>
+                  <a:noFill/>
+                </a:ln>
+                <a:solidFill>
+                  <a:schemeClr val="tx1"/>
+                </a:solidFill>
+                <a:effectLst/>
+                <a:latin typeface="Lucida Console" pitchFamily="49" charset="0"/>
+              </a:rPr>
+              <a:t>(</a:t>
+            </a:r>
+            <a:endParaRPr kumimoji="0" lang="en-US" sz="900" b="0" i="0" u="none" strike="noStrike" cap="none" normalizeH="0" baseline="0" dirty="0" smtClean="0">
+              <a:ln>
+                <a:noFill/>
+              </a:ln>
+              <a:solidFill>
+                <a:srgbClr val="333333"/>
+              </a:solidFill>
+              <a:effectLst/>
+              <a:latin typeface="Lucida Console" pitchFamily="49" charset="0"/>
+              <a:cs typeface="Consolas" pitchFamily="49" charset="0"/>
+            </a:endParaRPr>
+          </a:p>
+          <a:p>
+            <a:pPr marL="0" marR="0" lvl="0" indent="0" algn="l" defTabSz="914400" rtl="0" eaLnBrk="0" fontAlgn="base" latinLnBrk="0" hangingPunct="0">
+              <a:lnSpc>
+                <a:spcPct val="100000"/>
+              </a:lnSpc>
+              <a:spcBef>
+                <a:spcPct val="0"/>
+              </a:spcBef>
+              <a:spcAft>
+                <a:spcPct val="0"/>
+              </a:spcAft>
+              <a:buClrTx/>
+              <a:buSzTx/>
+              <a:buFontTx/>
+              <a:buNone/>
+              <a:tabLst/>
+            </a:pPr>
+            <a:r>
+              <a:rPr kumimoji="0" lang="en-US" sz="900" b="0" i="0" u="none" strike="noStrike" cap="none" normalizeH="0" baseline="0" dirty="0" smtClean="0">
+                <a:ln>
+                  <a:noFill/>
+                </a:ln>
+                <a:solidFill>
+                  <a:srgbClr val="333333"/>
+                </a:solidFill>
+                <a:effectLst/>
+                <a:latin typeface="Lucida Console" pitchFamily="49" charset="0"/>
+                <a:cs typeface="Consolas" pitchFamily="49" charset="0"/>
+              </a:rPr>
+              <a:t>                        </a:t>
+            </a:r>
+            <a:r>
+              <a:rPr kumimoji="0" lang="en-US" sz="1600" b="1" i="0" u="none" strike="noStrike" cap="none" normalizeH="0" baseline="0" dirty="0" smtClean="0">
+                <a:ln>
+                  <a:noFill/>
+                </a:ln>
+                <a:solidFill>
+                  <a:srgbClr val="333333"/>
+                </a:solidFill>
+                <a:effectLst/>
+                <a:latin typeface="Lucida Console" pitchFamily="49" charset="0"/>
+                <a:cs typeface="Consolas" pitchFamily="49" charset="0"/>
+              </a:rPr>
+              <a:t>new</a:t>
+            </a:r>
+            <a:r>
+              <a:rPr kumimoji="0" lang="en-US" sz="1600" b="0" i="0" u="none" strike="noStrike" cap="none" normalizeH="0" baseline="0" dirty="0" smtClean="0">
+                <a:ln>
+                  <a:noFill/>
+                </a:ln>
+                <a:solidFill>
+                  <a:srgbClr val="333333"/>
+                </a:solidFill>
+                <a:effectLst/>
+                <a:latin typeface="Lucida Console" pitchFamily="49" charset="0"/>
+                <a:cs typeface="Consolas" pitchFamily="49" charset="0"/>
+              </a:rPr>
+              <a:t> </a:t>
+            </a:r>
+            <a:r>
+              <a:rPr kumimoji="0" lang="en-US" sz="1600" b="1" i="0" u="none" strike="noStrike" cap="none" normalizeH="0" baseline="0" dirty="0" smtClean="0">
+                <a:ln>
+                  <a:noFill/>
+                </a:ln>
+                <a:solidFill>
+                  <a:srgbClr val="990000"/>
+                </a:solidFill>
+                <a:effectLst/>
+                <a:latin typeface="Lucida Console" pitchFamily="49" charset="0"/>
+                <a:cs typeface="Consolas" pitchFamily="49" charset="0"/>
+              </a:rPr>
+              <a:t>File</a:t>
+            </a:r>
+            <a:r>
+              <a:rPr kumimoji="0" lang="en-US" sz="1600" b="1" i="0" u="none" strike="noStrike" cap="none" normalizeH="0" baseline="0" dirty="0" smtClean="0">
+                <a:ln>
+                  <a:noFill/>
+                </a:ln>
+                <a:solidFill>
+                  <a:schemeClr val="tx1"/>
+                </a:solidFill>
+                <a:effectLst/>
+                <a:latin typeface="Lucida Console" pitchFamily="49" charset="0"/>
+              </a:rPr>
+              <a:t>(</a:t>
+            </a:r>
+            <a:r>
+              <a:rPr kumimoji="0" lang="en-US" sz="1200" b="0" i="0" u="none" strike="noStrike" cap="none" normalizeH="0" baseline="0" dirty="0" smtClean="0">
+                <a:ln>
+                  <a:noFill/>
+                </a:ln>
+                <a:solidFill>
+                  <a:srgbClr val="DD1144"/>
+                </a:solidFill>
+                <a:effectLst/>
+                <a:latin typeface="Lucida Console" pitchFamily="49" charset="0"/>
+                <a:cs typeface="Consolas" pitchFamily="49" charset="0"/>
+              </a:rPr>
+              <a:t>“/dev/</a:t>
+            </a:r>
+            <a:r>
+              <a:rPr kumimoji="0" lang="en-US" sz="1200" b="0" i="0" u="none" strike="noStrike" cap="none" normalizeH="0" baseline="0" dirty="0" err="1" smtClean="0">
+                <a:ln>
+                  <a:noFill/>
+                </a:ln>
+                <a:solidFill>
+                  <a:srgbClr val="DD1144"/>
+                </a:solidFill>
+                <a:effectLst/>
+                <a:latin typeface="Lucida Console" pitchFamily="49" charset="0"/>
+                <a:cs typeface="Consolas" pitchFamily="49" charset="0"/>
+              </a:rPr>
+              <a:t>shm</a:t>
+            </a:r>
+            <a:r>
+              <a:rPr kumimoji="0" lang="en-US" sz="1200" b="0" i="0" u="none" strike="noStrike" cap="none" normalizeH="0" baseline="0" dirty="0" smtClean="0">
+                <a:ln>
+                  <a:noFill/>
+                </a:ln>
+                <a:solidFill>
+                  <a:srgbClr val="DD1144"/>
+                </a:solidFill>
+                <a:effectLst/>
+                <a:latin typeface="Lucida Console" pitchFamily="49" charset="0"/>
+                <a:cs typeface="Consolas" pitchFamily="49" charset="0"/>
+              </a:rPr>
+              <a:t>/</a:t>
+            </a:r>
+            <a:r>
+              <a:rPr kumimoji="0" lang="en-US" sz="1200" b="0" i="0" u="none" strike="noStrike" cap="none" normalizeH="0" baseline="0" dirty="0" err="1" smtClean="0">
+                <a:ln>
+                  <a:noFill/>
+                </a:ln>
+                <a:solidFill>
+                  <a:srgbClr val="DD1144"/>
+                </a:solidFill>
+                <a:effectLst/>
+                <a:latin typeface="Lucida Console" pitchFamily="49" charset="0"/>
+                <a:cs typeface="Consolas" pitchFamily="49" charset="0"/>
+              </a:rPr>
+              <a:t>myBondRDR_PortfolioSHM</a:t>
+            </a:r>
+            <a:r>
+              <a:rPr kumimoji="0" lang="en-US" sz="1200" b="0" i="0" u="none" strike="noStrike" cap="none" normalizeH="0" baseline="0" dirty="0" smtClean="0">
+                <a:ln>
+                  <a:noFill/>
+                </a:ln>
+                <a:solidFill>
+                  <a:srgbClr val="DD1144"/>
+                </a:solidFill>
+                <a:effectLst/>
+                <a:latin typeface="Lucida Console" pitchFamily="49" charset="0"/>
+                <a:cs typeface="Consolas" pitchFamily="49" charset="0"/>
+              </a:rPr>
+              <a:t>"</a:t>
+            </a:r>
+            <a:r>
+              <a:rPr kumimoji="0" lang="en-US" sz="1800" b="1" i="0" u="none" strike="noStrike" cap="none" normalizeH="0" baseline="0" dirty="0" smtClean="0">
+                <a:ln>
+                  <a:noFill/>
+                </a:ln>
+                <a:solidFill>
+                  <a:schemeClr val="tx1"/>
+                </a:solidFill>
+                <a:effectLst/>
+                <a:latin typeface="Lucida Console" pitchFamily="49" charset="0"/>
+              </a:rPr>
+              <a:t>),</a:t>
+            </a:r>
+            <a:endParaRPr kumimoji="0" lang="en-US" sz="900" b="0" i="0" u="none" strike="noStrike" cap="none" normalizeH="0" baseline="0" dirty="0" smtClean="0">
+              <a:ln>
+                <a:noFill/>
+              </a:ln>
+              <a:solidFill>
+                <a:srgbClr val="333333"/>
+              </a:solidFill>
+              <a:effectLst/>
+              <a:latin typeface="Lucida Console" pitchFamily="49" charset="0"/>
+              <a:cs typeface="Consolas" pitchFamily="49" charset="0"/>
+            </a:endParaRPr>
+          </a:p>
+          <a:p>
+            <a:pPr marL="0" marR="0" lvl="0" indent="0" algn="l" defTabSz="914400" rtl="0" eaLnBrk="0" fontAlgn="base" latinLnBrk="0" hangingPunct="0">
+              <a:lnSpc>
+                <a:spcPct val="100000"/>
+              </a:lnSpc>
+              <a:spcBef>
+                <a:spcPct val="0"/>
+              </a:spcBef>
+              <a:spcAft>
+                <a:spcPct val="0"/>
+              </a:spcAft>
+              <a:buClrTx/>
+              <a:buSzTx/>
+              <a:buFontTx/>
+              <a:buNone/>
+              <a:tabLst/>
+            </a:pPr>
+            <a:r>
+              <a:rPr kumimoji="0" lang="en-US" sz="900" b="0" i="0" u="none" strike="noStrike" cap="none" normalizeH="0" baseline="0" dirty="0" smtClean="0">
+                <a:ln>
+                  <a:noFill/>
+                </a:ln>
+                <a:solidFill>
+                  <a:srgbClr val="333333"/>
+                </a:solidFill>
+                <a:effectLst/>
+                <a:latin typeface="Lucida Console" pitchFamily="49" charset="0"/>
+                <a:cs typeface="Consolas" pitchFamily="49" charset="0"/>
+              </a:rPr>
+              <a:t>                        </a:t>
+            </a:r>
+            <a:r>
+              <a:rPr kumimoji="0" lang="en-US" b="0" i="0" u="none" strike="noStrike" cap="none" normalizeH="0" baseline="0" dirty="0" err="1" smtClean="0">
+                <a:ln>
+                  <a:noFill/>
+                </a:ln>
+                <a:solidFill>
+                  <a:srgbClr val="333333"/>
+                </a:solidFill>
+                <a:effectLst/>
+                <a:latin typeface="Lucida Console" pitchFamily="49" charset="0"/>
+              </a:rPr>
+              <a:t>String</a:t>
+            </a:r>
+            <a:r>
+              <a:rPr kumimoji="0" lang="en-US" sz="2800" b="1" i="0" u="none" strike="noStrike" cap="none" normalizeH="0" baseline="0" dirty="0" err="1" smtClean="0">
+                <a:ln>
+                  <a:noFill/>
+                </a:ln>
+                <a:solidFill>
+                  <a:schemeClr val="tx1"/>
+                </a:solidFill>
+                <a:effectLst/>
+                <a:latin typeface="Lucida Console" pitchFamily="49" charset="0"/>
+              </a:rPr>
+              <a:t>.</a:t>
+            </a:r>
+            <a:r>
+              <a:rPr kumimoji="0" lang="en-US" b="0" i="0" u="none" strike="noStrike" cap="none" normalizeH="0" baseline="0" dirty="0" err="1" smtClean="0">
+                <a:ln>
+                  <a:noFill/>
+                </a:ln>
+                <a:solidFill>
+                  <a:srgbClr val="008080"/>
+                </a:solidFill>
+                <a:effectLst/>
+                <a:latin typeface="Lucida Console" pitchFamily="49" charset="0"/>
+                <a:cs typeface="Consolas" pitchFamily="49" charset="0"/>
+              </a:rPr>
+              <a:t>class</a:t>
+            </a:r>
+            <a:r>
+              <a:rPr kumimoji="0" lang="en-US" sz="1800" b="1" i="0" u="none" strike="noStrike" cap="none" normalizeH="0" baseline="0" dirty="0" smtClean="0">
+                <a:ln>
+                  <a:noFill/>
+                </a:ln>
+                <a:solidFill>
+                  <a:schemeClr val="tx1"/>
+                </a:solidFill>
+                <a:effectLst/>
+                <a:latin typeface="Lucida Console" pitchFamily="49" charset="0"/>
+              </a:rPr>
+              <a:t>,</a:t>
+            </a:r>
+            <a:endParaRPr kumimoji="0" lang="en-US" sz="900" b="0" i="0" u="none" strike="noStrike" cap="none" normalizeH="0" baseline="0" dirty="0" smtClean="0">
+              <a:ln>
+                <a:noFill/>
+              </a:ln>
+              <a:solidFill>
+                <a:srgbClr val="333333"/>
+              </a:solidFill>
+              <a:effectLst/>
+              <a:latin typeface="Lucida Console" pitchFamily="49" charset="0"/>
+              <a:cs typeface="Consolas" pitchFamily="49" charset="0"/>
+            </a:endParaRPr>
+          </a:p>
+          <a:p>
+            <a:pPr marL="0" marR="0" lvl="0" indent="0" algn="l" defTabSz="914400" rtl="0" eaLnBrk="0" fontAlgn="base" latinLnBrk="0" hangingPunct="0">
+              <a:lnSpc>
+                <a:spcPct val="100000"/>
+              </a:lnSpc>
+              <a:spcBef>
+                <a:spcPct val="0"/>
+              </a:spcBef>
+              <a:spcAft>
+                <a:spcPct val="0"/>
+              </a:spcAft>
+              <a:buClrTx/>
+              <a:buSzTx/>
+              <a:buFontTx/>
+              <a:buNone/>
+              <a:tabLst/>
+            </a:pPr>
+            <a:r>
+              <a:rPr kumimoji="0" lang="en-US" sz="900" b="0" i="0" u="none" strike="noStrike" cap="none" normalizeH="0" baseline="0" dirty="0" smtClean="0">
+                <a:ln>
+                  <a:noFill/>
+                </a:ln>
+                <a:solidFill>
+                  <a:srgbClr val="333333"/>
+                </a:solidFill>
+                <a:effectLst/>
+                <a:latin typeface="Lucida Console" pitchFamily="49" charset="0"/>
+                <a:cs typeface="Consolas" pitchFamily="49" charset="0"/>
+              </a:rPr>
+              <a:t>                        </a:t>
+            </a:r>
+            <a:r>
+              <a:rPr kumimoji="0" lang="en-US" sz="1600" b="1" i="0" u="none" strike="noStrike" cap="none" normalizeH="0" baseline="0" dirty="0" err="1" smtClean="0">
+                <a:ln>
+                  <a:noFill/>
+                </a:ln>
+                <a:solidFill>
+                  <a:srgbClr val="00B050"/>
+                </a:solidFill>
+                <a:effectLst/>
+                <a:latin typeface="Lucida Console" pitchFamily="49" charset="0"/>
+              </a:rPr>
+              <a:t>BondRDR_VOInterface</a:t>
+            </a:r>
+            <a:r>
+              <a:rPr kumimoji="0" lang="en-US" sz="2400" b="1" i="0" u="none" strike="noStrike" cap="none" normalizeH="0" baseline="0" dirty="0" err="1" smtClean="0">
+                <a:ln>
+                  <a:noFill/>
+                </a:ln>
+                <a:solidFill>
+                  <a:schemeClr val="tx1"/>
+                </a:solidFill>
+                <a:effectLst/>
+                <a:latin typeface="Lucida Console" pitchFamily="49" charset="0"/>
+              </a:rPr>
+              <a:t>.</a:t>
+            </a:r>
+            <a:r>
+              <a:rPr kumimoji="0" lang="en-US" sz="1600" b="0" i="0" u="none" strike="noStrike" cap="none" normalizeH="0" baseline="0" dirty="0" err="1" smtClean="0">
+                <a:ln>
+                  <a:noFill/>
+                </a:ln>
+                <a:solidFill>
+                  <a:srgbClr val="008080"/>
+                </a:solidFill>
+                <a:effectLst/>
+                <a:latin typeface="Lucida Console" pitchFamily="49" charset="0"/>
+                <a:cs typeface="Consolas" pitchFamily="49" charset="0"/>
+              </a:rPr>
+              <a:t>class</a:t>
+            </a:r>
+            <a:endParaRPr kumimoji="0" lang="en-US" sz="900" b="0" i="0" u="none" strike="noStrike" cap="none" normalizeH="0" baseline="0" dirty="0" smtClean="0">
+              <a:ln>
+                <a:noFill/>
+              </a:ln>
+              <a:solidFill>
+                <a:srgbClr val="333333"/>
+              </a:solidFill>
+              <a:effectLst/>
+              <a:latin typeface="Lucida Console" pitchFamily="49" charset="0"/>
+              <a:cs typeface="Consolas" pitchFamily="49" charset="0"/>
+            </a:endParaRPr>
+          </a:p>
+          <a:p>
+            <a:pPr marL="0" marR="0" lvl="0" indent="0" algn="l" defTabSz="914400" rtl="0" eaLnBrk="0" fontAlgn="base" latinLnBrk="0" hangingPunct="0">
+              <a:lnSpc>
+                <a:spcPct val="100000"/>
+              </a:lnSpc>
+              <a:spcBef>
+                <a:spcPct val="0"/>
+              </a:spcBef>
+              <a:spcAft>
+                <a:spcPct val="0"/>
+              </a:spcAft>
+              <a:buClrTx/>
+              <a:buSzTx/>
+              <a:buFontTx/>
+              <a:buNone/>
+              <a:tabLst/>
+            </a:pPr>
+            <a:r>
+              <a:rPr kumimoji="0" lang="en-US" sz="900" b="0" i="0" u="none" strike="noStrike" cap="none" normalizeH="0" baseline="0" dirty="0" smtClean="0">
+                <a:ln>
+                  <a:noFill/>
+                </a:ln>
+                <a:solidFill>
+                  <a:srgbClr val="333333"/>
+                </a:solidFill>
+                <a:effectLst/>
+                <a:latin typeface="Lucida Console" pitchFamily="49" charset="0"/>
+                <a:cs typeface="Consolas" pitchFamily="49" charset="0"/>
+              </a:rPr>
+              <a:t>                </a:t>
+            </a:r>
+            <a:r>
+              <a:rPr kumimoji="0" lang="en-US" sz="1800" b="1" i="0" u="none" strike="noStrike" cap="none" normalizeH="0" baseline="0" dirty="0" smtClean="0">
+                <a:ln>
+                  <a:noFill/>
+                </a:ln>
+                <a:solidFill>
+                  <a:schemeClr val="tx1"/>
+                </a:solidFill>
+                <a:effectLst/>
+                <a:latin typeface="Lucida Console" pitchFamily="49" charset="0"/>
+              </a:rPr>
+              <a:t>);</a:t>
+            </a:r>
+          </a:p>
+          <a:p>
+            <a:pPr marL="0" marR="0" lvl="0" indent="0" algn="l" defTabSz="914400" rtl="0" eaLnBrk="0" fontAlgn="base" latinLnBrk="0" hangingPunct="0">
+              <a:lnSpc>
+                <a:spcPct val="100000"/>
+              </a:lnSpc>
+              <a:spcBef>
+                <a:spcPct val="0"/>
+              </a:spcBef>
+              <a:spcAft>
+                <a:spcPct val="0"/>
+              </a:spcAft>
+              <a:buClrTx/>
+              <a:buSzTx/>
+              <a:buFontTx/>
+              <a:buNone/>
+              <a:tabLst/>
+            </a:pPr>
+            <a:endParaRPr kumimoji="0" lang="en-US" sz="1800" b="1" i="0" u="none" strike="noStrike" cap="none" normalizeH="0" baseline="0" dirty="0" smtClean="0">
+              <a:ln>
+                <a:noFill/>
+              </a:ln>
+              <a:solidFill>
+                <a:schemeClr val="tx1"/>
+              </a:solidFill>
+              <a:effectLst/>
+              <a:latin typeface="Lucida Console" pitchFamily="49" charset="0"/>
+            </a:endParaRPr>
+          </a:p>
+          <a:p>
+            <a:r>
+              <a:rPr lang="en-US" sz="1600" b="1" dirty="0" err="1" smtClean="0">
+                <a:solidFill>
+                  <a:srgbClr val="00B050"/>
+                </a:solidFill>
+              </a:rPr>
+              <a:t>BondRDR_VOInterface</a:t>
+            </a:r>
+            <a:r>
+              <a:rPr lang="en-US" sz="1600" dirty="0" smtClean="0"/>
+              <a:t> </a:t>
+            </a:r>
+            <a:r>
+              <a:rPr lang="en-US" sz="1600" dirty="0" err="1" smtClean="0">
+                <a:solidFill>
+                  <a:srgbClr val="0070C0"/>
+                </a:solidFill>
+              </a:rPr>
+              <a:t>bondVO</a:t>
+            </a:r>
+            <a:r>
+              <a:rPr lang="en-US" sz="1600" dirty="0" smtClean="0"/>
+              <a:t>  </a:t>
+            </a:r>
+            <a:r>
+              <a:rPr lang="en-US" sz="1600" b="1" dirty="0" smtClean="0"/>
+              <a:t>=</a:t>
+            </a:r>
+            <a:r>
+              <a:rPr lang="en-US" sz="1600" dirty="0" smtClean="0"/>
+              <a:t> </a:t>
+            </a:r>
+            <a:r>
+              <a:rPr lang="en-US" sz="1600" dirty="0" err="1" smtClean="0"/>
+              <a:t>DataValueClasses</a:t>
+            </a:r>
+            <a:r>
+              <a:rPr lang="en-US" sz="1600" b="1" dirty="0" err="1" smtClean="0"/>
+              <a:t>.</a:t>
+            </a:r>
+            <a:r>
+              <a:rPr lang="en-US" sz="1600" i="1" dirty="0" err="1" smtClean="0"/>
+              <a:t>newDirectReference</a:t>
+            </a:r>
+            <a:r>
+              <a:rPr lang="en-US" sz="1600" b="1" dirty="0" smtClean="0"/>
+              <a:t>(</a:t>
+            </a:r>
+            <a:r>
+              <a:rPr lang="en-US" sz="1600" b="1" dirty="0" err="1" smtClean="0">
+                <a:solidFill>
+                  <a:srgbClr val="00B050"/>
+                </a:solidFill>
+              </a:rPr>
+              <a:t>BondRDR_VOInterface</a:t>
+            </a:r>
+            <a:r>
+              <a:rPr lang="en-US" sz="1600" b="1" dirty="0" err="1" smtClean="0"/>
+              <a:t>.</a:t>
+            </a:r>
+            <a:r>
+              <a:rPr lang="en-US" sz="1600" dirty="0" err="1" smtClean="0"/>
+              <a:t>class</a:t>
+            </a:r>
+            <a:r>
+              <a:rPr lang="en-US" sz="1600" b="1" dirty="0" smtClean="0"/>
+              <a:t>);</a:t>
+            </a:r>
+            <a:endParaRPr lang="en-US" sz="1600" dirty="0" smtClean="0"/>
+          </a:p>
+          <a:p>
+            <a:r>
+              <a:rPr lang="en-US" sz="1600" b="1" dirty="0" err="1" smtClean="0">
+                <a:solidFill>
+                  <a:srgbClr val="00B050"/>
+                </a:solidFill>
+              </a:rPr>
+              <a:t>BondRDR_VOInterface</a:t>
+            </a:r>
+            <a:r>
+              <a:rPr lang="en-US" sz="1600" dirty="0" smtClean="0"/>
+              <a:t> </a:t>
+            </a:r>
+            <a:r>
+              <a:rPr lang="en-US" sz="1600" dirty="0" err="1" smtClean="0">
+                <a:solidFill>
+                  <a:srgbClr val="C00000"/>
+                </a:solidFill>
+              </a:rPr>
+              <a:t>copyRDR</a:t>
+            </a:r>
+            <a:r>
+              <a:rPr lang="en-US" sz="1600" dirty="0" smtClean="0"/>
+              <a:t> = </a:t>
+            </a:r>
+            <a:r>
+              <a:rPr lang="en-US" sz="1600" b="1" dirty="0" err="1" smtClean="0">
+                <a:solidFill>
+                  <a:srgbClr val="7030A0"/>
+                </a:solidFill>
+              </a:rPr>
+              <a:t>shmP</a:t>
+            </a:r>
+            <a:r>
+              <a:rPr lang="en-US" sz="1600" b="1" dirty="0" err="1" smtClean="0"/>
+              <a:t>.</a:t>
+            </a:r>
+            <a:r>
+              <a:rPr lang="en-US" sz="1600" dirty="0" err="1" smtClean="0"/>
+              <a:t>acquireUsing</a:t>
+            </a:r>
+            <a:r>
+              <a:rPr lang="en-US" sz="1600" b="1" dirty="0" smtClean="0"/>
+              <a:t>(</a:t>
+            </a:r>
+            <a:r>
+              <a:rPr lang="en-US" sz="1600" dirty="0" smtClean="0"/>
+              <a:t>"369604103"</a:t>
+            </a:r>
+            <a:r>
+              <a:rPr lang="en-US" sz="1600" b="1" dirty="0" smtClean="0"/>
+              <a:t>,</a:t>
+            </a:r>
+            <a:r>
+              <a:rPr lang="en-US" sz="1600" dirty="0" smtClean="0"/>
+              <a:t> </a:t>
+            </a:r>
+            <a:r>
+              <a:rPr lang="en-US" sz="1600" dirty="0" err="1" smtClean="0">
+                <a:solidFill>
+                  <a:srgbClr val="0070C0"/>
+                </a:solidFill>
+              </a:rPr>
+              <a:t>bondVO</a:t>
+            </a:r>
+            <a:r>
+              <a:rPr lang="en-US" sz="1600" b="1" dirty="0" smtClean="0"/>
+              <a:t>);</a:t>
+            </a:r>
+            <a:endParaRPr lang="en-US" sz="1600" dirty="0" smtClean="0"/>
+          </a:p>
+          <a:p>
+            <a:r>
+              <a:rPr lang="en-US" sz="1600" dirty="0" smtClean="0"/>
+              <a:t> </a:t>
+            </a:r>
+            <a:r>
+              <a:rPr lang="en-US" sz="1600" dirty="0" err="1" smtClean="0">
+                <a:solidFill>
+                  <a:srgbClr val="C00000"/>
+                </a:solidFill>
+              </a:rPr>
+              <a:t>copyRDR</a:t>
+            </a:r>
+            <a:r>
+              <a:rPr lang="en-US" sz="1600" b="1" dirty="0" err="1" smtClean="0"/>
+              <a:t>.</a:t>
+            </a:r>
+            <a:r>
+              <a:rPr lang="en-US" sz="1600" dirty="0" err="1" smtClean="0"/>
+              <a:t>setIssueDate</a:t>
+            </a:r>
+            <a:r>
+              <a:rPr lang="en-US" sz="1600" b="1" dirty="0" smtClean="0"/>
+              <a:t>(</a:t>
+            </a:r>
+            <a:r>
+              <a:rPr lang="en-US" sz="1600" dirty="0" err="1" smtClean="0"/>
+              <a:t>parseYYYYMMDD</a:t>
+            </a:r>
+            <a:r>
+              <a:rPr lang="en-US" sz="1600" b="1" dirty="0" smtClean="0"/>
+              <a:t>(</a:t>
+            </a:r>
+            <a:r>
+              <a:rPr lang="en-US" sz="1600" dirty="0" smtClean="0"/>
+              <a:t>"20130915"</a:t>
+            </a:r>
+            <a:r>
+              <a:rPr lang="en-US" sz="1600" b="1" dirty="0" smtClean="0"/>
+              <a:t>));</a:t>
+            </a:r>
+            <a:endParaRPr lang="en-US" sz="1600" dirty="0" smtClean="0"/>
+          </a:p>
+          <a:p>
+            <a:r>
+              <a:rPr lang="en-US" sz="1600" dirty="0" smtClean="0"/>
+              <a:t> </a:t>
+            </a:r>
+            <a:r>
+              <a:rPr lang="en-US" sz="1600" dirty="0" err="1" smtClean="0">
+                <a:solidFill>
+                  <a:srgbClr val="C00000"/>
+                </a:solidFill>
+              </a:rPr>
+              <a:t>copyRDR.</a:t>
+            </a:r>
+            <a:r>
+              <a:rPr lang="en-US" sz="1600" dirty="0" err="1" smtClean="0"/>
+              <a:t>setMaturityDate</a:t>
+            </a:r>
+            <a:r>
+              <a:rPr lang="en-US" sz="1600" b="1" dirty="0" smtClean="0"/>
+              <a:t>(</a:t>
+            </a:r>
+            <a:r>
+              <a:rPr lang="en-US" sz="1600" dirty="0" err="1" smtClean="0"/>
+              <a:t>parseYYYYMMDD</a:t>
+            </a:r>
+            <a:r>
+              <a:rPr lang="en-US" sz="1600" b="1" dirty="0" smtClean="0"/>
+              <a:t>(</a:t>
+            </a:r>
+            <a:r>
+              <a:rPr lang="en-US" sz="1600" dirty="0" smtClean="0"/>
+              <a:t>"20330915"</a:t>
+            </a:r>
+            <a:r>
+              <a:rPr lang="en-US" sz="1600" b="1" dirty="0" smtClean="0"/>
+              <a:t>));</a:t>
+            </a:r>
+            <a:endParaRPr lang="en-US" sz="1600" dirty="0" smtClean="0"/>
+          </a:p>
+          <a:p>
+            <a:r>
+              <a:rPr lang="en-US" sz="1600" dirty="0" smtClean="0"/>
+              <a:t> </a:t>
+            </a:r>
+            <a:r>
+              <a:rPr lang="en-US" sz="1600" dirty="0" err="1" smtClean="0">
+                <a:solidFill>
+                  <a:srgbClr val="C00000"/>
+                </a:solidFill>
+              </a:rPr>
+              <a:t>copyRDR.</a:t>
+            </a:r>
+            <a:r>
+              <a:rPr lang="en-US" sz="1600" dirty="0" err="1" smtClean="0"/>
+              <a:t>setCoupon</a:t>
+            </a:r>
+            <a:r>
+              <a:rPr lang="en-US" sz="1600" b="1" dirty="0" smtClean="0"/>
+              <a:t>(</a:t>
+            </a:r>
+            <a:r>
+              <a:rPr lang="en-US" sz="1600" dirty="0" smtClean="0"/>
+              <a:t>5.0 </a:t>
+            </a:r>
+            <a:r>
+              <a:rPr lang="en-US" sz="1600" b="1" dirty="0" smtClean="0"/>
+              <a:t>/</a:t>
+            </a:r>
+            <a:r>
+              <a:rPr lang="en-US" sz="1600" dirty="0" smtClean="0"/>
+              <a:t> 100</a:t>
+            </a:r>
+            <a:r>
+              <a:rPr lang="en-US" sz="1600" b="1" dirty="0" smtClean="0"/>
+              <a:t>);</a:t>
+            </a:r>
+            <a:r>
+              <a:rPr lang="en-US" sz="1600" dirty="0" smtClean="0"/>
+              <a:t> </a:t>
+            </a:r>
+            <a:r>
+              <a:rPr lang="en-US" sz="1600" i="1" dirty="0" smtClean="0"/>
+              <a:t>// 5.0%</a:t>
+            </a:r>
+          </a:p>
+          <a:p>
+            <a:endParaRPr lang="en-US" sz="1600" i="1" dirty="0" smtClean="0"/>
+          </a:p>
+          <a:p>
+            <a:r>
+              <a:rPr lang="en-US" sz="1600" i="1" dirty="0" smtClean="0"/>
+              <a:t>// all 3  .</a:t>
+            </a:r>
+            <a:r>
+              <a:rPr lang="en-US" sz="1600" i="1" dirty="0" err="1" smtClean="0"/>
+              <a:t>setXXX</a:t>
+            </a:r>
+            <a:r>
+              <a:rPr lang="en-US" sz="1600" i="1" dirty="0" smtClean="0"/>
+              <a:t>() operations trigger a COPY into Off-Heap /dev/</a:t>
+            </a:r>
+            <a:r>
+              <a:rPr lang="en-US" sz="1600" i="1" dirty="0" err="1" smtClean="0"/>
+              <a:t>shm</a:t>
+            </a:r>
+            <a:r>
+              <a:rPr lang="en-US" sz="1600" i="1" dirty="0" smtClean="0"/>
+              <a:t>/</a:t>
+            </a:r>
+            <a:endParaRPr lang="en-US" sz="1600" dirty="0" smtClean="0"/>
+          </a:p>
+          <a:p>
+            <a:pPr marL="0" marR="0" lvl="0" indent="0" algn="l" defTabSz="914400" rtl="0" eaLnBrk="0" fontAlgn="base" latinLnBrk="0" hangingPunct="0">
+              <a:lnSpc>
+                <a:spcPct val="100000"/>
+              </a:lnSpc>
+              <a:spcBef>
+                <a:spcPct val="0"/>
+              </a:spcBef>
+              <a:spcAft>
+                <a:spcPct val="0"/>
+              </a:spcAft>
+              <a:buClrTx/>
+              <a:buSzTx/>
+              <a:buFontTx/>
+              <a:buNone/>
+              <a:tabLst/>
+            </a:pPr>
+            <a:endParaRPr kumimoji="0" lang="en-US" sz="1800" b="1" i="0" u="none" strike="noStrike" cap="none" normalizeH="0" baseline="0" dirty="0" smtClean="0">
+              <a:ln>
+                <a:noFill/>
+              </a:ln>
+              <a:solidFill>
+                <a:schemeClr val="tx1"/>
+              </a:solidFill>
+              <a:effectLst/>
+              <a:latin typeface="Lucida Console" pitchFamily="49" charset="0"/>
+            </a:endParaRPr>
+          </a:p>
+          <a:p>
+            <a:pPr marL="0" marR="0" lvl="0" indent="0" algn="l" defTabSz="914400" rtl="0" eaLnBrk="0" fontAlgn="base" latinLnBrk="0" hangingPunct="0">
+              <a:lnSpc>
+                <a:spcPct val="100000"/>
+              </a:lnSpc>
+              <a:spcBef>
+                <a:spcPct val="0"/>
+              </a:spcBef>
+              <a:spcAft>
+                <a:spcPct val="0"/>
+              </a:spcAft>
+              <a:buClrTx/>
+              <a:buSzTx/>
+              <a:buFontTx/>
+              <a:buNone/>
+              <a:tabLst/>
+            </a:pPr>
+            <a:endParaRPr lang="en-US" b="1" dirty="0" smtClean="0">
+              <a:latin typeface="Lucida Console" pitchFamily="49" charset="0"/>
+              <a:cs typeface="Arial" pitchFamily="34" charset="0"/>
+            </a:endParaRPr>
+          </a:p>
+          <a:p>
+            <a:pPr marL="0" marR="0" lvl="0" indent="0" algn="l" defTabSz="914400" rtl="0" eaLnBrk="0" fontAlgn="base" latinLnBrk="0" hangingPunct="0">
+              <a:lnSpc>
+                <a:spcPct val="100000"/>
+              </a:lnSpc>
+              <a:spcBef>
+                <a:spcPct val="0"/>
+              </a:spcBef>
+              <a:spcAft>
+                <a:spcPct val="0"/>
+              </a:spcAft>
+              <a:buClrTx/>
+              <a:buSzTx/>
+              <a:buFontTx/>
+              <a:buNone/>
+              <a:tabLst/>
+            </a:pPr>
+            <a:endParaRPr kumimoji="0" lang="en-US" sz="1800" b="0" i="0" u="none" strike="noStrike" cap="none" normalizeH="0" baseline="0" dirty="0" smtClean="0">
+              <a:ln>
+                <a:noFill/>
+              </a:ln>
+              <a:solidFill>
+                <a:schemeClr val="tx1"/>
+              </a:solidFill>
+              <a:effectLst/>
+              <a:latin typeface="Lucida Console" pitchFamily="49" charset="0"/>
+              <a:cs typeface="Arial" pitchFamily="34" charset="0"/>
+            </a:endParaRPr>
+          </a:p>
+        </p:txBody>
+      </p:sp>
+      <p:sp>
+        <p:nvSpPr>
+          <p:cNvPr id="6" name="TextBox 5"/>
           <p:cNvSpPr txBox="1"/>
           <p:nvPr/>
         </p:nvSpPr>
         <p:spPr>
           <a:xfrm>
-            <a:off x="1066800" y="533400"/>
-            <a:ext cx="7010400" cy="4801314"/>
+            <a:off x="76200" y="152400"/>
+            <a:ext cx="8610600" cy="369332"/>
           </a:xfrm>
           <a:prstGeom prst="rect">
             <a:avLst/>
@@ -5324,160 +8782,1231 @@
           <a:p>
             <a:r>
               <a:rPr lang="en-US" dirty="0" smtClean="0"/>
-              <a:t>IMMEDIATE NEXT STEPS:</a:t>
-            </a:r>
-          </a:p>
-          <a:p>
-            <a:endParaRPr lang="en-US" dirty="0" smtClean="0"/>
-          </a:p>
-          <a:p>
+              <a:t>PID1 = </a:t>
+            </a:r>
+            <a:r>
+              <a:rPr lang="en-US" b="1" dirty="0" smtClean="0">
+                <a:solidFill>
+                  <a:srgbClr val="7030A0"/>
+                </a:solidFill>
+              </a:rPr>
+              <a:t>Producer</a:t>
+            </a:r>
+            <a:r>
+              <a:rPr lang="en-US" dirty="0" smtClean="0"/>
+              <a:t> of  Off-Heap </a:t>
+            </a:r>
+            <a:r>
+              <a:rPr lang="en-US" i="1" dirty="0" smtClean="0"/>
+              <a:t>/dev/</a:t>
+            </a:r>
+            <a:r>
+              <a:rPr lang="en-US" i="1" dirty="0" err="1" smtClean="0"/>
+              <a:t>shm</a:t>
+            </a:r>
+            <a:r>
+              <a:rPr lang="en-US" i="1" dirty="0" smtClean="0"/>
+              <a:t>/RDR_DIM  </a:t>
+            </a:r>
+            <a:r>
+              <a:rPr lang="en-US" dirty="0" smtClean="0"/>
+              <a:t>data </a:t>
+            </a:r>
             <a:endParaRPr lang="en-US" dirty="0"/>
           </a:p>
-          <a:p>
-            <a:r>
-              <a:rPr lang="en-US" dirty="0" smtClean="0"/>
-              <a:t>Explicit commits from Mircea re: adapting Peter’s </a:t>
-            </a:r>
-            <a:r>
-              <a:rPr lang="en-US" dirty="0" err="1" smtClean="0"/>
-              <a:t>OpenHFT</a:t>
-            </a:r>
-            <a:r>
-              <a:rPr lang="en-US" dirty="0" smtClean="0"/>
-              <a:t> SHM as JDG interoperable JSR-107 Cache&lt;K,V</a:t>
-            </a:r>
-            <a:r>
-              <a:rPr lang="en-US" dirty="0" smtClean="0"/>
-              <a:t>&gt;.  </a:t>
-            </a:r>
-            <a:r>
-              <a:rPr lang="en-US" dirty="0" err="1" smtClean="0"/>
-              <a:t>RedHat</a:t>
-            </a:r>
-            <a:r>
-              <a:rPr lang="en-US" dirty="0" smtClean="0"/>
-              <a:t> customer support case?</a:t>
-            </a:r>
-            <a:endParaRPr lang="en-US" dirty="0" smtClean="0"/>
-          </a:p>
-          <a:p>
-            <a:endParaRPr lang="en-US" dirty="0"/>
-          </a:p>
-          <a:p>
-            <a:r>
-              <a:rPr lang="en-US" dirty="0" smtClean="0"/>
-              <a:t>Explicit commits from Bela re: “short circuiting” all node </a:t>
-            </a:r>
-            <a:r>
-              <a:rPr lang="en-US" dirty="0" smtClean="0">
+        </p:txBody>
+      </p:sp>
+    </p:spTree>
+  </p:cSld>
+  <p:clrMapOvr>
+    <a:masterClrMapping/>
+  </p:clrMapOvr>
+  <p:timing>
+    <p:tnLst>
+      <p:par>
+        <p:cTn id="1" dur="indefinite" restart="never" nodeType="tmRoot"/>
+      </p:par>
+    </p:tnLst>
+  </p:timing>
+</p:sld>
+</file>
+
+<file path=ppt/slides/slide19.xml><?xml version="1.0" encoding="utf-8"?>
+<p:sld xmlns:a="http://schemas.openxmlformats.org/drawingml/2006/main" xmlns:r="http://schemas.openxmlformats.org/officeDocument/2006/relationships" xmlns:p="http://schemas.openxmlformats.org/presentationml/2006/main">
+  <p:cSld>
+    <p:spTree>
+      <p:nvGrpSpPr>
+        <p:cNvPr id="1" name=""/>
+        <p:cNvGrpSpPr/>
+        <p:nvPr/>
+      </p:nvGrpSpPr>
+      <p:grpSpPr>
+        <a:xfrm>
+          <a:off x="0" y="0"/>
+          <a:ext cx="0" cy="0"/>
+          <a:chOff x="0" y="0"/>
+          <a:chExt cx="0" cy="0"/>
+        </a:xfrm>
+      </p:grpSpPr>
+      <p:pic>
+        <p:nvPicPr>
+          <p:cNvPr id="2" name="Picture 1" descr="JPMorgan.JPG"/>
+          <p:cNvPicPr>
+            <a:picLocks noChangeAspect="1"/>
+          </p:cNvPicPr>
+          <p:nvPr/>
+        </p:nvPicPr>
+        <p:blipFill>
+          <a:blip r:embed="rId2" cstate="print"/>
+          <a:stretch>
+            <a:fillRect/>
+          </a:stretch>
+        </p:blipFill>
+        <p:spPr>
+          <a:xfrm>
+            <a:off x="7696200" y="6477000"/>
+            <a:ext cx="1112108" cy="228600"/>
+          </a:xfrm>
+          <a:prstGeom prst="rect">
+            <a:avLst/>
+          </a:prstGeom>
+        </p:spPr>
+      </p:pic>
+      <p:sp>
+        <p:nvSpPr>
+          <p:cNvPr id="3" name="Rectangle 1"/>
+          <p:cNvSpPr>
+            <a:spLocks noChangeArrowheads="1"/>
+          </p:cNvSpPr>
+          <p:nvPr/>
+        </p:nvSpPr>
+        <p:spPr bwMode="auto">
+          <a:xfrm>
+            <a:off x="0" y="515782"/>
+            <a:ext cx="9144000" cy="6801862"/>
+          </a:xfrm>
+          <a:prstGeom prst="rect">
+            <a:avLst/>
+          </a:prstGeom>
+          <a:noFill/>
+          <a:ln w="9525">
+            <a:noFill/>
+            <a:miter lim="800000"/>
+            <a:headEnd/>
+            <a:tailEnd/>
+          </a:ln>
+          <a:effectLst/>
+        </p:spPr>
+        <p:txBody>
+          <a:bodyPr vert="horz" wrap="square" lIns="91440" tIns="0" rIns="91440" bIns="0" numCol="1" anchor="ctr" anchorCtr="0" compatLnSpc="1">
+            <a:prstTxWarp prst="textNoShape">
+              <a:avLst/>
+            </a:prstTxWarp>
+            <a:spAutoFit/>
+          </a:bodyPr>
+          <a:lstStyle/>
+          <a:p>
+            <a:pPr marL="0" marR="0" lvl="0" indent="0" algn="l" defTabSz="914400" rtl="0" eaLnBrk="0" fontAlgn="base" latinLnBrk="0" hangingPunct="0">
+              <a:lnSpc>
+                <a:spcPct val="100000"/>
+              </a:lnSpc>
+              <a:spcBef>
+                <a:spcPct val="0"/>
+              </a:spcBef>
+              <a:spcAft>
+                <a:spcPct val="0"/>
+              </a:spcAft>
+              <a:buClrTx/>
+              <a:buSzTx/>
+              <a:buFontTx/>
+              <a:buNone/>
+              <a:tabLst/>
+            </a:pPr>
+            <a:endParaRPr kumimoji="0" lang="en-US" sz="1400" b="0" i="0" u="none" strike="noStrike" cap="none" normalizeH="0" baseline="0" dirty="0" smtClean="0">
+              <a:ln>
+                <a:noFill/>
+              </a:ln>
+              <a:solidFill>
+                <a:srgbClr val="333333"/>
+              </a:solidFill>
+              <a:effectLst/>
+              <a:latin typeface="Lucida Console" pitchFamily="49" charset="0"/>
+              <a:cs typeface="Consolas" pitchFamily="49" charset="0"/>
+            </a:endParaRPr>
+          </a:p>
+          <a:p>
+            <a:pPr lvl="0" eaLnBrk="0" fontAlgn="base" hangingPunct="0">
+              <a:spcBef>
+                <a:spcPct val="0"/>
+              </a:spcBef>
+              <a:spcAft>
+                <a:spcPct val="0"/>
+              </a:spcAft>
+            </a:pPr>
+            <a:r>
+              <a:rPr lang="en-US" sz="1400" dirty="0" err="1" smtClean="0">
+                <a:solidFill>
+                  <a:srgbClr val="333333"/>
+                </a:solidFill>
+                <a:latin typeface="Lucida Console" pitchFamily="49" charset="0"/>
+              </a:rPr>
+              <a:t>SharedHashMap</a:t>
+            </a:r>
+            <a:r>
+              <a:rPr lang="en-US" b="1" dirty="0" smtClean="0">
+                <a:latin typeface="Lucida Console" pitchFamily="49" charset="0"/>
+              </a:rPr>
+              <a:t>&lt;</a:t>
+            </a:r>
+            <a:r>
+              <a:rPr lang="en-US" sz="1200" dirty="0" smtClean="0">
+                <a:solidFill>
+                  <a:srgbClr val="333333"/>
+                </a:solidFill>
+                <a:latin typeface="Lucida Console" pitchFamily="49" charset="0"/>
+              </a:rPr>
+              <a:t>String</a:t>
+            </a:r>
+            <a:r>
+              <a:rPr lang="en-US" b="1" dirty="0" smtClean="0">
+                <a:latin typeface="Lucida Console" pitchFamily="49" charset="0"/>
+              </a:rPr>
+              <a:t>,</a:t>
+            </a:r>
+            <a:r>
+              <a:rPr lang="en-US" sz="1200" dirty="0" smtClean="0">
+                <a:solidFill>
+                  <a:srgbClr val="333333"/>
+                </a:solidFill>
+                <a:latin typeface="Lucida Console" pitchFamily="49" charset="0"/>
+                <a:cs typeface="Consolas" pitchFamily="49" charset="0"/>
+              </a:rPr>
+              <a:t> </a:t>
+            </a:r>
+            <a:r>
+              <a:rPr lang="en-US" sz="2000" b="1" dirty="0" err="1" smtClean="0">
+                <a:solidFill>
+                  <a:srgbClr val="00B050"/>
+                </a:solidFill>
+                <a:latin typeface="Lucida Console" pitchFamily="49" charset="0"/>
+              </a:rPr>
+              <a:t>BondRDR_VOInterface</a:t>
+            </a:r>
+            <a:r>
+              <a:rPr lang="en-US" b="1" dirty="0" smtClean="0">
+                <a:latin typeface="Lucida Console" pitchFamily="49" charset="0"/>
+              </a:rPr>
+              <a:t>&gt;</a:t>
+            </a:r>
+            <a:r>
+              <a:rPr lang="en-US" sz="1200" dirty="0" smtClean="0">
+                <a:solidFill>
+                  <a:srgbClr val="333333"/>
+                </a:solidFill>
+                <a:latin typeface="Lucida Console" pitchFamily="49" charset="0"/>
+                <a:cs typeface="Consolas" pitchFamily="49" charset="0"/>
+              </a:rPr>
+              <a:t> </a:t>
+            </a:r>
+            <a:r>
+              <a:rPr lang="en-US" sz="1200" b="1" dirty="0" err="1" smtClean="0">
+                <a:solidFill>
+                  <a:srgbClr val="7030A0"/>
+                </a:solidFill>
+                <a:latin typeface="Lucida Console" pitchFamily="49" charset="0"/>
+              </a:rPr>
+              <a:t>shmC</a:t>
+            </a:r>
+            <a:r>
+              <a:rPr lang="en-US" sz="1200" dirty="0" smtClean="0">
+                <a:solidFill>
+                  <a:srgbClr val="333333"/>
+                </a:solidFill>
+                <a:latin typeface="Lucida Console" pitchFamily="49" charset="0"/>
+                <a:cs typeface="Consolas" pitchFamily="49" charset="0"/>
+              </a:rPr>
+              <a:t> </a:t>
+            </a:r>
+            <a:r>
+              <a:rPr lang="en-US" b="1" dirty="0" smtClean="0">
+                <a:latin typeface="Lucida Console" pitchFamily="49" charset="0"/>
+              </a:rPr>
+              <a:t>=</a:t>
+            </a:r>
+            <a:r>
+              <a:rPr lang="en-US" sz="1200" dirty="0" smtClean="0">
+                <a:solidFill>
+                  <a:srgbClr val="333333"/>
+                </a:solidFill>
+                <a:latin typeface="Lucida Console" pitchFamily="49" charset="0"/>
+                <a:cs typeface="Consolas" pitchFamily="49" charset="0"/>
+              </a:rPr>
+              <a:t> </a:t>
+            </a:r>
+            <a:r>
+              <a:rPr lang="en-US" sz="1200" b="1" dirty="0" smtClean="0">
+                <a:solidFill>
+                  <a:srgbClr val="333333"/>
+                </a:solidFill>
+                <a:latin typeface="Lucida Console" pitchFamily="49" charset="0"/>
+                <a:cs typeface="Consolas" pitchFamily="49" charset="0"/>
+              </a:rPr>
+              <a:t>new</a:t>
+            </a:r>
+            <a:r>
+              <a:rPr lang="en-US" sz="1200" dirty="0" smtClean="0">
+                <a:solidFill>
+                  <a:srgbClr val="333333"/>
+                </a:solidFill>
+                <a:latin typeface="Lucida Console" pitchFamily="49" charset="0"/>
+                <a:cs typeface="Consolas" pitchFamily="49" charset="0"/>
+              </a:rPr>
+              <a:t> </a:t>
+            </a:r>
+            <a:r>
+              <a:rPr lang="en-US" sz="1400" dirty="0" err="1" smtClean="0">
+                <a:solidFill>
+                  <a:srgbClr val="333333"/>
+                </a:solidFill>
+                <a:latin typeface="Lucida Console" pitchFamily="49" charset="0"/>
+              </a:rPr>
+              <a:t>SharedHashMapBuilder</a:t>
+            </a:r>
+            <a:r>
+              <a:rPr lang="en-US" b="1" dirty="0" smtClean="0">
+                <a:latin typeface="Lucida Console" pitchFamily="49" charset="0"/>
+              </a:rPr>
+              <a:t>()</a:t>
+            </a:r>
+            <a:endParaRPr lang="en-US" sz="1200" dirty="0" smtClean="0">
+              <a:solidFill>
+                <a:srgbClr val="333333"/>
+              </a:solidFill>
+              <a:latin typeface="Lucida Console" pitchFamily="49" charset="0"/>
+              <a:cs typeface="Consolas" pitchFamily="49" charset="0"/>
+            </a:endParaRPr>
+          </a:p>
+          <a:p>
+            <a:pPr lvl="0" eaLnBrk="0" fontAlgn="base" hangingPunct="0">
+              <a:spcBef>
+                <a:spcPct val="0"/>
+              </a:spcBef>
+              <a:spcAft>
+                <a:spcPct val="0"/>
+              </a:spcAft>
+            </a:pPr>
+            <a:r>
+              <a:rPr lang="en-US" sz="1200" dirty="0" smtClean="0">
+                <a:solidFill>
+                  <a:srgbClr val="333333"/>
+                </a:solidFill>
+                <a:latin typeface="Lucida Console" pitchFamily="49" charset="0"/>
+                <a:cs typeface="Consolas" pitchFamily="49" charset="0"/>
+              </a:rPr>
+              <a:t>                </a:t>
+            </a:r>
+            <a:r>
+              <a:rPr lang="en-US" b="1" dirty="0" smtClean="0">
+                <a:latin typeface="Lucida Console" pitchFamily="49" charset="0"/>
+              </a:rPr>
+              <a:t>.</a:t>
+            </a:r>
+            <a:r>
+              <a:rPr lang="en-US" sz="1600" dirty="0" err="1" smtClean="0">
+                <a:solidFill>
+                  <a:srgbClr val="008080"/>
+                </a:solidFill>
+                <a:latin typeface="Lucida Console" pitchFamily="49" charset="0"/>
+                <a:cs typeface="Consolas" pitchFamily="49" charset="0"/>
+              </a:rPr>
+              <a:t>generatedValueType</a:t>
+            </a:r>
+            <a:r>
+              <a:rPr lang="en-US" sz="2000" b="1" dirty="0" smtClean="0">
+                <a:latin typeface="Lucida Console" pitchFamily="49" charset="0"/>
+              </a:rPr>
+              <a:t>(</a:t>
+            </a:r>
+            <a:r>
+              <a:rPr lang="en-US" sz="1600" b="1" dirty="0" smtClean="0">
+                <a:solidFill>
+                  <a:srgbClr val="333333"/>
+                </a:solidFill>
+                <a:latin typeface="Lucida Console" pitchFamily="49" charset="0"/>
+                <a:cs typeface="Consolas" pitchFamily="49" charset="0"/>
+              </a:rPr>
+              <a:t>true</a:t>
+            </a:r>
+            <a:r>
+              <a:rPr lang="en-US" sz="2000" b="1" dirty="0" smtClean="0">
+                <a:latin typeface="Lucida Console" pitchFamily="49" charset="0"/>
+              </a:rPr>
+              <a:t>)</a:t>
+            </a:r>
+            <a:endParaRPr lang="en-US" sz="1200" dirty="0" smtClean="0">
+              <a:solidFill>
+                <a:srgbClr val="333333"/>
+              </a:solidFill>
+              <a:latin typeface="Lucida Console" pitchFamily="49" charset="0"/>
+              <a:cs typeface="Consolas" pitchFamily="49" charset="0"/>
+            </a:endParaRPr>
+          </a:p>
+          <a:p>
+            <a:pPr lvl="0" eaLnBrk="0" fontAlgn="base" hangingPunct="0">
+              <a:spcBef>
+                <a:spcPct val="0"/>
+              </a:spcBef>
+              <a:spcAft>
+                <a:spcPct val="0"/>
+              </a:spcAft>
+            </a:pPr>
+            <a:r>
+              <a:rPr lang="en-US" sz="1200" dirty="0" smtClean="0">
+                <a:solidFill>
+                  <a:srgbClr val="333333"/>
+                </a:solidFill>
+                <a:latin typeface="Lucida Console" pitchFamily="49" charset="0"/>
+                <a:cs typeface="Consolas" pitchFamily="49" charset="0"/>
+              </a:rPr>
+              <a:t>                </a:t>
+            </a:r>
+            <a:r>
+              <a:rPr lang="en-US" b="1" dirty="0" smtClean="0">
+                <a:latin typeface="Lucida Console" pitchFamily="49" charset="0"/>
+              </a:rPr>
+              <a:t>.</a:t>
+            </a:r>
+            <a:r>
+              <a:rPr lang="en-US" sz="1600" dirty="0" err="1" smtClean="0">
+                <a:solidFill>
+                  <a:srgbClr val="008080"/>
+                </a:solidFill>
+                <a:latin typeface="Lucida Console" pitchFamily="49" charset="0"/>
+                <a:cs typeface="Consolas" pitchFamily="49" charset="0"/>
+              </a:rPr>
+              <a:t>entrySize</a:t>
+            </a:r>
+            <a:r>
+              <a:rPr lang="en-US" b="1" dirty="0" smtClean="0">
+                <a:latin typeface="Lucida Console" pitchFamily="49" charset="0"/>
+              </a:rPr>
+              <a:t>(</a:t>
+            </a:r>
+            <a:r>
+              <a:rPr lang="en-US" sz="1600" dirty="0" smtClean="0">
+                <a:solidFill>
+                  <a:srgbClr val="009999"/>
+                </a:solidFill>
+                <a:latin typeface="Lucida Console" pitchFamily="49" charset="0"/>
+                <a:cs typeface="Consolas" pitchFamily="49" charset="0"/>
+              </a:rPr>
+              <a:t>512</a:t>
+            </a:r>
+            <a:r>
+              <a:rPr lang="en-US" b="1" dirty="0" smtClean="0">
+                <a:latin typeface="Lucida Console" pitchFamily="49" charset="0"/>
+              </a:rPr>
+              <a:t>)</a:t>
+            </a:r>
+            <a:endParaRPr lang="en-US" sz="1200" dirty="0" smtClean="0">
+              <a:solidFill>
+                <a:srgbClr val="333333"/>
+              </a:solidFill>
+              <a:latin typeface="Lucida Console" pitchFamily="49" charset="0"/>
+              <a:cs typeface="Consolas" pitchFamily="49" charset="0"/>
+            </a:endParaRPr>
+          </a:p>
+          <a:p>
+            <a:pPr lvl="0" eaLnBrk="0" fontAlgn="base" hangingPunct="0">
+              <a:spcBef>
+                <a:spcPct val="0"/>
+              </a:spcBef>
+              <a:spcAft>
+                <a:spcPct val="0"/>
+              </a:spcAft>
+            </a:pPr>
+            <a:r>
+              <a:rPr lang="en-US" sz="1200" dirty="0" smtClean="0">
+                <a:solidFill>
+                  <a:srgbClr val="333333"/>
+                </a:solidFill>
+                <a:latin typeface="Lucida Console" pitchFamily="49" charset="0"/>
+                <a:cs typeface="Consolas" pitchFamily="49" charset="0"/>
+              </a:rPr>
+              <a:t>                </a:t>
+            </a:r>
+            <a:r>
+              <a:rPr lang="en-US" b="1" dirty="0" smtClean="0">
+                <a:latin typeface="Lucida Console" pitchFamily="49" charset="0"/>
+              </a:rPr>
+              <a:t>.</a:t>
+            </a:r>
+            <a:r>
+              <a:rPr lang="en-US" sz="1600" dirty="0" smtClean="0">
+                <a:solidFill>
+                  <a:srgbClr val="008080"/>
+                </a:solidFill>
+                <a:latin typeface="Lucida Console" pitchFamily="49" charset="0"/>
+                <a:cs typeface="Consolas" pitchFamily="49" charset="0"/>
+              </a:rPr>
+              <a:t>create</a:t>
+            </a:r>
+            <a:r>
+              <a:rPr lang="en-US" b="1" dirty="0" smtClean="0">
+                <a:latin typeface="Lucida Console" pitchFamily="49" charset="0"/>
+              </a:rPr>
+              <a:t>(</a:t>
+            </a:r>
+            <a:endParaRPr lang="en-US" sz="1200" dirty="0" smtClean="0">
+              <a:solidFill>
+                <a:srgbClr val="333333"/>
+              </a:solidFill>
+              <a:latin typeface="Lucida Console" pitchFamily="49" charset="0"/>
+              <a:cs typeface="Consolas" pitchFamily="49" charset="0"/>
+            </a:endParaRPr>
+          </a:p>
+          <a:p>
+            <a:pPr lvl="0" eaLnBrk="0" fontAlgn="base" hangingPunct="0">
+              <a:spcBef>
+                <a:spcPct val="0"/>
+              </a:spcBef>
+              <a:spcAft>
+                <a:spcPct val="0"/>
+              </a:spcAft>
+            </a:pPr>
+            <a:r>
+              <a:rPr lang="en-US" sz="1200" dirty="0" smtClean="0">
+                <a:solidFill>
+                  <a:srgbClr val="333333"/>
+                </a:solidFill>
+                <a:latin typeface="Lucida Console" pitchFamily="49" charset="0"/>
+                <a:cs typeface="Consolas" pitchFamily="49" charset="0"/>
+              </a:rPr>
+              <a:t>                        </a:t>
+            </a:r>
+            <a:r>
+              <a:rPr lang="en-US" sz="1600" b="1" dirty="0" smtClean="0">
+                <a:solidFill>
+                  <a:srgbClr val="333333"/>
+                </a:solidFill>
+                <a:latin typeface="Lucida Console" pitchFamily="49" charset="0"/>
+                <a:cs typeface="Consolas" pitchFamily="49" charset="0"/>
+              </a:rPr>
+              <a:t>new</a:t>
+            </a:r>
+            <a:r>
+              <a:rPr lang="en-US" sz="1600" dirty="0" smtClean="0">
+                <a:solidFill>
+                  <a:srgbClr val="333333"/>
+                </a:solidFill>
+                <a:latin typeface="Lucida Console" pitchFamily="49" charset="0"/>
+                <a:cs typeface="Consolas" pitchFamily="49" charset="0"/>
+              </a:rPr>
+              <a:t> </a:t>
+            </a:r>
+            <a:r>
+              <a:rPr lang="en-US" sz="1600" b="1" dirty="0" smtClean="0">
+                <a:solidFill>
+                  <a:srgbClr val="990000"/>
+                </a:solidFill>
+                <a:latin typeface="Lucida Console" pitchFamily="49" charset="0"/>
+                <a:cs typeface="Consolas" pitchFamily="49" charset="0"/>
+              </a:rPr>
+              <a:t>File</a:t>
+            </a:r>
+            <a:r>
+              <a:rPr lang="en-US" sz="1600" b="1" dirty="0" smtClean="0">
+                <a:latin typeface="Lucida Console" pitchFamily="49" charset="0"/>
+              </a:rPr>
+              <a:t>(</a:t>
+            </a:r>
+            <a:r>
+              <a:rPr lang="en-US" sz="1200" dirty="0" smtClean="0">
+                <a:solidFill>
+                  <a:srgbClr val="DD1144"/>
+                </a:solidFill>
+                <a:latin typeface="Lucida Console" pitchFamily="49" charset="0"/>
+                <a:cs typeface="Consolas" pitchFamily="49" charset="0"/>
+              </a:rPr>
+              <a:t>“/dev/</a:t>
+            </a:r>
+            <a:r>
+              <a:rPr lang="en-US" sz="1200" dirty="0" err="1" smtClean="0">
+                <a:solidFill>
+                  <a:srgbClr val="DD1144"/>
+                </a:solidFill>
+                <a:latin typeface="Lucida Console" pitchFamily="49" charset="0"/>
+                <a:cs typeface="Consolas" pitchFamily="49" charset="0"/>
+              </a:rPr>
+              <a:t>shm</a:t>
+            </a:r>
+            <a:r>
+              <a:rPr lang="en-US" sz="1200" dirty="0" smtClean="0">
+                <a:solidFill>
+                  <a:srgbClr val="DD1144"/>
+                </a:solidFill>
+                <a:latin typeface="Lucida Console" pitchFamily="49" charset="0"/>
+                <a:cs typeface="Consolas" pitchFamily="49" charset="0"/>
+              </a:rPr>
+              <a:t>/</a:t>
+            </a:r>
+            <a:r>
+              <a:rPr lang="en-US" sz="1200" dirty="0" err="1" smtClean="0">
+                <a:solidFill>
+                  <a:srgbClr val="DD1144"/>
+                </a:solidFill>
+                <a:latin typeface="Lucida Console" pitchFamily="49" charset="0"/>
+                <a:cs typeface="Consolas" pitchFamily="49" charset="0"/>
+              </a:rPr>
+              <a:t>myBondRDR_PortfolioSHM</a:t>
+            </a:r>
+            <a:r>
+              <a:rPr lang="en-US" sz="1200" dirty="0" smtClean="0">
+                <a:solidFill>
+                  <a:srgbClr val="DD1144"/>
+                </a:solidFill>
+                <a:latin typeface="Lucida Console" pitchFamily="49" charset="0"/>
+                <a:cs typeface="Consolas" pitchFamily="49" charset="0"/>
+              </a:rPr>
+              <a:t>"</a:t>
+            </a:r>
+            <a:r>
+              <a:rPr lang="en-US" b="1" dirty="0" smtClean="0">
+                <a:latin typeface="Lucida Console" pitchFamily="49" charset="0"/>
+              </a:rPr>
+              <a:t>),</a:t>
+            </a:r>
+            <a:endParaRPr lang="en-US" sz="1200" dirty="0" smtClean="0">
+              <a:solidFill>
+                <a:srgbClr val="333333"/>
+              </a:solidFill>
+              <a:latin typeface="Lucida Console" pitchFamily="49" charset="0"/>
+              <a:cs typeface="Consolas" pitchFamily="49" charset="0"/>
+            </a:endParaRPr>
+          </a:p>
+          <a:p>
+            <a:pPr lvl="0" eaLnBrk="0" fontAlgn="base" hangingPunct="0">
+              <a:spcBef>
+                <a:spcPct val="0"/>
+              </a:spcBef>
+              <a:spcAft>
+                <a:spcPct val="0"/>
+              </a:spcAft>
+            </a:pPr>
+            <a:r>
+              <a:rPr lang="en-US" sz="1200" dirty="0" smtClean="0">
+                <a:solidFill>
+                  <a:srgbClr val="333333"/>
+                </a:solidFill>
+                <a:latin typeface="Lucida Console" pitchFamily="49" charset="0"/>
+                <a:cs typeface="Consolas" pitchFamily="49" charset="0"/>
+              </a:rPr>
+              <a:t>                        </a:t>
+            </a:r>
+            <a:r>
+              <a:rPr lang="en-US" sz="1400" dirty="0" err="1" smtClean="0">
+                <a:solidFill>
+                  <a:srgbClr val="333333"/>
+                </a:solidFill>
+                <a:latin typeface="Lucida Console" pitchFamily="49" charset="0"/>
+              </a:rPr>
+              <a:t>String</a:t>
+            </a:r>
+            <a:r>
+              <a:rPr lang="en-US" sz="2800" b="1" dirty="0" err="1" smtClean="0">
+                <a:latin typeface="Lucida Console" pitchFamily="49" charset="0"/>
+              </a:rPr>
+              <a:t>.</a:t>
+            </a:r>
+            <a:r>
+              <a:rPr lang="en-US" sz="1400" dirty="0" err="1" smtClean="0">
+                <a:solidFill>
+                  <a:srgbClr val="008080"/>
+                </a:solidFill>
+                <a:latin typeface="Lucida Console" pitchFamily="49" charset="0"/>
+                <a:cs typeface="Consolas" pitchFamily="49" charset="0"/>
+              </a:rPr>
+              <a:t>class</a:t>
+            </a:r>
+            <a:r>
+              <a:rPr lang="en-US" b="1" dirty="0" smtClean="0">
+                <a:latin typeface="Lucida Console" pitchFamily="49" charset="0"/>
+              </a:rPr>
+              <a:t>,</a:t>
+            </a:r>
+            <a:endParaRPr lang="en-US" sz="1200" dirty="0" smtClean="0">
+              <a:solidFill>
+                <a:srgbClr val="333333"/>
+              </a:solidFill>
+              <a:latin typeface="Lucida Console" pitchFamily="49" charset="0"/>
+              <a:cs typeface="Consolas" pitchFamily="49" charset="0"/>
+            </a:endParaRPr>
+          </a:p>
+          <a:p>
+            <a:pPr lvl="0" eaLnBrk="0" fontAlgn="base" hangingPunct="0">
+              <a:spcBef>
+                <a:spcPct val="0"/>
+              </a:spcBef>
+              <a:spcAft>
+                <a:spcPct val="0"/>
+              </a:spcAft>
+            </a:pPr>
+            <a:r>
+              <a:rPr lang="en-US" sz="1200" dirty="0" smtClean="0">
+                <a:solidFill>
+                  <a:srgbClr val="333333"/>
+                </a:solidFill>
+                <a:latin typeface="Lucida Console" pitchFamily="49" charset="0"/>
+                <a:cs typeface="Consolas" pitchFamily="49" charset="0"/>
+              </a:rPr>
+              <a:t>                        </a:t>
+            </a:r>
+            <a:r>
+              <a:rPr lang="en-US" sz="1600" b="1" dirty="0" err="1" smtClean="0">
+                <a:solidFill>
+                  <a:srgbClr val="00B050"/>
+                </a:solidFill>
+                <a:latin typeface="Lucida Console" pitchFamily="49" charset="0"/>
+              </a:rPr>
+              <a:t>BondRDR_VOInterface</a:t>
+            </a:r>
+            <a:r>
+              <a:rPr lang="en-US" sz="2400" b="1" dirty="0" err="1" smtClean="0">
+                <a:latin typeface="Lucida Console" pitchFamily="49" charset="0"/>
+              </a:rPr>
+              <a:t>.</a:t>
+            </a:r>
+            <a:r>
+              <a:rPr lang="en-US" sz="1600" dirty="0" err="1" smtClean="0">
+                <a:solidFill>
+                  <a:srgbClr val="008080"/>
+                </a:solidFill>
+                <a:latin typeface="Lucida Console" pitchFamily="49" charset="0"/>
+                <a:cs typeface="Consolas" pitchFamily="49" charset="0"/>
+              </a:rPr>
+              <a:t>class</a:t>
+            </a:r>
+            <a:endParaRPr lang="en-US" sz="1200" dirty="0" smtClean="0">
+              <a:solidFill>
+                <a:srgbClr val="333333"/>
+              </a:solidFill>
+              <a:latin typeface="Lucida Console" pitchFamily="49" charset="0"/>
+              <a:cs typeface="Consolas" pitchFamily="49" charset="0"/>
+            </a:endParaRPr>
+          </a:p>
+          <a:p>
+            <a:pPr lvl="0" eaLnBrk="0" fontAlgn="base" hangingPunct="0">
+              <a:spcBef>
+                <a:spcPct val="0"/>
+              </a:spcBef>
+              <a:spcAft>
+                <a:spcPct val="0"/>
+              </a:spcAft>
+            </a:pPr>
+            <a:r>
+              <a:rPr lang="en-US" sz="1200" dirty="0" smtClean="0">
+                <a:solidFill>
+                  <a:srgbClr val="333333"/>
+                </a:solidFill>
+                <a:latin typeface="Lucida Console" pitchFamily="49" charset="0"/>
+                <a:cs typeface="Consolas" pitchFamily="49" charset="0"/>
+              </a:rPr>
+              <a:t>                </a:t>
+            </a:r>
+            <a:r>
+              <a:rPr lang="en-US" b="1" dirty="0" smtClean="0">
+                <a:latin typeface="Lucida Console" pitchFamily="49" charset="0"/>
+              </a:rPr>
+              <a:t>);</a:t>
+            </a:r>
+          </a:p>
+          <a:p>
+            <a:pPr lvl="0" eaLnBrk="0" fontAlgn="base" hangingPunct="0">
+              <a:spcBef>
+                <a:spcPct val="0"/>
+              </a:spcBef>
+              <a:spcAft>
+                <a:spcPct val="0"/>
+              </a:spcAft>
+            </a:pPr>
+            <a:r>
+              <a:rPr lang="en-US" b="1" dirty="0" smtClean="0">
+                <a:latin typeface="Lucida Console" pitchFamily="49" charset="0"/>
+              </a:rPr>
+              <a:t> </a:t>
+            </a:r>
+            <a:r>
+              <a:rPr kumimoji="0" lang="en-US" sz="1400" b="0" i="0" u="none" strike="noStrike" cap="none" normalizeH="0" baseline="0" dirty="0" smtClean="0">
+                <a:ln>
+                  <a:noFill/>
+                </a:ln>
+                <a:solidFill>
+                  <a:srgbClr val="333333"/>
+                </a:solidFill>
+                <a:effectLst/>
+                <a:latin typeface="Lucida Console" pitchFamily="49" charset="0"/>
+                <a:cs typeface="Consolas" pitchFamily="49" charset="0"/>
+              </a:rPr>
+              <a:t>            </a:t>
+            </a:r>
+            <a:endParaRPr kumimoji="0" lang="en-US" sz="1800" b="1" i="0" u="none" strike="noStrike" cap="none" normalizeH="0" baseline="0" dirty="0" smtClean="0">
+              <a:ln>
+                <a:noFill/>
+              </a:ln>
+              <a:solidFill>
+                <a:schemeClr val="tx1"/>
+              </a:solidFill>
+              <a:effectLst/>
+              <a:latin typeface="Lucida Console" pitchFamily="49" charset="0"/>
+            </a:endParaRPr>
+          </a:p>
+          <a:p>
+            <a:r>
+              <a:rPr lang="en-US" sz="1600" b="1" dirty="0" err="1" smtClean="0">
+                <a:solidFill>
+                  <a:srgbClr val="00B050"/>
+                </a:solidFill>
+              </a:rPr>
+              <a:t>BondRDR_VOInterface</a:t>
+            </a:r>
+            <a:r>
+              <a:rPr lang="en-US" sz="1600" dirty="0" smtClean="0"/>
+              <a:t> </a:t>
+            </a:r>
+            <a:r>
+              <a:rPr lang="en-US" sz="1600" dirty="0" err="1" smtClean="0">
+                <a:solidFill>
+                  <a:srgbClr val="0070C0"/>
+                </a:solidFill>
+              </a:rPr>
+              <a:t>bondVO</a:t>
+            </a:r>
+            <a:r>
+              <a:rPr lang="en-US" sz="1600" dirty="0" smtClean="0"/>
+              <a:t> </a:t>
+            </a:r>
+            <a:r>
+              <a:rPr lang="en-US" sz="1600" b="1" dirty="0" smtClean="0"/>
+              <a:t>=</a:t>
+            </a:r>
+            <a:r>
+              <a:rPr lang="en-US" sz="1600" dirty="0" smtClean="0"/>
+              <a:t> </a:t>
+            </a:r>
+            <a:r>
+              <a:rPr lang="en-US" sz="1600" dirty="0" err="1" smtClean="0"/>
+              <a:t>DataValueClasses</a:t>
+            </a:r>
+            <a:r>
+              <a:rPr lang="en-US" sz="1600" b="1" dirty="0" err="1" smtClean="0"/>
+              <a:t>.</a:t>
+            </a:r>
+            <a:r>
+              <a:rPr lang="en-US" sz="1600" i="1" dirty="0" err="1" smtClean="0"/>
+              <a:t>newDirectReference</a:t>
+            </a:r>
+            <a:r>
+              <a:rPr lang="en-US" sz="1600" b="1" dirty="0" smtClean="0"/>
+              <a:t>(</a:t>
+            </a:r>
+            <a:r>
+              <a:rPr lang="en-US" sz="1600" b="1" dirty="0" err="1" smtClean="0">
+                <a:solidFill>
+                  <a:srgbClr val="00B050"/>
+                </a:solidFill>
+              </a:rPr>
+              <a:t>BondRDR_VOInterface</a:t>
+            </a:r>
+            <a:r>
+              <a:rPr lang="en-US" sz="1600" b="1" dirty="0" err="1" smtClean="0"/>
+              <a:t>.</a:t>
+            </a:r>
+            <a:r>
+              <a:rPr lang="en-US" sz="1600" dirty="0" err="1" smtClean="0"/>
+              <a:t>class</a:t>
+            </a:r>
+            <a:r>
+              <a:rPr lang="en-US" sz="1600" b="1" dirty="0" smtClean="0"/>
+              <a:t>);</a:t>
+            </a:r>
+            <a:endParaRPr lang="en-US" sz="1600" dirty="0" smtClean="0"/>
+          </a:p>
+          <a:p>
+            <a:r>
+              <a:rPr lang="en-US" sz="1600" b="1" dirty="0" err="1" smtClean="0">
+                <a:solidFill>
+                  <a:srgbClr val="00B050"/>
+                </a:solidFill>
+              </a:rPr>
+              <a:t>BondRDR_VOInterface</a:t>
+            </a:r>
+            <a:r>
+              <a:rPr lang="en-US" sz="1600" dirty="0" smtClean="0"/>
+              <a:t> </a:t>
+            </a:r>
+            <a:r>
+              <a:rPr lang="en-US" sz="1600" dirty="0" err="1" smtClean="0">
+                <a:solidFill>
+                  <a:srgbClr val="C00000"/>
+                </a:solidFill>
+              </a:rPr>
+              <a:t>zcRDR</a:t>
+            </a:r>
+            <a:r>
+              <a:rPr lang="en-US" sz="1600" dirty="0" smtClean="0"/>
+              <a:t>    = </a:t>
+            </a:r>
+            <a:r>
+              <a:rPr lang="en-US" sz="1600" b="1" dirty="0" err="1" smtClean="0">
+                <a:solidFill>
+                  <a:srgbClr val="7030A0"/>
+                </a:solidFill>
+              </a:rPr>
+              <a:t>shmC</a:t>
+            </a:r>
+            <a:r>
+              <a:rPr lang="en-US" sz="1600" b="1" dirty="0" err="1" smtClean="0"/>
+              <a:t>.</a:t>
+            </a:r>
+            <a:r>
+              <a:rPr lang="en-US" sz="1600" dirty="0" err="1" smtClean="0"/>
+              <a:t>acquireUsing</a:t>
+            </a:r>
+            <a:r>
+              <a:rPr lang="en-US" sz="1600" b="1" dirty="0" smtClean="0"/>
+              <a:t>(</a:t>
+            </a:r>
+            <a:r>
+              <a:rPr lang="en-US" sz="1600" dirty="0" smtClean="0"/>
+              <a:t>"369604103"</a:t>
+            </a:r>
+            <a:r>
+              <a:rPr lang="en-US" sz="1600" b="1" dirty="0" smtClean="0"/>
+              <a:t>,</a:t>
+            </a:r>
+            <a:r>
+              <a:rPr lang="en-US" sz="1600" dirty="0" smtClean="0"/>
+              <a:t> </a:t>
+            </a:r>
+            <a:r>
+              <a:rPr lang="en-US" sz="1600" dirty="0" err="1" smtClean="0">
+                <a:solidFill>
+                  <a:srgbClr val="0070C0"/>
+                </a:solidFill>
+              </a:rPr>
+              <a:t>bondVO</a:t>
+            </a:r>
+            <a:r>
+              <a:rPr lang="en-US" sz="1600" b="1" dirty="0" smtClean="0"/>
+              <a:t>);  </a:t>
+            </a:r>
+          </a:p>
+          <a:p>
+            <a:r>
+              <a:rPr lang="en-US" sz="1600" b="1" dirty="0" smtClean="0"/>
+              <a:t>double _coupon                            = </a:t>
+            </a:r>
+            <a:r>
+              <a:rPr lang="en-US" sz="1600" dirty="0" err="1" smtClean="0">
+                <a:solidFill>
+                  <a:srgbClr val="C00000"/>
+                </a:solidFill>
+              </a:rPr>
+              <a:t>zcRDR</a:t>
+            </a:r>
+            <a:r>
+              <a:rPr lang="en-US" sz="1600" dirty="0" err="1" smtClean="0"/>
+              <a:t>.getCoupon</a:t>
+            </a:r>
+            <a:r>
+              <a:rPr lang="en-US" sz="1600" dirty="0" smtClean="0"/>
+              <a:t>();</a:t>
+            </a:r>
+          </a:p>
+          <a:p>
+            <a:endParaRPr lang="en-US" sz="1600" dirty="0" smtClean="0"/>
+          </a:p>
+          <a:p>
+            <a:r>
+              <a:rPr lang="en-US" sz="1600" dirty="0" err="1" smtClean="0"/>
+              <a:t>assertEquals</a:t>
+            </a:r>
+            <a:r>
+              <a:rPr lang="en-US" sz="1600" dirty="0" smtClean="0"/>
+              <a:t>( 0.05, _coupon, 0.0</a:t>
+            </a:r>
+            <a:r>
+              <a:rPr lang="en-US" sz="1600" b="1" dirty="0" smtClean="0"/>
+              <a:t>);</a:t>
+            </a:r>
+            <a:r>
+              <a:rPr lang="en-US" sz="1600" dirty="0" smtClean="0"/>
+              <a:t>  // it works!  </a:t>
+            </a:r>
+            <a:r>
+              <a:rPr lang="en-US" sz="1600" dirty="0" smtClean="0">
                 <a:sym typeface="Wingdings" pitchFamily="2" charset="2"/>
               </a:rPr>
-              <a:t> node transport resolution to use /dev/</a:t>
-            </a:r>
-            <a:r>
-              <a:rPr lang="en-US" dirty="0" err="1" smtClean="0">
-                <a:sym typeface="Wingdings" pitchFamily="2" charset="2"/>
-              </a:rPr>
-              <a:t>shm</a:t>
-            </a:r>
-            <a:r>
-              <a:rPr lang="en-US" dirty="0" smtClean="0">
-                <a:sym typeface="Wingdings" pitchFamily="2" charset="2"/>
-              </a:rPr>
-              <a:t> IPC as transport (instead of TCP/UDP) whenever possible  </a:t>
-            </a:r>
-            <a:r>
-              <a:rPr lang="en-US" dirty="0" err="1" smtClean="0">
-                <a:sym typeface="Wingdings" pitchFamily="2" charset="2"/>
-              </a:rPr>
-              <a:t>RedHat</a:t>
-            </a:r>
-            <a:r>
-              <a:rPr lang="en-US" dirty="0" smtClean="0">
-                <a:sym typeface="Wingdings" pitchFamily="2" charset="2"/>
-              </a:rPr>
-              <a:t> customer support case?</a:t>
-            </a:r>
-            <a:endParaRPr lang="en-US" dirty="0">
+              <a:t></a:t>
+            </a:r>
+          </a:p>
+          <a:p>
+            <a:endParaRPr lang="en-US" sz="1600" dirty="0" smtClean="0">
               <a:sym typeface="Wingdings" pitchFamily="2" charset="2"/>
             </a:endParaRPr>
           </a:p>
           <a:p>
-            <a:endParaRPr lang="en-US" dirty="0" smtClean="0">
+            <a:r>
+              <a:rPr lang="en-US" sz="1600" dirty="0" smtClean="0">
+                <a:sym typeface="Wingdings" pitchFamily="2" charset="2"/>
+              </a:rPr>
+              <a:t>//ZERO COPY of </a:t>
+            </a:r>
+            <a:r>
+              <a:rPr lang="en-US" sz="1600" dirty="0" err="1" smtClean="0">
+                <a:solidFill>
+                  <a:srgbClr val="0070C0"/>
+                </a:solidFill>
+              </a:rPr>
+              <a:t>bondVO</a:t>
+            </a:r>
+            <a:r>
+              <a:rPr lang="en-US" sz="1600" dirty="0" smtClean="0">
+                <a:sym typeface="Wingdings" pitchFamily="2" charset="2"/>
+              </a:rPr>
+              <a:t>  Off-Heap /dev/</a:t>
+            </a:r>
+            <a:r>
+              <a:rPr lang="en-US" sz="1600" dirty="0" err="1" smtClean="0">
+                <a:sym typeface="Wingdings" pitchFamily="2" charset="2"/>
+              </a:rPr>
+              <a:t>shm</a:t>
+            </a:r>
+            <a:r>
+              <a:rPr lang="en-US" sz="1600" dirty="0" smtClean="0">
+                <a:sym typeface="Wingdings" pitchFamily="2" charset="2"/>
+              </a:rPr>
+              <a:t>/ reference</a:t>
+            </a:r>
+          </a:p>
+          <a:p>
+            <a:r>
+              <a:rPr lang="en-US" sz="1600" dirty="0" smtClean="0">
+                <a:sym typeface="Wingdings" pitchFamily="2" charset="2"/>
+              </a:rPr>
+              <a:t>//ZERO COPY of </a:t>
+            </a:r>
+            <a:r>
+              <a:rPr lang="en-US" sz="1600" b="1" dirty="0" err="1" smtClean="0">
+                <a:solidFill>
+                  <a:srgbClr val="7030A0"/>
+                </a:solidFill>
+              </a:rPr>
+              <a:t>shmC</a:t>
+            </a:r>
+            <a:r>
+              <a:rPr lang="en-US" sz="1600" dirty="0" smtClean="0">
+                <a:sym typeface="Wingdings" pitchFamily="2" charset="2"/>
+              </a:rPr>
+              <a:t> Map&lt;K,V&gt; reference</a:t>
+            </a:r>
+          </a:p>
+          <a:p>
+            <a:r>
+              <a:rPr lang="en-US" sz="1600" dirty="0" smtClean="0">
+                <a:sym typeface="Wingdings" pitchFamily="2" charset="2"/>
+              </a:rPr>
+              <a:t>//ZERO COPY of </a:t>
+            </a:r>
+            <a:r>
+              <a:rPr lang="en-US" sz="1600" dirty="0" err="1" smtClean="0">
+                <a:solidFill>
+                  <a:srgbClr val="C00000"/>
+                </a:solidFill>
+              </a:rPr>
+              <a:t>zcRDR</a:t>
+            </a:r>
+            <a:r>
+              <a:rPr lang="en-US" sz="1600" dirty="0" smtClean="0">
+                <a:sym typeface="Wingdings" pitchFamily="2" charset="2"/>
+              </a:rPr>
+              <a:t> Entry&lt;K,V&gt; reference</a:t>
+            </a:r>
+          </a:p>
+          <a:p>
+            <a:endParaRPr lang="en-US" sz="1600" dirty="0" smtClean="0">
               <a:sym typeface="Wingdings" pitchFamily="2" charset="2"/>
             </a:endParaRPr>
           </a:p>
           <a:p>
             <a:r>
-              <a:rPr lang="en-US" dirty="0" smtClean="0">
+              <a:rPr lang="en-US" sz="1600" dirty="0" smtClean="0">
                 <a:sym typeface="Wingdings" pitchFamily="2" charset="2"/>
               </a:rPr>
-              <a:t>Explicit commits from Peter re: supporting above with </a:t>
-            </a:r>
-            <a:r>
-              <a:rPr lang="en-US" dirty="0" err="1" smtClean="0">
-                <a:sym typeface="Wingdings" pitchFamily="2" charset="2"/>
-              </a:rPr>
-              <a:t>OpenHFT</a:t>
-            </a:r>
-            <a:r>
-              <a:rPr lang="en-US" dirty="0" smtClean="0">
-                <a:sym typeface="Wingdings" pitchFamily="2" charset="2"/>
-              </a:rPr>
-              <a:t> as the Off-Heap </a:t>
-            </a:r>
-            <a:r>
-              <a:rPr lang="en-US" dirty="0" smtClean="0">
-                <a:sym typeface="Wingdings" pitchFamily="2" charset="2"/>
-              </a:rPr>
-              <a:t>provider.  JPM retain </a:t>
-            </a:r>
-            <a:r>
-              <a:rPr lang="en-US" dirty="0" err="1" smtClean="0">
-                <a:sym typeface="Wingdings" pitchFamily="2" charset="2"/>
-              </a:rPr>
-              <a:t>OpenHFT</a:t>
-            </a:r>
-            <a:r>
-              <a:rPr lang="en-US" dirty="0" smtClean="0">
-                <a:sym typeface="Wingdings" pitchFamily="2" charset="2"/>
-              </a:rPr>
-              <a:t>  via support subscription?</a:t>
-            </a:r>
-            <a:endParaRPr lang="en-US" dirty="0" smtClean="0">
+              <a:t>//1x 8-byte COPY into On-Heap </a:t>
+            </a:r>
+            <a:r>
+              <a:rPr lang="en-US" sz="1600" b="1" dirty="0" smtClean="0"/>
+              <a:t>_coupon </a:t>
+            </a:r>
+            <a:r>
+              <a:rPr lang="en-US" sz="1600" dirty="0" smtClean="0"/>
+              <a:t>reference from Off-Heap </a:t>
+            </a:r>
+            <a:r>
+              <a:rPr lang="en-US" sz="1600" dirty="0" err="1" smtClean="0">
+                <a:solidFill>
+                  <a:srgbClr val="C00000"/>
+                </a:solidFill>
+              </a:rPr>
+              <a:t>zcRDR.coupon</a:t>
+            </a:r>
+            <a:r>
+              <a:rPr lang="en-US" sz="1600" dirty="0" smtClean="0"/>
+              <a:t> reference </a:t>
+            </a:r>
+            <a:endParaRPr lang="en-US" sz="1600" dirty="0" smtClean="0">
               <a:sym typeface="Wingdings" pitchFamily="2" charset="2"/>
             </a:endParaRPr>
           </a:p>
           <a:p>
-            <a:endParaRPr lang="en-US" dirty="0" smtClean="0">
-              <a:sym typeface="Wingdings" pitchFamily="2" charset="2"/>
+            <a:endParaRPr lang="en-US" sz="1600" dirty="0" smtClean="0"/>
+          </a:p>
+          <a:p>
+            <a:pPr marL="0" marR="0" lvl="0" indent="0" algn="l" defTabSz="914400" rtl="0" eaLnBrk="0" fontAlgn="base" latinLnBrk="0" hangingPunct="0">
+              <a:lnSpc>
+                <a:spcPct val="100000"/>
+              </a:lnSpc>
+              <a:spcBef>
+                <a:spcPct val="0"/>
+              </a:spcBef>
+              <a:spcAft>
+                <a:spcPct val="0"/>
+              </a:spcAft>
+              <a:buClrTx/>
+              <a:buSzTx/>
+              <a:buFontTx/>
+              <a:buNone/>
+              <a:tabLst/>
+            </a:pPr>
+            <a:endParaRPr kumimoji="0" lang="en-US" sz="1800" b="1" i="0" u="none" strike="noStrike" cap="none" normalizeH="0" baseline="0" dirty="0" smtClean="0">
+              <a:ln>
+                <a:noFill/>
+              </a:ln>
+              <a:solidFill>
+                <a:schemeClr val="tx1"/>
+              </a:solidFill>
+              <a:effectLst/>
+              <a:latin typeface="Lucida Console" pitchFamily="49" charset="0"/>
             </a:endParaRPr>
           </a:p>
           <a:p>
-            <a:r>
-              <a:rPr lang="en-US" dirty="0" smtClean="0">
-                <a:sym typeface="Wingdings" pitchFamily="2" charset="2"/>
-              </a:rPr>
-              <a:t>Continued commits/time planning re: Ben, Dmitry, Xiao efforts to maintained </a:t>
-            </a:r>
-            <a:r>
-              <a:rPr lang="en-US" dirty="0" err="1" smtClean="0">
-                <a:sym typeface="Wingdings" pitchFamily="2" charset="2"/>
-              </a:rPr>
-              <a:t>Fork’d</a:t>
-            </a:r>
-            <a:r>
-              <a:rPr lang="en-US" dirty="0" smtClean="0">
-                <a:sym typeface="Wingdings" pitchFamily="2" charset="2"/>
-              </a:rPr>
-              <a:t> repo and build sound/complete/confirming tests.</a:t>
-            </a:r>
-            <a:endParaRPr lang="en-US" dirty="0" smtClean="0"/>
-          </a:p>
-          <a:p>
-            <a:endParaRPr lang="en-US" dirty="0"/>
-          </a:p>
-          <a:p>
+            <a:pPr marL="0" marR="0" lvl="0" indent="0" algn="l" defTabSz="914400" rtl="0" eaLnBrk="0" fontAlgn="base" latinLnBrk="0" hangingPunct="0">
+              <a:lnSpc>
+                <a:spcPct val="100000"/>
+              </a:lnSpc>
+              <a:spcBef>
+                <a:spcPct val="0"/>
+              </a:spcBef>
+              <a:spcAft>
+                <a:spcPct val="0"/>
+              </a:spcAft>
+              <a:buClrTx/>
+              <a:buSzTx/>
+              <a:buFontTx/>
+              <a:buNone/>
+              <a:tabLst/>
+            </a:pPr>
+            <a:endParaRPr lang="en-US" b="1" dirty="0" smtClean="0">
+              <a:latin typeface="Lucida Console" pitchFamily="49" charset="0"/>
+              <a:cs typeface="Arial" pitchFamily="34" charset="0"/>
+            </a:endParaRPr>
+          </a:p>
+          <a:p>
+            <a:pPr marL="0" marR="0" lvl="0" indent="0" algn="l" defTabSz="914400" rtl="0" eaLnBrk="0" fontAlgn="base" latinLnBrk="0" hangingPunct="0">
+              <a:lnSpc>
+                <a:spcPct val="100000"/>
+              </a:lnSpc>
+              <a:spcBef>
+                <a:spcPct val="0"/>
+              </a:spcBef>
+              <a:spcAft>
+                <a:spcPct val="0"/>
+              </a:spcAft>
+              <a:buClrTx/>
+              <a:buSzTx/>
+              <a:buFontTx/>
+              <a:buNone/>
+              <a:tabLst/>
+            </a:pPr>
+            <a:endParaRPr kumimoji="0" lang="en-US" sz="1800" b="0" i="0" u="none" strike="noStrike" cap="none" normalizeH="0" baseline="0" dirty="0" smtClean="0">
+              <a:ln>
+                <a:noFill/>
+              </a:ln>
+              <a:solidFill>
+                <a:schemeClr val="tx1"/>
+              </a:solidFill>
+              <a:effectLst/>
+              <a:latin typeface="Lucida Console" pitchFamily="49" charset="0"/>
+              <a:cs typeface="Arial" pitchFamily="34" charset="0"/>
+            </a:endParaRPr>
+          </a:p>
+        </p:txBody>
+      </p:sp>
+      <p:sp>
+        <p:nvSpPr>
+          <p:cNvPr id="4" name="TextBox 3"/>
+          <p:cNvSpPr txBox="1"/>
+          <p:nvPr/>
+        </p:nvSpPr>
+        <p:spPr>
+          <a:xfrm>
+            <a:off x="76200" y="228600"/>
+            <a:ext cx="8610600" cy="369332"/>
+          </a:xfrm>
+          <a:prstGeom prst="rect">
+            <a:avLst/>
+          </a:prstGeom>
+          <a:noFill/>
+        </p:spPr>
+        <p:txBody>
+          <a:bodyPr wrap="square" rtlCol="0">
+            <a:spAutoFit/>
+          </a:bodyPr>
+          <a:lstStyle/>
+          <a:p>
+            <a:r>
+              <a:rPr lang="en-US" dirty="0" smtClean="0"/>
+              <a:t>PID2 = </a:t>
+            </a:r>
+            <a:r>
+              <a:rPr lang="en-US" b="1" dirty="0" smtClean="0">
+                <a:solidFill>
+                  <a:srgbClr val="7030A0"/>
+                </a:solidFill>
+              </a:rPr>
+              <a:t>Consumer</a:t>
+            </a:r>
+            <a:r>
+              <a:rPr lang="en-US" dirty="0" smtClean="0"/>
+              <a:t> of  Off-Heap </a:t>
+            </a:r>
+            <a:r>
+              <a:rPr lang="en-US" i="1" dirty="0" smtClean="0"/>
+              <a:t>/dev/</a:t>
+            </a:r>
+            <a:r>
+              <a:rPr lang="en-US" i="1" dirty="0" err="1" smtClean="0"/>
+              <a:t>shm</a:t>
+            </a:r>
+            <a:r>
+              <a:rPr lang="en-US" i="1" dirty="0" smtClean="0"/>
+              <a:t>/RDR_DIM  </a:t>
+            </a:r>
+            <a:r>
+              <a:rPr lang="en-US" dirty="0" smtClean="0"/>
+              <a:t>data </a:t>
+            </a:r>
             <a:endParaRPr lang="en-US" dirty="0"/>
           </a:p>
         </p:txBody>
@@ -6613,6 +11142,230 @@
 </p:sld>
 </file>
 
+<file path=ppt/slides/slide20.xml><?xml version="1.0" encoding="utf-8"?>
+<p:sld xmlns:a="http://schemas.openxmlformats.org/drawingml/2006/main" xmlns:r="http://schemas.openxmlformats.org/officeDocument/2006/relationships" xmlns:p="http://schemas.openxmlformats.org/presentationml/2006/main">
+  <p:cSld>
+    <p:spTree>
+      <p:nvGrpSpPr>
+        <p:cNvPr id="1" name=""/>
+        <p:cNvGrpSpPr/>
+        <p:nvPr/>
+      </p:nvGrpSpPr>
+      <p:grpSpPr>
+        <a:xfrm>
+          <a:off x="0" y="0"/>
+          <a:ext cx="0" cy="0"/>
+          <a:chOff x="0" y="0"/>
+          <a:chExt cx="0" cy="0"/>
+        </a:xfrm>
+      </p:grpSpPr>
+      <p:pic>
+        <p:nvPicPr>
+          <p:cNvPr id="2" name="Picture 1" descr="JPMorgan.JPG"/>
+          <p:cNvPicPr>
+            <a:picLocks noChangeAspect="1"/>
+          </p:cNvPicPr>
+          <p:nvPr/>
+        </p:nvPicPr>
+        <p:blipFill>
+          <a:blip r:embed="rId2" cstate="print"/>
+          <a:stretch>
+            <a:fillRect/>
+          </a:stretch>
+        </p:blipFill>
+        <p:spPr>
+          <a:xfrm>
+            <a:off x="7696200" y="6477000"/>
+            <a:ext cx="1112108" cy="228600"/>
+          </a:xfrm>
+          <a:prstGeom prst="rect">
+            <a:avLst/>
+          </a:prstGeom>
+        </p:spPr>
+      </p:pic>
+      <p:sp>
+        <p:nvSpPr>
+          <p:cNvPr id="3" name="TextBox 2"/>
+          <p:cNvSpPr txBox="1"/>
+          <p:nvPr/>
+        </p:nvSpPr>
+        <p:spPr>
+          <a:xfrm>
+            <a:off x="1066800" y="533400"/>
+            <a:ext cx="7010400" cy="4801314"/>
+          </a:xfrm>
+          <a:prstGeom prst="rect">
+            <a:avLst/>
+          </a:prstGeom>
+          <a:noFill/>
+        </p:spPr>
+        <p:txBody>
+          <a:bodyPr wrap="square" rtlCol="0">
+            <a:spAutoFit/>
+          </a:bodyPr>
+          <a:lstStyle/>
+          <a:p>
+            <a:r>
+              <a:rPr lang="en-US" dirty="0" smtClean="0"/>
+              <a:t>IMMEDIATE NEXT STEPS:</a:t>
+            </a:r>
+          </a:p>
+          <a:p>
+            <a:endParaRPr lang="en-US" dirty="0" smtClean="0"/>
+          </a:p>
+          <a:p>
+            <a:endParaRPr lang="en-US" dirty="0"/>
+          </a:p>
+          <a:p>
+            <a:r>
+              <a:rPr lang="en-US" dirty="0" smtClean="0"/>
+              <a:t>Explicit commits from Mircea re: adapting Peter’s </a:t>
+            </a:r>
+            <a:r>
+              <a:rPr lang="en-US" dirty="0" err="1" smtClean="0"/>
+              <a:t>OpenHFT</a:t>
+            </a:r>
+            <a:r>
+              <a:rPr lang="en-US" dirty="0" smtClean="0"/>
+              <a:t> SHM as JDG interoperable JSR-107 Cache&lt;K,V&gt;.  </a:t>
+            </a:r>
+            <a:r>
+              <a:rPr lang="en-US" dirty="0" err="1" smtClean="0"/>
+              <a:t>RedHat</a:t>
+            </a:r>
+            <a:r>
+              <a:rPr lang="en-US" dirty="0" smtClean="0"/>
+              <a:t> customer support case?</a:t>
+            </a:r>
+          </a:p>
+          <a:p>
+            <a:endParaRPr lang="en-US" dirty="0"/>
+          </a:p>
+          <a:p>
+            <a:r>
+              <a:rPr lang="en-US" dirty="0" smtClean="0"/>
+              <a:t>Explicit commits from Bela re: “short circuiting” all node </a:t>
+            </a:r>
+            <a:r>
+              <a:rPr lang="en-US" dirty="0" smtClean="0">
+                <a:sym typeface="Wingdings" pitchFamily="2" charset="2"/>
+              </a:rPr>
+              <a:t> node transport resolution to use /dev/</a:t>
+            </a:r>
+            <a:r>
+              <a:rPr lang="en-US" dirty="0" err="1" smtClean="0">
+                <a:sym typeface="Wingdings" pitchFamily="2" charset="2"/>
+              </a:rPr>
+              <a:t>shm</a:t>
+            </a:r>
+            <a:r>
+              <a:rPr lang="en-US" dirty="0" smtClean="0">
+                <a:sym typeface="Wingdings" pitchFamily="2" charset="2"/>
+              </a:rPr>
+              <a:t> IPC as transport (instead of TCP/UDP) whenever possible  </a:t>
+            </a:r>
+            <a:r>
+              <a:rPr lang="en-US" dirty="0" err="1" smtClean="0">
+                <a:sym typeface="Wingdings" pitchFamily="2" charset="2"/>
+              </a:rPr>
+              <a:t>RedHat</a:t>
+            </a:r>
+            <a:r>
+              <a:rPr lang="en-US" dirty="0" smtClean="0">
+                <a:sym typeface="Wingdings" pitchFamily="2" charset="2"/>
+              </a:rPr>
+              <a:t> customer support case?</a:t>
+            </a:r>
+            <a:endParaRPr lang="en-US" dirty="0">
+              <a:sym typeface="Wingdings" pitchFamily="2" charset="2"/>
+            </a:endParaRPr>
+          </a:p>
+          <a:p>
+            <a:endParaRPr lang="en-US" dirty="0" smtClean="0">
+              <a:sym typeface="Wingdings" pitchFamily="2" charset="2"/>
+            </a:endParaRPr>
+          </a:p>
+          <a:p>
+            <a:r>
+              <a:rPr lang="en-US" dirty="0" smtClean="0">
+                <a:sym typeface="Wingdings" pitchFamily="2" charset="2"/>
+              </a:rPr>
+              <a:t>Explicit commits from Peter re: supporting above with </a:t>
+            </a:r>
+            <a:r>
+              <a:rPr lang="en-US" dirty="0" err="1" smtClean="0">
+                <a:sym typeface="Wingdings" pitchFamily="2" charset="2"/>
+              </a:rPr>
+              <a:t>OpenHFT</a:t>
+            </a:r>
+            <a:r>
+              <a:rPr lang="en-US" dirty="0" smtClean="0">
+                <a:sym typeface="Wingdings" pitchFamily="2" charset="2"/>
+              </a:rPr>
+              <a:t> as the Off-Heap provider.  JPM retain </a:t>
+            </a:r>
+            <a:r>
+              <a:rPr lang="en-US" dirty="0" err="1" smtClean="0">
+                <a:sym typeface="Wingdings" pitchFamily="2" charset="2"/>
+              </a:rPr>
+              <a:t>OpenHFT</a:t>
+            </a:r>
+            <a:r>
+              <a:rPr lang="en-US" dirty="0" smtClean="0">
+                <a:sym typeface="Wingdings" pitchFamily="2" charset="2"/>
+              </a:rPr>
+              <a:t>  via support subscription?</a:t>
+            </a:r>
+          </a:p>
+          <a:p>
+            <a:endParaRPr lang="en-US" dirty="0" smtClean="0">
+              <a:sym typeface="Wingdings" pitchFamily="2" charset="2"/>
+            </a:endParaRPr>
+          </a:p>
+          <a:p>
+            <a:r>
+              <a:rPr lang="en-US" dirty="0" smtClean="0">
+                <a:sym typeface="Wingdings" pitchFamily="2" charset="2"/>
+              </a:rPr>
+              <a:t>Continued commits/time planning re: Ben, Dmitry, Xiao efforts to maintained </a:t>
+            </a:r>
+            <a:r>
+              <a:rPr lang="en-US" dirty="0" err="1" smtClean="0">
+                <a:sym typeface="Wingdings" pitchFamily="2" charset="2"/>
+              </a:rPr>
+              <a:t>Fork’d</a:t>
+            </a:r>
+            <a:r>
+              <a:rPr lang="en-US" dirty="0" smtClean="0">
+                <a:sym typeface="Wingdings" pitchFamily="2" charset="2"/>
+              </a:rPr>
+              <a:t> repo and build sound/complete/confirming tests.</a:t>
+            </a:r>
+            <a:endParaRPr lang="en-US" dirty="0" smtClean="0"/>
+          </a:p>
+          <a:p>
+            <a:endParaRPr lang="en-US" dirty="0"/>
+          </a:p>
+          <a:p>
+            <a:endParaRPr lang="en-US" dirty="0"/>
+          </a:p>
+        </p:txBody>
+      </p:sp>
+    </p:spTree>
+  </p:cSld>
+  <p:clrMapOvr>
+    <a:masterClrMapping/>
+  </p:clrMapOvr>
+  <p:timing>
+    <p:tnLst>
+      <p:par>
+        <p:cTn id="1" dur="indefinite" restart="never" nodeType="tmRoot"/>
+      </p:par>
+    </p:tnLst>
+  </p:timing>
+</p:sld>
+</file>
+
 <file path=ppt/slides/slide3.xml><?xml version="1.0" encoding="utf-8"?>
 <p:sld xmlns:a="http://schemas.openxmlformats.org/drawingml/2006/main" xmlns:r="http://schemas.openxmlformats.org/officeDocument/2006/relationships" xmlns:p="http://schemas.openxmlformats.org/presentationml/2006/main">
   <p:cSld>
@@ -8224,7 +12977,15 @@
                   <a:srgbClr val="C00000"/>
                 </a:solidFill>
               </a:rPr>
-              <a:t>CONS: </a:t>
+              <a:t>CONS:  NIO </a:t>
+            </a:r>
+            <a:r>
+              <a:rPr lang="en-US" sz="1400" b="1" dirty="0" err="1" smtClean="0">
+                <a:solidFill>
+                  <a:srgbClr val="C00000"/>
+                </a:solidFill>
+              </a:rPr>
+              <a:t>alloc</a:t>
             </a:r>
             <a:r>
               <a:rPr lang="en-US" sz="1400" b="1" dirty="0" smtClean="0">
@@ -8232,39 +12993,7 @@
                   <a:srgbClr val="C00000"/>
                 </a:solidFill>
               </a:rPr>
-              <a:t> NIO </a:t>
-            </a:r>
-            <a:r>
-              <a:rPr lang="en-US" sz="1400" b="1" dirty="0" err="1" smtClean="0">
-                <a:solidFill>
-                  <a:srgbClr val="C00000"/>
-                </a:solidFill>
-              </a:rPr>
-              <a:t>alloc</a:t>
-            </a:r>
-            <a:r>
-              <a:rPr lang="en-US" sz="1400" b="1" dirty="0" smtClean="0">
-                <a:solidFill>
-                  <a:srgbClr val="C00000"/>
-                </a:solidFill>
-              </a:rPr>
-              <a:t>() limits. </a:t>
-            </a:r>
-            <a:r>
-              <a:rPr lang="en-US" sz="1400" b="1" dirty="0" smtClean="0">
-                <a:solidFill>
-                  <a:srgbClr val="C00000"/>
-                </a:solidFill>
-              </a:rPr>
-              <a:t>fails </a:t>
-            </a:r>
-            <a:r>
-              <a:rPr lang="en-US" sz="1400" b="1" dirty="0" smtClean="0">
-                <a:solidFill>
-                  <a:srgbClr val="C00000"/>
-                </a:solidFill>
-              </a:rPr>
-              <a:t>to deliver CBR ZC.  Not only just the Entry&lt;</a:t>
+              <a:t>() limits. fails to deliver CBR ZC.  Not only just the Entry&lt;</a:t>
             </a:r>
             <a:r>
               <a:rPr lang="en-US" sz="1400" b="1" dirty="0" err="1" smtClean="0">
@@ -9719,23 +14448,7 @@
                   <a:schemeClr val="accent4"/>
                 </a:solidFill>
               </a:rPr>
-              <a:t>Find a </a:t>
-            </a:r>
-            <a:r>
-              <a:rPr lang="en-US" b="1" i="1" dirty="0" smtClean="0">
-                <a:solidFill>
-                  <a:schemeClr val="accent4"/>
-                </a:solidFill>
-              </a:rPr>
-              <a:t>Off-Heap ZERO-COPY </a:t>
-            </a:r>
-            <a:r>
-              <a:rPr lang="en-US" b="1" i="1" dirty="0" smtClean="0">
-                <a:solidFill>
-                  <a:schemeClr val="accent4"/>
-                </a:solidFill>
-              </a:rPr>
-              <a:t>Java IPC provider (/dev/</a:t>
+              <a:t>Find a Off-Heap ZERO-COPY Java IPC provider (/dev/</a:t>
             </a:r>
             <a:r>
               <a:rPr lang="en-US" b="1" i="1" dirty="0" err="1" smtClean="0">
@@ -12525,10 +17238,18 @@
                   <a:schemeClr val="tx2"/>
                 </a:solidFill>
               </a:rPr>
-              <a:t> = {N1, N2, …N30}: </a:t>
-            </a:r>
-            <a:r>
-              <a:rPr lang="en-US" b="1" i="1" dirty="0" smtClean="0">
+              <a:t> = {N1, N2, …N30</a:t>
+            </a:r>
+            <a:r>
+              <a:rPr lang="en-US" b="1" i="1" smtClean="0">
+                <a:solidFill>
+                  <a:schemeClr val="tx2"/>
+                </a:solidFill>
+              </a:rPr>
+              <a:t>}: </a:t>
+            </a:r>
+            <a:r>
+              <a:rPr lang="en-US" b="1" i="1" smtClean="0">
                 <a:solidFill>
                   <a:schemeClr val="accent4"/>
                 </a:solidFill>
@@ -12569,54 +17290,17 @@
                   <a:srgbClr val="00B050"/>
                 </a:solidFill>
               </a:rPr>
-              <a:t>PROS:  extremely articulate, established “off-heap” </a:t>
-            </a:r>
+              <a:t>PROS:  extremely articulate, established “off-heap” leader.  Leads Mechanical-Sympathy community</a:t>
+            </a:r>
+          </a:p>
+          <a:p>
             <a:r>
               <a:rPr lang="en-US" sz="1400" b="1" dirty="0" smtClean="0">
                 <a:solidFill>
-                  <a:srgbClr val="00B050"/>
-                </a:solidFill>
-              </a:rPr>
-              <a:t>leader.  Leads Mechanical-Sympathy community</a:t>
-            </a:r>
-            <a:endParaRPr lang="en-US" sz="1400" b="1" dirty="0" smtClean="0">
-              <a:solidFill>
-                <a:srgbClr val="00B050"/>
-              </a:solidFill>
-            </a:endParaRPr>
-          </a:p>
-          <a:p>
-            <a:r>
-              <a:rPr lang="en-US" sz="1400" b="1" dirty="0" smtClean="0">
-                <a:solidFill>
                   <a:srgbClr val="C00000"/>
                 </a:solidFill>
               </a:rPr>
-              <a:t>CONS:  not forthright with solution delivery.  Wants to be paid up front</a:t>
-            </a:r>
-            <a:r>
-              <a:rPr lang="en-US" sz="1400" b="1" dirty="0" smtClean="0">
-                <a:solidFill>
-                  <a:srgbClr val="C00000"/>
-                </a:solidFill>
-              </a:rPr>
-              <a:t>.  Very terse with our Q&amp;A and inquiry </a:t>
-            </a:r>
-            <a:r>
-              <a:rPr lang="en-US" sz="1400" b="1" dirty="0" smtClean="0">
-                <a:solidFill>
-                  <a:srgbClr val="C00000"/>
-                </a:solidFill>
-              </a:rPr>
-              <a:t>into </a:t>
-            </a:r>
-            <a:r>
-              <a:rPr lang="en-US" sz="1400" b="1" dirty="0" smtClean="0">
-                <a:solidFill>
-                  <a:srgbClr val="C00000"/>
-                </a:solidFill>
-              </a:rPr>
-              <a:t>any solution details.</a:t>
+              <a:t>CONS:  not forthright with solution delivery.  Wants to be paid up front.  Very terse with our Q&amp;A and inquiry into any solution details.</a:t>
             </a:r>
             <a:endParaRPr lang="en-US" sz="1400" dirty="0" smtClean="0"/>
           </a:p>
@@ -12639,11 +17323,7 @@
             </a:r>
             <a:r>
               <a:rPr lang="en-US" sz="1400" b="1" dirty="0" smtClean="0"/>
-              <a:t> </a:t>
-            </a:r>
-            <a:r>
-              <a:rPr lang="en-US" sz="1400" b="1" dirty="0" smtClean="0"/>
-              <a:t>interested, but have not yet cut a purchase order.</a:t>
+              <a:t> interested, but have not yet cut a purchase order.</a:t>
             </a:r>
             <a:endParaRPr lang="en-US" sz="1400" b="1" dirty="0"/>
           </a:p>
@@ -13991,37 +18671,25 @@
                   <a:schemeClr val="tx2"/>
                 </a:solidFill>
               </a:rPr>
-              <a:t> = {N1, N2, …N30}: </a:t>
+              <a:t> = {N1, N2, …N30}: Peter and </a:t>
+            </a:r>
+            <a:r>
+              <a:rPr lang="en-US" b="1" i="1" dirty="0" err="1" smtClean="0">
+                <a:solidFill>
+                  <a:schemeClr val="tx2"/>
+                </a:solidFill>
+              </a:rPr>
+              <a:t>OpenHFT</a:t>
             </a:r>
             <a:r>
               <a:rPr lang="en-US" b="1" i="1" dirty="0" smtClean="0">
                 <a:solidFill>
-                  <a:schemeClr val="accent4"/>
-                </a:solidFill>
-              </a:rPr>
-              <a:t>Peter and </a:t>
-            </a:r>
-            <a:r>
-              <a:rPr lang="en-US" b="1" i="1" dirty="0" err="1" smtClean="0">
-                <a:solidFill>
-                  <a:schemeClr val="accent4"/>
-                </a:solidFill>
-              </a:rPr>
-              <a:t>OpenHFT</a:t>
-            </a:r>
-            <a:r>
-              <a:rPr lang="en-US" b="1" i="1" dirty="0" smtClean="0">
-                <a:solidFill>
-                  <a:schemeClr val="accent4"/>
+                  <a:schemeClr val="tx2"/>
                 </a:solidFill>
               </a:rPr>
               <a:t>?</a:t>
             </a:r>
-            <a:endParaRPr lang="en-US" dirty="0">
-              <a:solidFill>
-                <a:schemeClr val="accent4"/>
-              </a:solidFill>
-            </a:endParaRPr>
+            <a:endParaRPr lang="en-US" dirty="0"/>
           </a:p>
           <a:p>
             <a:r>
@@ -14051,153 +18719,33 @@
                   <a:srgbClr val="00B050"/>
                 </a:solidFill>
               </a:rPr>
-              <a:t>PROS:  Exceptionally, </a:t>
-            </a:r>
+              <a:t>PROS:  Exceptionally, unmistakably brilliant.  Exceedingly generous, gentle.  Committed to problem solving.  Won’t abandon us as “don’t get it”.  Will “suffer” with us when we get confused, “by our side”.  Special.</a:t>
+            </a:r>
+          </a:p>
+          <a:p>
             <a:r>
               <a:rPr lang="en-US" sz="1400" b="1" dirty="0" smtClean="0">
                 <a:solidFill>
-                  <a:srgbClr val="00B050"/>
-                </a:solidFill>
-              </a:rPr>
-              <a:t>unmistakably </a:t>
+                  <a:srgbClr val="C00000"/>
+                </a:solidFill>
+              </a:rPr>
+              <a:t>CONS:  Product set is not known to be in mainstream use.    User not introduced to products via Tutorials and Developer Guides … currently only intro is via </a:t>
+            </a:r>
+            <a:r>
+              <a:rPr lang="en-US" sz="1400" b="1" dirty="0" err="1" smtClean="0">
+                <a:solidFill>
+                  <a:srgbClr val="C00000"/>
+                </a:solidFill>
+              </a:rPr>
+              <a:t>Git</a:t>
             </a:r>
             <a:r>
               <a:rPr lang="en-US" sz="1400" b="1" dirty="0" smtClean="0">
                 <a:solidFill>
-                  <a:srgbClr val="00B050"/>
-                </a:solidFill>
-              </a:rPr>
-              <a:t>brilliant.  Exceedingly generous, gentle.  Committed to problem solving.  </a:t>
-            </a:r>
-            <a:r>
-              <a:rPr lang="en-US" sz="1400" b="1" dirty="0" smtClean="0">
-                <a:solidFill>
-                  <a:srgbClr val="00B050"/>
-                </a:solidFill>
-              </a:rPr>
-              <a:t>Won’t abandon us as “don’t get it”.  Will “suffer” </a:t>
-            </a:r>
-            <a:r>
-              <a:rPr lang="en-US" sz="1400" b="1" dirty="0" smtClean="0">
-                <a:solidFill>
-                  <a:srgbClr val="00B050"/>
-                </a:solidFill>
-              </a:rPr>
-              <a:t>with </a:t>
-            </a:r>
-            <a:r>
-              <a:rPr lang="en-US" sz="1400" b="1" dirty="0" smtClean="0">
-                <a:solidFill>
-                  <a:srgbClr val="00B050"/>
-                </a:solidFill>
-              </a:rPr>
-              <a:t>us when we get confused</a:t>
-            </a:r>
-            <a:r>
-              <a:rPr lang="en-US" sz="1400" b="1" dirty="0" smtClean="0">
-                <a:solidFill>
-                  <a:srgbClr val="00B050"/>
-                </a:solidFill>
-              </a:rPr>
-              <a:t>, </a:t>
-            </a:r>
-            <a:r>
-              <a:rPr lang="en-US" sz="1400" b="1" dirty="0" smtClean="0">
-                <a:solidFill>
-                  <a:srgbClr val="00B050"/>
-                </a:solidFill>
-              </a:rPr>
-              <a:t>“by </a:t>
-            </a:r>
-            <a:r>
-              <a:rPr lang="en-US" sz="1400" b="1" dirty="0" smtClean="0">
-                <a:solidFill>
-                  <a:srgbClr val="00B050"/>
-                </a:solidFill>
-              </a:rPr>
-              <a:t>our</a:t>
-            </a:r>
-            <a:r>
-              <a:rPr lang="en-US" sz="1400" b="1" dirty="0" smtClean="0">
-                <a:solidFill>
-                  <a:srgbClr val="00B050"/>
-                </a:solidFill>
-              </a:rPr>
-              <a:t> </a:t>
-            </a:r>
-            <a:r>
-              <a:rPr lang="en-US" sz="1400" b="1" dirty="0" smtClean="0">
-                <a:solidFill>
-                  <a:srgbClr val="00B050"/>
-                </a:solidFill>
-              </a:rPr>
-              <a:t>side”.  </a:t>
-            </a:r>
-            <a:r>
-              <a:rPr lang="en-US" sz="1400" b="1" dirty="0" smtClean="0">
-                <a:solidFill>
-                  <a:srgbClr val="00B050"/>
-                </a:solidFill>
-              </a:rPr>
-              <a:t>Special</a:t>
-            </a:r>
-            <a:r>
-              <a:rPr lang="en-US" sz="1400" b="1" dirty="0" smtClean="0">
-                <a:solidFill>
-                  <a:srgbClr val="00B050"/>
-                </a:solidFill>
-              </a:rPr>
-              <a:t>.</a:t>
-            </a:r>
-          </a:p>
-          <a:p>
-            <a:r>
-              <a:rPr lang="en-US" sz="1400" b="1" dirty="0" smtClean="0">
-                <a:solidFill>
                   <a:srgbClr val="C00000"/>
                 </a:solidFill>
               </a:rPr>
-              <a:t>CONS:  Product set is </a:t>
-            </a:r>
-            <a:r>
-              <a:rPr lang="en-US" sz="1400" b="1" dirty="0" smtClean="0">
-                <a:solidFill>
-                  <a:srgbClr val="C00000"/>
-                </a:solidFill>
-              </a:rPr>
-              <a:t>not known to be in mainstream use.  </a:t>
-            </a:r>
-            <a:r>
-              <a:rPr lang="en-US" sz="1400" b="1" dirty="0" smtClean="0">
-                <a:solidFill>
-                  <a:srgbClr val="C00000"/>
-                </a:solidFill>
-              </a:rPr>
-              <a:t>  User not introduced to products via Tutorials and Developer Guides … currently only intro is via </a:t>
-            </a:r>
-            <a:r>
-              <a:rPr lang="en-US" sz="1400" b="1" dirty="0" err="1" smtClean="0">
-                <a:solidFill>
-                  <a:srgbClr val="C00000"/>
-                </a:solidFill>
-              </a:rPr>
-              <a:t>Git</a:t>
-            </a:r>
-            <a:r>
-              <a:rPr lang="en-US" sz="1400" b="1" dirty="0" smtClean="0">
-                <a:solidFill>
-                  <a:srgbClr val="C00000"/>
-                </a:solidFill>
-              </a:rPr>
-              <a:t> hosted</a:t>
-            </a:r>
-            <a:r>
-              <a:rPr lang="en-US" sz="1400" b="1" dirty="0" smtClean="0">
-                <a:solidFill>
-                  <a:srgbClr val="C00000"/>
-                </a:solidFill>
-              </a:rPr>
-              <a:t> unit-tests and community forums.</a:t>
+              <a:t> hosted unit-tests and community forums.</a:t>
             </a:r>
             <a:endParaRPr lang="en-US" sz="1400" dirty="0" smtClean="0"/>
           </a:p>
@@ -14212,11 +18760,7 @@
             </a:r>
             <a:r>
               <a:rPr lang="en-US" sz="1400" b="1" dirty="0" smtClean="0"/>
-              <a:t> </a:t>
-            </a:r>
-            <a:r>
-              <a:rPr lang="en-US" sz="1400" b="1" dirty="0" smtClean="0"/>
-              <a:t>library. We need to do lots of diligence work to soundly/completely assess Peter as solution provider.</a:t>
+              <a:t> library. We need to do lots of diligence work to soundly/completely assess Peter as solution provider.</a:t>
             </a:r>
             <a:endParaRPr lang="en-US" sz="1400" b="1" dirty="0"/>
           </a:p>
@@ -15564,21 +20108,9 @@
                   <a:schemeClr val="tx2"/>
                 </a:solidFill>
               </a:rPr>
-              <a:t> = {N1, N2, …N30}: </a:t>
-            </a:r>
-            <a:r>
-              <a:rPr lang="en-US" b="1" i="1" dirty="0" smtClean="0">
-                <a:solidFill>
-                  <a:schemeClr val="accent4"/>
-                </a:solidFill>
-              </a:rPr>
-              <a:t>Apache Direct Memory?</a:t>
-            </a:r>
-            <a:endParaRPr lang="en-US" dirty="0">
-              <a:solidFill>
-                <a:schemeClr val="accent4"/>
-              </a:solidFill>
-            </a:endParaRPr>
+              <a:t> = {N1, N2, …N30}: Apache Direct Memory?</a:t>
+            </a:r>
+            <a:endParaRPr lang="en-US" dirty="0"/>
           </a:p>
           <a:p>
             <a:r>
@@ -15641,13 +20173,8 @@
           <a:p>
             <a:r>
               <a:rPr lang="en-US" sz="1400" b="1" dirty="0" smtClean="0"/>
-              <a:t>REMEDY GOAL:  Survey the use of Apache DM to solve this problem.  Try and find “go to” </a:t>
-            </a:r>
-            <a:r>
-              <a:rPr lang="en-US" sz="1400" b="1" dirty="0" smtClean="0"/>
-              <a:t>leaders w/in Apache DM community.</a:t>
-            </a:r>
-            <a:endParaRPr lang="en-US" sz="1400" b="1" dirty="0" smtClean="0"/>
+              <a:t>REMEDY GOAL:  Survey the use of Apache DM to solve this problem.  Try and find “go to” leaders w/in Apache DM community.</a:t>
+            </a:r>
           </a:p>
           <a:p>
             <a:endParaRPr lang="en-US" sz="1400" b="1" dirty="0"/>

--- a/doc/OnceUponATimeStoryOfSeeking-ZERO-COPY-Java-dev-shm-as-IPC-Transport-wrt-RDR_DIMENSION_operands_on_AE_JDG.pptx
+++ b/doc/OnceUponATimeStoryOfSeeking-ZERO-COPY-Java-dev-shm-as-IPC-Transport-wrt-RDR_DIMENSION_operands_on_AE_JDG.pptx
@@ -212,7 +212,7 @@
             <a:fld id="{E43FB4C3-DFE9-40EE-A3FD-8CBE2D181A2F}" type="datetimeFigureOut">
               <a:rPr lang="en-US" smtClean="0"/>
               <a:pPr/>
-              <a:t>5/29/2014</a:t>
+              <a:t>5/30/2014</a:t>
             </a:fld>
             <a:endParaRPr lang="en-US"/>
           </a:p>
@@ -742,7 +742,7 @@
             <a:fld id="{156898CE-C1E3-4BDA-9E2E-6477039A72FF}" type="datetimeFigureOut">
               <a:rPr lang="en-US" smtClean="0"/>
               <a:pPr/>
-              <a:t>5/29/2014</a:t>
+              <a:t>5/30/2014</a:t>
             </a:fld>
             <a:endParaRPr lang="en-US"/>
           </a:p>
@@ -909,7 +909,7 @@
             <a:fld id="{156898CE-C1E3-4BDA-9E2E-6477039A72FF}" type="datetimeFigureOut">
               <a:rPr lang="en-US" smtClean="0"/>
               <a:pPr/>
-              <a:t>5/29/2014</a:t>
+              <a:t>5/30/2014</a:t>
             </a:fld>
             <a:endParaRPr lang="en-US"/>
           </a:p>
@@ -1086,7 +1086,7 @@
             <a:fld id="{156898CE-C1E3-4BDA-9E2E-6477039A72FF}" type="datetimeFigureOut">
               <a:rPr lang="en-US" smtClean="0"/>
               <a:pPr/>
-              <a:t>5/29/2014</a:t>
+              <a:t>5/30/2014</a:t>
             </a:fld>
             <a:endParaRPr lang="en-US"/>
           </a:p>
@@ -1253,7 +1253,7 @@
             <a:fld id="{156898CE-C1E3-4BDA-9E2E-6477039A72FF}" type="datetimeFigureOut">
               <a:rPr lang="en-US" smtClean="0"/>
               <a:pPr/>
-              <a:t>5/29/2014</a:t>
+              <a:t>5/30/2014</a:t>
             </a:fld>
             <a:endParaRPr lang="en-US"/>
           </a:p>
@@ -1496,7 +1496,7 @@
             <a:fld id="{156898CE-C1E3-4BDA-9E2E-6477039A72FF}" type="datetimeFigureOut">
               <a:rPr lang="en-US" smtClean="0"/>
               <a:pPr/>
-              <a:t>5/29/2014</a:t>
+              <a:t>5/30/2014</a:t>
             </a:fld>
             <a:endParaRPr lang="en-US"/>
           </a:p>
@@ -1781,7 +1781,7 @@
             <a:fld id="{156898CE-C1E3-4BDA-9E2E-6477039A72FF}" type="datetimeFigureOut">
               <a:rPr lang="en-US" smtClean="0"/>
               <a:pPr/>
-              <a:t>5/29/2014</a:t>
+              <a:t>5/30/2014</a:t>
             </a:fld>
             <a:endParaRPr lang="en-US"/>
           </a:p>
@@ -2200,7 +2200,7 @@
             <a:fld id="{156898CE-C1E3-4BDA-9E2E-6477039A72FF}" type="datetimeFigureOut">
               <a:rPr lang="en-US" smtClean="0"/>
               <a:pPr/>
-              <a:t>5/29/2014</a:t>
+              <a:t>5/30/2014</a:t>
             </a:fld>
             <a:endParaRPr lang="en-US"/>
           </a:p>
@@ -2315,7 +2315,7 @@
             <a:fld id="{156898CE-C1E3-4BDA-9E2E-6477039A72FF}" type="datetimeFigureOut">
               <a:rPr lang="en-US" smtClean="0"/>
               <a:pPr/>
-              <a:t>5/29/2014</a:t>
+              <a:t>5/30/2014</a:t>
             </a:fld>
             <a:endParaRPr lang="en-US"/>
           </a:p>
@@ -2407,7 +2407,7 @@
             <a:fld id="{156898CE-C1E3-4BDA-9E2E-6477039A72FF}" type="datetimeFigureOut">
               <a:rPr lang="en-US" smtClean="0"/>
               <a:pPr/>
-              <a:t>5/29/2014</a:t>
+              <a:t>5/30/2014</a:t>
             </a:fld>
             <a:endParaRPr lang="en-US"/>
           </a:p>
@@ -2681,7 +2681,7 @@
             <a:fld id="{156898CE-C1E3-4BDA-9E2E-6477039A72FF}" type="datetimeFigureOut">
               <a:rPr lang="en-US" smtClean="0"/>
               <a:pPr/>
-              <a:t>5/29/2014</a:t>
+              <a:t>5/30/2014</a:t>
             </a:fld>
             <a:endParaRPr lang="en-US"/>
           </a:p>
@@ -2931,7 +2931,7 @@
             <a:fld id="{156898CE-C1E3-4BDA-9E2E-6477039A72FF}" type="datetimeFigureOut">
               <a:rPr lang="en-US" smtClean="0"/>
               <a:pPr/>
-              <a:t>5/29/2014</a:t>
+              <a:t>5/30/2014</a:t>
             </a:fld>
             <a:endParaRPr lang="en-US"/>
           </a:p>
@@ -3141,7 +3141,7 @@
             <a:fld id="{156898CE-C1E3-4BDA-9E2E-6477039A72FF}" type="datetimeFigureOut">
               <a:rPr lang="en-US" smtClean="0"/>
               <a:pPr/>
-              <a:t>5/29/2014</a:t>
+              <a:t>5/30/2014</a:t>
             </a:fld>
             <a:endParaRPr lang="en-US"/>
           </a:p>
@@ -3535,7 +3535,7 @@
             <a:fld id="{17C044C6-057F-46AB-A255-70C44A75AB8A}" type="datetime1">
               <a:rPr lang="en-US" smtClean="0"/>
               <a:pPr/>
-              <a:t>5/29/2014</a:t>
+              <a:t>5/30/2014</a:t>
             </a:fld>
             <a:endParaRPr lang="en-US" dirty="0"/>
           </a:p>
@@ -3748,8 +3748,8 @@
         </p:blipFill>
         <p:spPr bwMode="auto">
           <a:xfrm>
-            <a:off x="1143000" y="1905000"/>
-            <a:ext cx="6334125" cy="4219369"/>
+            <a:off x="685800" y="1981200"/>
+            <a:ext cx="7477125" cy="4219369"/>
           </a:xfrm>
           <a:prstGeom prst="rect">
             <a:avLst/>
@@ -3771,7 +3771,7 @@
         </p:nvSpPr>
         <p:spPr>
           <a:xfrm>
-            <a:off x="914400" y="381000"/>
+            <a:off x="914400" y="228600"/>
             <a:ext cx="6858000" cy="1846659"/>
           </a:xfrm>
           <a:prstGeom prst="rect">
@@ -3812,7 +3812,15 @@
           <a:p>
             <a:r>
               <a:rPr lang="en-US" sz="1600" dirty="0" smtClean="0"/>
-              <a:t>After Peter and Ben’s article published globally the considerations/merits of the </a:t>
+              <a:t>After Peter and Ben’s article @</a:t>
+            </a:r>
+            <a:r>
+              <a:rPr lang="en-US" sz="1600" dirty="0" err="1" smtClean="0"/>
+              <a:t>InfoQ</a:t>
+            </a:r>
+            <a:r>
+              <a:rPr lang="en-US" sz="1600" dirty="0" smtClean="0"/>
+              <a:t>  published globally the considerations/merits of the </a:t>
             </a:r>
             <a:r>
               <a:rPr lang="en-US" sz="1600" dirty="0" err="1" smtClean="0"/>
@@ -11440,7 +11448,7 @@
         <p:spPr>
           <a:xfrm>
             <a:off x="609600" y="76200"/>
-            <a:ext cx="7315200" cy="2092881"/>
+            <a:ext cx="7315200" cy="1908215"/>
           </a:xfrm>
           <a:prstGeom prst="rect">
             <a:avLst/>
@@ -11508,65 +11516,11 @@
             </a:endParaRPr>
           </a:p>
           <a:p>
-            <a:r>
-              <a:rPr lang="en-US" sz="1000" dirty="0" smtClean="0"/>
-              <a:t>POS data:	perfectly, non-redundantly, distributed across 30 node Grid.</a:t>
-            </a:r>
-            <a:endParaRPr lang="en-US" sz="1000" dirty="0"/>
-          </a:p>
-          <a:p>
-            <a:r>
-              <a:rPr lang="en-US" sz="1000" dirty="0" smtClean="0"/>
-              <a:t>RDR_DIM data: SOD deliver a “Pin RDR_DIM to native /dev/</a:t>
-            </a:r>
-            <a:r>
-              <a:rPr lang="en-US" sz="1000" dirty="0" err="1" smtClean="0"/>
-              <a:t>shm</a:t>
-            </a:r>
-            <a:r>
-              <a:rPr lang="en-US" sz="1000" dirty="0" smtClean="0"/>
-              <a:t>:  Use C++ </a:t>
-            </a:r>
-            <a:r>
-              <a:rPr lang="en-US" sz="1000" dirty="0" err="1" smtClean="0"/>
-              <a:t>shmat</a:t>
-            </a:r>
-            <a:r>
-              <a:rPr lang="en-US" sz="1000" dirty="0" smtClean="0"/>
-              <a:t>(2) kernel system call to establish Sys V style IPC operand.  SOD-EOD: All </a:t>
-            </a:r>
-            <a:r>
-              <a:rPr lang="en-US" sz="1000" dirty="0" err="1" smtClean="0"/>
-              <a:t>AggEng</a:t>
-            </a:r>
-            <a:r>
-              <a:rPr lang="en-US" sz="1000" dirty="0" smtClean="0"/>
-              <a:t> Operations on /dev/</a:t>
-            </a:r>
-            <a:r>
-              <a:rPr lang="en-US" sz="1000" dirty="0" err="1" smtClean="0"/>
-              <a:t>shm</a:t>
-            </a:r>
-            <a:r>
-              <a:rPr lang="en-US" sz="1000" dirty="0" smtClean="0"/>
-              <a:t>/RDR_DIM via </a:t>
-            </a:r>
-            <a:r>
-              <a:rPr lang="en-US" sz="1000" dirty="0" err="1" smtClean="0"/>
-              <a:t>shmctl</a:t>
-            </a:r>
-            <a:r>
-              <a:rPr lang="en-US" sz="1000" dirty="0" smtClean="0"/>
-              <a:t>(2) and </a:t>
-            </a:r>
-            <a:r>
-              <a:rPr lang="en-US" sz="1000" dirty="0" err="1" smtClean="0"/>
-              <a:t>shmop</a:t>
-            </a:r>
-            <a:r>
-              <a:rPr lang="en-US" sz="1000" dirty="0" smtClean="0"/>
-              <a:t>(2)”</a:t>
-            </a:r>
+            <a:endParaRPr lang="en-US" b="1" dirty="0" smtClean="0">
+              <a:solidFill>
+                <a:srgbClr val="00B050"/>
+              </a:solidFill>
+            </a:endParaRPr>
           </a:p>
           <a:p>
             <a:r>
@@ -12842,7 +12796,7 @@
         <p:spPr>
           <a:xfrm>
             <a:off x="609600" y="76200"/>
-            <a:ext cx="7315200" cy="2308324"/>
+            <a:ext cx="7315200" cy="2062103"/>
           </a:xfrm>
           <a:prstGeom prst="rect">
             <a:avLst/>
@@ -12926,39 +12880,11 @@
             </a:endParaRPr>
           </a:p>
           <a:p>
-            <a:r>
-              <a:rPr lang="en-US" sz="1000" dirty="0" smtClean="0"/>
-              <a:t>POS data:	perfectly, non-redundantly, distributed across 30 node Grid.</a:t>
-            </a:r>
-            <a:endParaRPr lang="en-US" sz="1000" dirty="0"/>
-          </a:p>
-          <a:p>
-            <a:r>
-              <a:rPr lang="en-US" sz="1000" dirty="0" smtClean="0"/>
-              <a:t>RDR_DIM data: SOD deliver a “Pin RDR_DIM to native /dev/</a:t>
-            </a:r>
-            <a:r>
-              <a:rPr lang="en-US" sz="1000" dirty="0" err="1" smtClean="0"/>
-              <a:t>shm</a:t>
-            </a:r>
-            <a:r>
-              <a:rPr lang="en-US" sz="1000" dirty="0" smtClean="0"/>
-              <a:t>:  Use </a:t>
-            </a:r>
-            <a:r>
-              <a:rPr lang="en-US" sz="1000" b="1" dirty="0" err="1" smtClean="0">
-                <a:hlinkClick r:id="rId3"/>
-              </a:rPr>
-              <a:t>java.nio.MappedByteBuffer</a:t>
-            </a:r>
-            <a:r>
-              <a:rPr lang="en-US" sz="1000" b="1" dirty="0" smtClean="0"/>
-              <a:t> </a:t>
-            </a:r>
-            <a:r>
-              <a:rPr lang="en-US" sz="1000" dirty="0" smtClean="0"/>
-              <a:t>to render operand.   Use a Java call-by-reference capability to affect a ZERO-COPY LRI operational capability”</a:t>
-            </a:r>
+            <a:endParaRPr lang="en-US" sz="1400" b="1" dirty="0" smtClean="0">
+              <a:solidFill>
+                <a:srgbClr val="00B050"/>
+              </a:solidFill>
+            </a:endParaRPr>
           </a:p>
           <a:p>
             <a:r>
@@ -13055,7 +12981,7 @@
           <p:nvPr/>
         </p:nvPicPr>
         <p:blipFill>
-          <a:blip r:embed="rId4" cstate="print"/>
+          <a:blip r:embed="rId3" cstate="print"/>
           <a:stretch>
             <a:fillRect/>
           </a:stretch>
@@ -13153,7 +13079,7 @@
           <p:nvPr/>
         </p:nvPicPr>
         <p:blipFill>
-          <a:blip r:embed="rId5" cstate="print"/>
+          <a:blip r:embed="rId4" cstate="print"/>
           <a:stretch>
             <a:fillRect/>
           </a:stretch>
@@ -13237,7 +13163,7 @@
           <p:nvPr/>
         </p:nvPicPr>
         <p:blipFill>
-          <a:blip r:embed="rId5" cstate="print"/>
+          <a:blip r:embed="rId4" cstate="print"/>
           <a:stretch>
             <a:fillRect/>
           </a:stretch>
@@ -13290,7 +13216,7 @@
           <p:nvPr/>
         </p:nvPicPr>
         <p:blipFill>
-          <a:blip r:embed="rId5" cstate="print"/>
+          <a:blip r:embed="rId4" cstate="print"/>
           <a:stretch>
             <a:fillRect/>
           </a:stretch>
@@ -13418,7 +13344,7 @@
             <p:nvPr/>
           </p:nvPicPr>
           <p:blipFill>
-            <a:blip r:embed="rId6" cstate="print"/>
+            <a:blip r:embed="rId5" cstate="print"/>
             <a:stretch>
               <a:fillRect/>
             </a:stretch>
@@ -13487,7 +13413,7 @@
             <p:nvPr/>
           </p:nvPicPr>
           <p:blipFill>
-            <a:blip r:embed="rId6" cstate="print"/>
+            <a:blip r:embed="rId5" cstate="print"/>
             <a:stretch>
               <a:fillRect/>
             </a:stretch>
@@ -13556,7 +13482,7 @@
             <p:nvPr/>
           </p:nvPicPr>
           <p:blipFill>
-            <a:blip r:embed="rId6" cstate="print"/>
+            <a:blip r:embed="rId5" cstate="print"/>
             <a:stretch>
               <a:fillRect/>
             </a:stretch>
@@ -14405,7 +14331,7 @@
         <p:spPr>
           <a:xfrm>
             <a:off x="609600" y="76200"/>
-            <a:ext cx="7315200" cy="1969770"/>
+            <a:ext cx="7315200" cy="1600438"/>
           </a:xfrm>
           <a:prstGeom prst="rect">
             <a:avLst/>
@@ -14473,25 +14399,11 @@
             </a:endParaRPr>
           </a:p>
           <a:p>
-            <a:r>
-              <a:rPr lang="en-US" sz="1200" dirty="0" smtClean="0"/>
-              <a:t>POS data:	perfectly, non-redundantly, distributed across 30 node Grid.</a:t>
-            </a:r>
-            <a:endParaRPr lang="en-US" sz="1200" dirty="0"/>
-          </a:p>
-          <a:p>
-            <a:r>
-              <a:rPr lang="en-US" sz="1200" dirty="0" smtClean="0"/>
-              <a:t>RDR_DIM data: SOD deliver a “Pin RDR_DIM to native /dev/</a:t>
-            </a:r>
-            <a:r>
-              <a:rPr lang="en-US" sz="1200" dirty="0" err="1" smtClean="0"/>
-              <a:t>shm</a:t>
-            </a:r>
-            <a:r>
-              <a:rPr lang="en-US" sz="1200" dirty="0" smtClean="0"/>
-              <a:t>:  Needed =  a Java call-by-reference PROVIDER to affect a ZERO-COPY LRI operational capability”</a:t>
-            </a:r>
+            <a:endParaRPr lang="en-US" sz="1200" b="1" dirty="0" smtClean="0">
+              <a:solidFill>
+                <a:srgbClr val="00B050"/>
+              </a:solidFill>
+            </a:endParaRPr>
           </a:p>
           <a:p>
             <a:r>
@@ -15812,7 +15724,7 @@
         <p:spPr>
           <a:xfrm>
             <a:off x="609600" y="76200"/>
-            <a:ext cx="7315200" cy="1938992"/>
+            <a:ext cx="7315200" cy="1508105"/>
           </a:xfrm>
           <a:prstGeom prst="rect">
             <a:avLst/>
@@ -15864,25 +15776,7 @@
             </a:endParaRPr>
           </a:p>
           <a:p>
-            <a:r>
-              <a:rPr lang="en-US" sz="1400" dirty="0" smtClean="0"/>
-              <a:t>POS data:	perfectly, non-redundantly, distributed across 30 node Grid.</a:t>
-            </a:r>
-            <a:endParaRPr lang="en-US" sz="1400" dirty="0"/>
-          </a:p>
-          <a:p>
-            <a:r>
-              <a:rPr lang="en-US" sz="1400" dirty="0" smtClean="0"/>
-              <a:t>RDR_DIM data: SOD deliver a “Pin RDR_DIM to native /dev/</a:t>
-            </a:r>
-            <a:r>
-              <a:rPr lang="en-US" sz="1400" dirty="0" err="1" smtClean="0"/>
-              <a:t>shm</a:t>
-            </a:r>
-            <a:r>
-              <a:rPr lang="en-US" sz="1400" dirty="0" smtClean="0"/>
-              <a:t>:  Needed =  a Java call-by-reference PROVIDER to affect a ZERO-COPY LRI operational capability”</a:t>
-            </a:r>
+            <a:endParaRPr lang="en-US" sz="1400" dirty="0" smtClean="0"/>
           </a:p>
           <a:p>
             <a:r>
@@ -17203,7 +17097,7 @@
         <p:spPr>
           <a:xfrm>
             <a:off x="609600" y="76200"/>
-            <a:ext cx="7315200" cy="2262158"/>
+            <a:ext cx="7315200" cy="1661993"/>
           </a:xfrm>
           <a:prstGeom prst="rect">
             <a:avLst/>
@@ -17238,18 +17132,10 @@
                   <a:schemeClr val="tx2"/>
                 </a:solidFill>
               </a:rPr>
-              <a:t> = {N1, N2, …N30</a:t>
-            </a:r>
-            <a:r>
-              <a:rPr lang="en-US" b="1" i="1" smtClean="0">
-                <a:solidFill>
-                  <a:schemeClr val="tx2"/>
-                </a:solidFill>
-              </a:rPr>
-              <a:t>}: </a:t>
-            </a:r>
-            <a:r>
-              <a:rPr lang="en-US" b="1" i="1" smtClean="0">
+              <a:t> = {N1, N2, …N30}: </a:t>
+            </a:r>
+            <a:r>
+              <a:rPr lang="en-US" b="1" i="1" dirty="0" smtClean="0">
                 <a:solidFill>
                   <a:schemeClr val="accent4"/>
                 </a:solidFill>
@@ -17261,27 +17147,6 @@
                 <a:schemeClr val="accent4"/>
               </a:solidFill>
             </a:endParaRPr>
-          </a:p>
-          <a:p>
-            <a:r>
-              <a:rPr lang="en-US" sz="1300" dirty="0" smtClean="0"/>
-              <a:t>POS data:	perfectly, non-redundantly, distributed across 30 node Grid.</a:t>
-            </a:r>
-            <a:endParaRPr lang="en-US" sz="1300" dirty="0"/>
-          </a:p>
-          <a:p>
-            <a:r>
-              <a:rPr lang="en-US" sz="1300" dirty="0" smtClean="0"/>
-              <a:t>RDR_DIM data: SOD deliver a “Pin RDR_DIM to native /dev/</a:t>
-            </a:r>
-            <a:r>
-              <a:rPr lang="en-US" sz="1300" dirty="0" err="1" smtClean="0"/>
-              <a:t>shm</a:t>
-            </a:r>
-            <a:r>
-              <a:rPr lang="en-US" sz="1300" dirty="0" smtClean="0"/>
-              <a:t>:  Needed =  a Java call-by-reference PROVIDER to affect a ZERO-COPY LRI operational capability”</a:t>
-            </a:r>
           </a:p>
           <a:p>
             <a:r>
@@ -18636,7 +18501,7 @@
         <p:spPr>
           <a:xfrm>
             <a:off x="609600" y="76200"/>
-            <a:ext cx="8382000" cy="2215991"/>
+            <a:ext cx="8382000" cy="1877437"/>
           </a:xfrm>
           <a:prstGeom prst="rect">
             <a:avLst/>
@@ -18692,25 +18557,11 @@
             <a:endParaRPr lang="en-US" dirty="0"/>
           </a:p>
           <a:p>
-            <a:r>
-              <a:rPr lang="en-US" sz="1200" dirty="0" smtClean="0"/>
-              <a:t>POS data:	perfectly, non-redundantly, distributed across 30 node Grid.</a:t>
-            </a:r>
-            <a:endParaRPr lang="en-US" sz="1200" dirty="0"/>
-          </a:p>
-          <a:p>
-            <a:r>
-              <a:rPr lang="en-US" sz="1200" dirty="0" smtClean="0"/>
-              <a:t>RDR_DIM data: SOD deliver a “Pin RDR_DIM to native /dev/</a:t>
-            </a:r>
-            <a:r>
-              <a:rPr lang="en-US" sz="1200" dirty="0" err="1" smtClean="0"/>
-              <a:t>shm</a:t>
-            </a:r>
-            <a:r>
-              <a:rPr lang="en-US" sz="1200" dirty="0" smtClean="0"/>
-              <a:t>:  Needed =  a Java call-by-reference PROVIDER to affect a ZERO-COPY LRI operational capability”</a:t>
-            </a:r>
+            <a:endParaRPr lang="en-US" sz="1400" b="1" dirty="0" smtClean="0">
+              <a:solidFill>
+                <a:srgbClr val="00B050"/>
+              </a:solidFill>
+            </a:endParaRPr>
           </a:p>
           <a:p>
             <a:r>
@@ -20073,7 +19924,7 @@
         <p:spPr>
           <a:xfrm>
             <a:off x="609600" y="76200"/>
-            <a:ext cx="7315200" cy="2277547"/>
+            <a:ext cx="7315200" cy="1938992"/>
           </a:xfrm>
           <a:prstGeom prst="rect">
             <a:avLst/>
@@ -20113,25 +19964,11 @@
             <a:endParaRPr lang="en-US" dirty="0"/>
           </a:p>
           <a:p>
-            <a:r>
-              <a:rPr lang="en-US" sz="1200" dirty="0" smtClean="0"/>
-              <a:t>POS data:	perfectly, non-redundantly, distributed across 30 node Grid.</a:t>
-            </a:r>
-            <a:endParaRPr lang="en-US" sz="1200" dirty="0"/>
-          </a:p>
-          <a:p>
-            <a:r>
-              <a:rPr lang="en-US" sz="1200" dirty="0" smtClean="0"/>
-              <a:t>RDR_DIM data: SOD deliver a “Pin RDR_DIM to native /dev/</a:t>
-            </a:r>
-            <a:r>
-              <a:rPr lang="en-US" sz="1200" dirty="0" err="1" smtClean="0"/>
-              <a:t>shm</a:t>
-            </a:r>
-            <a:r>
-              <a:rPr lang="en-US" sz="1200" dirty="0" smtClean="0"/>
-              <a:t>:  Needed =  a Java call-by-reference PROVIDER to affect a ZERO-COPY LRI operational capability”</a:t>
-            </a:r>
+            <a:endParaRPr lang="en-US" sz="1400" b="1" dirty="0" smtClean="0">
+              <a:solidFill>
+                <a:srgbClr val="00B050"/>
+              </a:solidFill>
+            </a:endParaRPr>
           </a:p>
           <a:p>
             <a:r>
@@ -20166,7 +20003,7 @@
                   <a:srgbClr val="C00000"/>
                 </a:solidFill>
               </a:rPr>
-              <a:t>CONS:  Not individual “go to guy” with which to richly interact.</a:t>
+              <a:t>CONS:  Hard to find an individual “go to guy” with which to richly interact.</a:t>
             </a:r>
             <a:endParaRPr lang="en-US" sz="1400" dirty="0" smtClean="0"/>
           </a:p>
